--- a/Week3-4_kinematics/Forces_WH7.2.pptx
+++ b/Week3-4_kinematics/Forces_WH7.2.pptx
@@ -9,9 +9,12 @@
     <p:sldId id="260" r:id="rId3"/>
     <p:sldId id="261" r:id="rId4"/>
     <p:sldId id="262" r:id="rId5"/>
-    <p:sldId id="257" r:id="rId6"/>
-    <p:sldId id="258" r:id="rId7"/>
-    <p:sldId id="259" r:id="rId8"/>
+    <p:sldId id="259" r:id="rId6"/>
+    <p:sldId id="266" r:id="rId7"/>
+    <p:sldId id="257" r:id="rId8"/>
+    <p:sldId id="258" r:id="rId9"/>
+    <p:sldId id="264" r:id="rId10"/>
+    <p:sldId id="265" r:id="rId11"/>
   </p:sldIdLst>
   <p:sldSz cx="12192000" cy="6858000"/>
   <p:notesSz cx="6858000" cy="9144000"/>
@@ -3412,6 +3415,86 @@
 </p:sld>
 </file>
 
+<file path=ppt/slides/slide10.xml><?xml version="1.0" encoding="utf-8"?>
+<p:sld xmlns:a="http://schemas.openxmlformats.org/drawingml/2006/main" xmlns:r="http://schemas.openxmlformats.org/officeDocument/2006/relationships" xmlns:p="http://schemas.openxmlformats.org/presentationml/2006/main">
+  <p:cSld>
+    <p:spTree>
+      <p:nvGrpSpPr>
+        <p:cNvPr id="1" name=""/>
+        <p:cNvGrpSpPr/>
+        <p:nvPr/>
+      </p:nvGrpSpPr>
+      <p:grpSpPr>
+        <a:xfrm>
+          <a:off x="0" y="0"/>
+          <a:ext cx="0" cy="0"/>
+          <a:chOff x="0" y="0"/>
+          <a:chExt cx="0" cy="0"/>
+        </a:xfrm>
+      </p:grpSpPr>
+      <p:sp>
+        <p:nvSpPr>
+          <p:cNvPr id="2" name="Title 1">
+            <a:extLst>
+              <a:ext uri="{FF2B5EF4-FFF2-40B4-BE49-F238E27FC236}">
+                <a16:creationId xmlns:a16="http://schemas.microsoft.com/office/drawing/2014/main" id="{5C2EAEAA-EA18-8FB3-5098-CDCE02820676}"/>
+              </a:ext>
+            </a:extLst>
+          </p:cNvPr>
+          <p:cNvSpPr>
+            <a:spLocks noGrp="1"/>
+          </p:cNvSpPr>
+          <p:nvPr>
+            <p:ph type="title"/>
+          </p:nvPr>
+        </p:nvSpPr>
+        <p:spPr/>
+        <p:txBody>
+          <a:bodyPr/>
+          <a:lstStyle/>
+          <a:p>
+            <a:endParaRPr lang="en-US"/>
+          </a:p>
+        </p:txBody>
+      </p:sp>
+      <p:sp>
+        <p:nvSpPr>
+          <p:cNvPr id="3" name="Content Placeholder 2">
+            <a:extLst>
+              <a:ext uri="{FF2B5EF4-FFF2-40B4-BE49-F238E27FC236}">
+                <a16:creationId xmlns:a16="http://schemas.microsoft.com/office/drawing/2014/main" id="{FCBF9F11-6ABD-0793-D617-352DFFE7A84C}"/>
+              </a:ext>
+            </a:extLst>
+          </p:cNvPr>
+          <p:cNvSpPr>
+            <a:spLocks noGrp="1"/>
+          </p:cNvSpPr>
+          <p:nvPr>
+            <p:ph idx="1"/>
+          </p:nvPr>
+        </p:nvSpPr>
+        <p:spPr/>
+        <p:txBody>
+          <a:bodyPr/>
+          <a:lstStyle/>
+          <a:p>
+            <a:endParaRPr lang="en-US"/>
+          </a:p>
+        </p:txBody>
+      </p:sp>
+    </p:spTree>
+    <p:extLst>
+      <p:ext uri="{BB962C8B-B14F-4D97-AF65-F5344CB8AC3E}">
+        <p14:creationId xmlns:p14="http://schemas.microsoft.com/office/powerpoint/2010/main" val="2920697991"/>
+      </p:ext>
+    </p:extLst>
+  </p:cSld>
+  <p:clrMapOvr>
+    <a:masterClrMapping/>
+  </p:clrMapOvr>
+</p:sld>
+</file>
+
 <file path=ppt/slides/slide2.xml><?xml version="1.0" encoding="utf-8"?>
 <p:sld xmlns:a="http://schemas.openxmlformats.org/drawingml/2006/main" xmlns:r="http://schemas.openxmlformats.org/officeDocument/2006/relationships" xmlns:p="http://schemas.openxmlformats.org/presentationml/2006/main">
   <p:cSld>
@@ -3616,7 +3699,7 @@
           <a:p>
             <a:r>
               <a:rPr lang="en-US" dirty="0"/>
-              <a:t>The whole equation</a:t>
+              <a:t>momentum equation</a:t>
             </a:r>
           </a:p>
         </p:txBody>
@@ -3644,15 +3727,7 @@
           <a:p>
             <a:r>
               <a:rPr lang="en-US" dirty="0"/>
-              <a:t>3 equations since V = &lt;</a:t>
-            </a:r>
-            <a:r>
-              <a:rPr lang="en-US" dirty="0" err="1"/>
-              <a:t>u,v,w</a:t>
-            </a:r>
-            <a:r>
-              <a:rPr lang="en-US" dirty="0"/>
-              <a:t>&gt;</a:t>
+              <a:t>3 equations in 3D</a:t>
             </a:r>
           </a:p>
           <a:p>
@@ -3669,35 +3744,83 @@
             </a:r>
             <a:r>
               <a:rPr lang="en-US" dirty="0"/>
-              <a:t> is so different: hydrostatic</a:t>
-            </a:r>
-          </a:p>
-          <a:p>
-            <a:pPr lvl="1"/>
-            <a:r>
-              <a:rPr lang="en-US" dirty="0"/>
-              <a:t>p holds up air against gravity</a:t>
-            </a:r>
-          </a:p>
-          <a:p>
-            <a:pPr lvl="1"/>
-            <a:endParaRPr lang="en-US" dirty="0"/>
-          </a:p>
-          <a:p>
-            <a:endParaRPr lang="en-US" dirty="0"/>
-          </a:p>
-          <a:p>
+              <a:t> is so different: </a:t>
+            </a:r>
             <a:r>
               <a:rPr lang="en-US" dirty="0">
                 <a:solidFill>
                   <a:srgbClr val="FF0000"/>
                 </a:solidFill>
               </a:rPr>
-              <a:t>Horizontal</a:t>
-            </a:r>
+              <a:t>hydrostatic</a:t>
+            </a:r>
+          </a:p>
+          <a:p>
+            <a:pPr lvl="1"/>
             <a:r>
               <a:rPr lang="en-US" dirty="0"/>
-              <a:t> is Chapter 7 </a:t>
+              <a:t>p holds up air against gravity</a:t>
+            </a:r>
+          </a:p>
+          <a:p>
+            <a:pPr lvl="1"/>
+            <a:r>
+              <a:rPr lang="en-US" dirty="0" err="1">
+                <a:latin typeface="Symbol" pitchFamily="2" charset="2"/>
+              </a:rPr>
+              <a:t>a</a:t>
+            </a:r>
+            <a:r>
+              <a:rPr lang="en-US" dirty="0" err="1"/>
+              <a:t>dp</a:t>
+            </a:r>
+            <a:r>
+              <a:rPr lang="en-US" dirty="0"/>
+              <a:t>/</a:t>
+            </a:r>
+            <a:r>
+              <a:rPr lang="en-US" dirty="0" err="1"/>
+              <a:t>dz</a:t>
+            </a:r>
+            <a:r>
+              <a:rPr lang="en-US" dirty="0"/>
+              <a:t> = -g</a:t>
+            </a:r>
+          </a:p>
+          <a:p>
+            <a:pPr lvl="2"/>
+            <a:r>
+              <a:rPr lang="en-US" dirty="0">
+                <a:latin typeface="Symbol" pitchFamily="2" charset="2"/>
+              </a:rPr>
+              <a:t>a = 1/r</a:t>
+            </a:r>
+          </a:p>
+          <a:p>
+            <a:pPr lvl="2"/>
+            <a:r>
+              <a:rPr lang="en-US" dirty="0"/>
+              <a:t>”specific volume” </a:t>
+            </a:r>
+          </a:p>
+          <a:p>
+            <a:pPr lvl="2"/>
+            <a:r>
+              <a:rPr lang="en-US" dirty="0"/>
+              <a:t>oceanographer: what is “volume flux”?</a:t>
+            </a:r>
+          </a:p>
+          <a:p>
+            <a:endParaRPr lang="en-US" dirty="0"/>
+          </a:p>
+          <a:p>
+            <a:r>
+              <a:rPr lang="en-US" dirty="0">
+                <a:solidFill>
+                  <a:srgbClr val="FF0000"/>
+                </a:solidFill>
+              </a:rPr>
+              <a:t>Horizontal is Chapter 7: vector form </a:t>
             </a:r>
           </a:p>
           <a:p>
@@ -3848,7 +3971,7 @@
         </p:blipFill>
         <p:spPr>
           <a:xfrm>
-            <a:off x="1369958" y="1555668"/>
+            <a:off x="1369958" y="1413168"/>
             <a:ext cx="3914561" cy="5302332"/>
           </a:xfrm>
           <a:prstGeom prst="rect">
@@ -3878,7 +4001,7 @@
         </p:blipFill>
         <p:spPr>
           <a:xfrm>
-            <a:off x="6907482" y="1287692"/>
+            <a:off x="6907482" y="1263942"/>
             <a:ext cx="3914559" cy="5527200"/>
           </a:xfrm>
           <a:prstGeom prst="rect">
@@ -3921,7 +4044,7 @@
           <p:cNvPr id="2" name="Title 1">
             <a:extLst>
               <a:ext uri="{FF2B5EF4-FFF2-40B4-BE49-F238E27FC236}">
-                <a16:creationId xmlns:a16="http://schemas.microsoft.com/office/drawing/2014/main" id="{C34BBBD6-6C14-78E8-A68C-B2C66D110726}"/>
+                <a16:creationId xmlns:a16="http://schemas.microsoft.com/office/drawing/2014/main" id="{86511A73-0FFC-A7B5-35F5-13BBD7318B85}"/>
               </a:ext>
             </a:extLst>
           </p:cNvPr>
@@ -3932,7 +4055,12 @@
             <p:ph type="title"/>
           </p:nvPr>
         </p:nvSpPr>
-        <p:spPr/>
+        <p:spPr>
+          <a:xfrm>
+            <a:off x="838200" y="88982"/>
+            <a:ext cx="10515600" cy="1325563"/>
+          </a:xfrm>
+        </p:spPr>
         <p:txBody>
           <a:bodyPr/>
           <a:lstStyle/>
@@ -3940,7 +4068,7 @@
             <a:pPr algn="ctr"/>
             <a:r>
               <a:rPr lang="en-US" dirty="0"/>
-              <a:t>The concept of “inertial forces”</a:t>
+              <a:t>The PGF</a:t>
             </a:r>
           </a:p>
         </p:txBody>
@@ -3950,7 +4078,7 @@
           <p:cNvPr id="3" name="Content Placeholder 2">
             <a:extLst>
               <a:ext uri="{FF2B5EF4-FFF2-40B4-BE49-F238E27FC236}">
-                <a16:creationId xmlns:a16="http://schemas.microsoft.com/office/drawing/2014/main" id="{ED5CA56D-871A-8927-8860-CF15629149E5}"/>
+                <a16:creationId xmlns:a16="http://schemas.microsoft.com/office/drawing/2014/main" id="{9799487A-CCDE-EFA6-E4E4-9192EE56AA65}"/>
               </a:ext>
             </a:extLst>
           </p:cNvPr>
@@ -3961,44 +4089,26 @@
             <p:ph idx="1"/>
           </p:nvPr>
         </p:nvSpPr>
-        <p:spPr/>
-        <p:txBody>
-          <a:bodyPr>
-            <a:normAutofit/>
-          </a:bodyPr>
+        <p:spPr>
+          <a:xfrm>
+            <a:off x="838200" y="1140032"/>
+            <a:ext cx="10515600" cy="5036932"/>
+          </a:xfrm>
+        </p:spPr>
+        <p:txBody>
+          <a:bodyPr/>
           <a:lstStyle/>
           <a:p>
             <a:r>
               <a:rPr lang="en-US" dirty="0"/>
-              <a:t>“Force” really means force per unit mass (</a:t>
-            </a:r>
-            <a:r>
-              <a:rPr lang="en-US" i="1" dirty="0"/>
-              <a:t>acceleration</a:t>
-            </a:r>
+              <a:t>Momentum flux convergence (flux in – flux out of box) </a:t>
+            </a:r>
+          </a:p>
+          <a:p>
+            <a:pPr lvl="1"/>
             <a:r>
               <a:rPr lang="en-US" dirty="0"/>
-              <a:t>)</a:t>
-            </a:r>
-          </a:p>
-          <a:p>
-            <a:r>
-              <a:rPr lang="en-US" dirty="0"/>
-              <a:t>Like the “force” of gravity is an </a:t>
-            </a:r>
-            <a:r>
-              <a:rPr lang="en-US" i="1" dirty="0"/>
-              <a:t>acceleration</a:t>
-            </a:r>
-            <a:r>
-              <a:rPr lang="en-US" dirty="0"/>
-              <a:t> g (9.8 m/s/s or N/kg) </a:t>
-            </a:r>
-          </a:p>
-          <a:p>
-            <a:r>
-              <a:rPr lang="en-US" dirty="0"/>
-              <a:t>What is </a:t>
+              <a:t>recalling that pressure is a </a:t>
             </a:r>
             <a:r>
               <a:rPr lang="en-US" dirty="0">
@@ -4006,11 +4116,37 @@
                   <a:srgbClr val="FF0000"/>
                 </a:solidFill>
               </a:rPr>
-              <a:t>inertial</a:t>
+              <a:t>flux of momentum, units </a:t>
             </a:r>
             <a:r>
               <a:rPr lang="en-US" dirty="0"/>
-              <a:t> </a:t>
+              <a:t>(kg m/s) m</a:t>
+            </a:r>
+            <a:r>
+              <a:rPr lang="en-US" baseline="30000" dirty="0"/>
+              <a:t>-2</a:t>
+            </a:r>
+            <a:r>
+              <a:rPr lang="en-US" dirty="0"/>
+              <a:t> s</a:t>
+            </a:r>
+            <a:r>
+              <a:rPr lang="en-US" baseline="30000" dirty="0"/>
+              <a:t>-1</a:t>
+            </a:r>
+          </a:p>
+          <a:p>
+            <a:pPr lvl="1"/>
+            <a:r>
+              <a:rPr lang="en-US" dirty="0"/>
+              <a:t>think ping pong ball gun knocking over plywood (but omnidirectional)</a:t>
+            </a:r>
+          </a:p>
+          <a:p>
+            <a:pPr lvl="1"/>
+            <a:r>
+              <a:rPr lang="en-US" dirty="0"/>
+              <a:t>recall that p is not “given” except in undergrad spoon-feeding: </a:t>
             </a:r>
             <a:r>
               <a:rPr lang="en-US" dirty="0">
@@ -4018,91 +4154,179 @@
                   <a:srgbClr val="FF0000"/>
                 </a:solidFill>
               </a:rPr>
-              <a:t>”force” </a:t>
-            </a:r>
-            <a:r>
-              <a:rPr lang="en-US" dirty="0"/>
-              <a:t>(or acceleration)? </a:t>
-            </a:r>
-          </a:p>
-          <a:p>
-            <a:pPr lvl="1"/>
-            <a:r>
-              <a:rPr lang="en-US" i="1" dirty="0"/>
-              <a:t>Inertia is the continuation of an object in its current motion until some force causes its speed or direction to change. The term is properly understood as shorthand for "the principle of inertia" as described by Newton in his first law of motion</a:t>
-            </a:r>
-            <a:r>
-              <a:rPr lang="en-US" dirty="0"/>
-              <a:t>. (Wikipedia) </a:t>
-            </a:r>
-          </a:p>
-          <a:p>
-            <a:r>
-              <a:rPr lang="en-US" dirty="0"/>
-              <a:t>If </a:t>
-            </a:r>
-            <a:r>
-              <a:rPr lang="en-US" dirty="0" err="1"/>
-              <a:t>d</a:t>
-            </a:r>
-            <a:r>
-              <a:rPr lang="en-US" b="1" i="1" dirty="0" err="1"/>
-              <a:t>V</a:t>
-            </a:r>
-            <a:r>
-              <a:rPr lang="en-US" dirty="0"/>
-              <a:t>/dt = 0, the motion could be called “inertial” </a:t>
-            </a:r>
-          </a:p>
-          <a:p>
-            <a:pPr lvl="1"/>
-            <a:r>
-              <a:rPr lang="en-US" dirty="0"/>
-              <a:t>On a rotating sphere, unit vectors vary in space and time. Coriolis force!</a:t>
-            </a:r>
-          </a:p>
-          <a:p>
-            <a:pPr lvl="1"/>
-            <a:r>
-              <a:rPr lang="en-US" dirty="0"/>
-              <a:t>At any point on Earth, ∂</a:t>
-            </a:r>
-            <a:r>
-              <a:rPr lang="en-US" b="1" dirty="0"/>
-              <a:t>V</a:t>
-            </a:r>
-            <a:r>
-              <a:rPr lang="en-US" dirty="0"/>
-              <a:t>/∂t = advection of </a:t>
-            </a:r>
-            <a:r>
-              <a:rPr lang="en-US" b="1" dirty="0"/>
-              <a:t>V</a:t>
+              <a:t>it </a:t>
+            </a:r>
+            <a:r>
+              <a:rPr lang="en-US" i="1" dirty="0">
+                <a:solidFill>
+                  <a:srgbClr val="FF0000"/>
+                </a:solidFill>
+              </a:rPr>
+              <a:t>adjusts</a:t>
             </a:r>
             <a:r>
               <a:rPr lang="en-US" dirty="0"/>
               <a:t> </a:t>
             </a:r>
-            <a:r>
-              <a:rPr lang="en-US" dirty="0">
-                <a:sym typeface="Wingdings" pitchFamily="2" charset="2"/>
-              </a:rPr>
-              <a:t> another “inertial force”!</a:t>
-            </a:r>
-            <a:endParaRPr lang="en-US" dirty="0"/>
-          </a:p>
-        </p:txBody>
-      </p:sp>
+          </a:p>
+          <a:p>
+            <a:pPr lvl="3"/>
+            <a:r>
+              <a:rPr lang="en-US" dirty="0"/>
+              <a:t>p is </a:t>
+            </a:r>
+            <a:r>
+              <a:rPr lang="en-US" i="1" dirty="0"/>
+              <a:t>the field whose PGF has a divergence that balances all other force divergences </a:t>
+            </a:r>
+          </a:p>
+        </p:txBody>
+      </p:sp>
+      <p:pic>
+        <p:nvPicPr>
+          <p:cNvPr id="4" name="Picture 3">
+            <a:extLst>
+              <a:ext uri="{FF2B5EF4-FFF2-40B4-BE49-F238E27FC236}">
+                <a16:creationId xmlns:a16="http://schemas.microsoft.com/office/drawing/2014/main" id="{4BA103EF-9054-6FA5-0FA3-66529383946A}"/>
+              </a:ext>
+            </a:extLst>
+          </p:cNvPr>
+          <p:cNvPicPr>
+            <a:picLocks noChangeAspect="1"/>
+          </p:cNvPicPr>
+          <p:nvPr/>
+        </p:nvPicPr>
+        <p:blipFill>
+          <a:blip r:embed="rId2"/>
+          <a:stretch>
+            <a:fillRect/>
+          </a:stretch>
+        </p:blipFill>
+        <p:spPr>
+          <a:xfrm>
+            <a:off x="5865834" y="3597068"/>
+            <a:ext cx="5309835" cy="2476934"/>
+          </a:xfrm>
+          <a:prstGeom prst="rect">
+            <a:avLst/>
+          </a:prstGeom>
+        </p:spPr>
+      </p:pic>
+      <p:pic>
+        <p:nvPicPr>
+          <p:cNvPr id="5" name="Picture 4">
+            <a:extLst>
+              <a:ext uri="{FF2B5EF4-FFF2-40B4-BE49-F238E27FC236}">
+                <a16:creationId xmlns:a16="http://schemas.microsoft.com/office/drawing/2014/main" id="{2D05CF51-B42D-FE94-11C4-C80DD7D37204}"/>
+              </a:ext>
+            </a:extLst>
+          </p:cNvPr>
+          <p:cNvPicPr>
+            <a:picLocks noChangeAspect="1"/>
+          </p:cNvPicPr>
+          <p:nvPr/>
+        </p:nvPicPr>
+        <p:blipFill>
+          <a:blip r:embed="rId3"/>
+          <a:stretch>
+            <a:fillRect/>
+          </a:stretch>
+        </p:blipFill>
+        <p:spPr>
+          <a:xfrm>
+            <a:off x="1016330" y="3204737"/>
+            <a:ext cx="4422569" cy="3564281"/>
+          </a:xfrm>
+          <a:prstGeom prst="rect">
+            <a:avLst/>
+          </a:prstGeom>
+        </p:spPr>
+      </p:pic>
     </p:spTree>
     <p:extLst>
       <p:ext uri="{BB962C8B-B14F-4D97-AF65-F5344CB8AC3E}">
-        <p14:creationId xmlns:p14="http://schemas.microsoft.com/office/powerpoint/2010/main" val="3982071864"/>
+        <p14:creationId xmlns:p14="http://schemas.microsoft.com/office/powerpoint/2010/main" val="3726930443"/>
       </p:ext>
     </p:extLst>
   </p:cSld>
   <p:clrMapOvr>
     <a:masterClrMapping/>
   </p:clrMapOvr>
+  <p:timing>
+    <p:tnLst>
+      <p:par>
+        <p:cTn id="1" dur="indefinite" restart="never" nodeType="tmRoot">
+          <p:childTnLst>
+            <p:seq concurrent="1" nextAc="seek">
+              <p:cTn id="2" dur="indefinite" nodeType="mainSeq">
+                <p:childTnLst>
+                  <p:par>
+                    <p:cTn id="3" fill="hold">
+                      <p:stCondLst>
+                        <p:cond delay="indefinite"/>
+                      </p:stCondLst>
+                      <p:childTnLst>
+                        <p:par>
+                          <p:cTn id="4" fill="hold">
+                            <p:stCondLst>
+                              <p:cond delay="0"/>
+                            </p:stCondLst>
+                            <p:childTnLst>
+                              <p:par>
+                                <p:cTn id="5" presetID="1" presetClass="entr" presetSubtype="0" fill="hold" nodeType="clickEffect">
+                                  <p:stCondLst>
+                                    <p:cond delay="0"/>
+                                  </p:stCondLst>
+                                  <p:childTnLst>
+                                    <p:set>
+                                      <p:cBhvr>
+                                        <p:cTn id="6" dur="1" fill="hold">
+                                          <p:stCondLst>
+                                            <p:cond delay="0"/>
+                                          </p:stCondLst>
+                                        </p:cTn>
+                                        <p:tgtEl>
+                                          <p:spTgt spid="4"/>
+                                        </p:tgtEl>
+                                        <p:attrNameLst>
+                                          <p:attrName>style.visibility</p:attrName>
+                                        </p:attrNameLst>
+                                      </p:cBhvr>
+                                      <p:to>
+                                        <p:strVal val="visible"/>
+                                      </p:to>
+                                    </p:set>
+                                  </p:childTnLst>
+                                </p:cTn>
+                              </p:par>
+                            </p:childTnLst>
+                          </p:cTn>
+                        </p:par>
+                      </p:childTnLst>
+                    </p:cTn>
+                  </p:par>
+                </p:childTnLst>
+              </p:cTn>
+              <p:prevCondLst>
+                <p:cond evt="onPrev" delay="0">
+                  <p:tgtEl>
+                    <p:sldTgt/>
+                  </p:tgtEl>
+                </p:cond>
+              </p:prevCondLst>
+              <p:nextCondLst>
+                <p:cond evt="onNext" delay="0">
+                  <p:tgtEl>
+                    <p:sldTgt/>
+                  </p:tgtEl>
+                </p:cond>
+              </p:nextCondLst>
+            </p:seq>
+          </p:childTnLst>
+        </p:cTn>
+      </p:par>
+    </p:tnLst>
+  </p:timing>
 </p:sld>
 </file>
 
@@ -4123,121 +4347,12 @@
           <a:chExt cx="0" cy="0"/>
         </a:xfrm>
       </p:grpSpPr>
-      <p:sp>
-        <p:nvSpPr>
-          <p:cNvPr id="2" name="Title 1">
-            <a:extLst>
-              <a:ext uri="{FF2B5EF4-FFF2-40B4-BE49-F238E27FC236}">
-                <a16:creationId xmlns:a16="http://schemas.microsoft.com/office/drawing/2014/main" id="{6A52E0A6-CF2C-2556-CB1E-6D2F3C6CBF9A}"/>
-              </a:ext>
-            </a:extLst>
-          </p:cNvPr>
-          <p:cNvSpPr>
-            <a:spLocks noGrp="1"/>
-          </p:cNvSpPr>
-          <p:nvPr>
-            <p:ph type="title"/>
-          </p:nvPr>
-        </p:nvSpPr>
-        <p:spPr/>
-        <p:txBody>
-          <a:bodyPr/>
-          <a:lstStyle/>
-          <a:p>
-            <a:pPr algn="ctr"/>
-            <a:r>
-              <a:rPr lang="en-US" dirty="0"/>
-              <a:t>Coriolis and “centrifugal” forces</a:t>
-            </a:r>
-          </a:p>
-        </p:txBody>
-      </p:sp>
-      <p:sp>
-        <p:nvSpPr>
-          <p:cNvPr id="3" name="Content Placeholder 2">
-            <a:extLst>
-              <a:ext uri="{FF2B5EF4-FFF2-40B4-BE49-F238E27FC236}">
-                <a16:creationId xmlns:a16="http://schemas.microsoft.com/office/drawing/2014/main" id="{393FA1B8-B486-BF55-FDD8-45E6796FA175}"/>
-              </a:ext>
-            </a:extLst>
-          </p:cNvPr>
-          <p:cNvSpPr>
-            <a:spLocks noGrp="1"/>
-          </p:cNvSpPr>
-          <p:nvPr>
-            <p:ph idx="1"/>
-          </p:nvPr>
-        </p:nvSpPr>
-        <p:spPr>
-          <a:xfrm>
-            <a:off x="838200" y="1580951"/>
-            <a:ext cx="10515600" cy="4596012"/>
-          </a:xfrm>
-        </p:spPr>
-        <p:txBody>
-          <a:bodyPr/>
-          <a:lstStyle/>
-          <a:p>
-            <a:r>
-              <a:rPr lang="en-US" dirty="0">
-                <a:solidFill>
-                  <a:srgbClr val="FF0000"/>
-                </a:solidFill>
-                <a:latin typeface="Symbol" pitchFamily="2" charset="2"/>
-              </a:rPr>
-              <a:t>2</a:t>
-            </a:r>
-            <a:r>
-              <a:rPr lang="en-US" b="1" dirty="0">
-                <a:solidFill>
-                  <a:srgbClr val="FF0000"/>
-                </a:solidFill>
-                <a:latin typeface="Symbol" pitchFamily="2" charset="2"/>
-              </a:rPr>
-              <a:t>W</a:t>
-            </a:r>
-            <a:r>
-              <a:rPr lang="en-US" dirty="0">
-                <a:solidFill>
-                  <a:srgbClr val="FF0000"/>
-                </a:solidFill>
-                <a:latin typeface="Symbol" pitchFamily="2" charset="2"/>
-              </a:rPr>
-              <a:t> </a:t>
-            </a:r>
-            <a:r>
-              <a:rPr lang="en-US" dirty="0">
-                <a:solidFill>
-                  <a:srgbClr val="FF0000"/>
-                </a:solidFill>
-              </a:rPr>
-              <a:t>x </a:t>
-            </a:r>
-            <a:r>
-              <a:rPr lang="en-US" b="1" dirty="0">
-                <a:solidFill>
-                  <a:srgbClr val="FF0000"/>
-                </a:solidFill>
-              </a:rPr>
-              <a:t>V</a:t>
-            </a:r>
-            <a:r>
-              <a:rPr lang="en-US" dirty="0">
-                <a:solidFill>
-                  <a:srgbClr val="FF0000"/>
-                </a:solidFill>
-              </a:rPr>
-              <a:t> , strictly (in 3D)</a:t>
-            </a:r>
-          </a:p>
-        </p:txBody>
-      </p:sp>
       <p:pic>
         <p:nvPicPr>
           <p:cNvPr id="4" name="Picture 3">
             <a:extLst>
               <a:ext uri="{FF2B5EF4-FFF2-40B4-BE49-F238E27FC236}">
-                <a16:creationId xmlns:a16="http://schemas.microsoft.com/office/drawing/2014/main" id="{0B24FC81-435B-9E2E-CFFD-1B95367DC3B9}"/>
+                <a16:creationId xmlns:a16="http://schemas.microsoft.com/office/drawing/2014/main" id="{93E22BB6-2C19-3486-E9E0-CBE43BAA363F}"/>
               </a:ext>
             </a:extLst>
           </p:cNvPr>
@@ -4246,16 +4361,15 @@
           </p:cNvPicPr>
           <p:nvPr/>
         </p:nvPicPr>
-        <p:blipFill>
+        <p:blipFill rotWithShape="1">
           <a:blip r:embed="rId2"/>
-          <a:stretch>
-            <a:fillRect/>
-          </a:stretch>
+          <a:srcRect b="71206"/>
+          <a:stretch/>
         </p:blipFill>
         <p:spPr>
           <a:xfrm>
-            <a:off x="260101" y="2174414"/>
-            <a:ext cx="6347105" cy="3102635"/>
+            <a:off x="312387" y="-820470"/>
+            <a:ext cx="4978400" cy="1828429"/>
           </a:xfrm>
           <a:prstGeom prst="rect">
             <a:avLst/>
@@ -4267,7 +4381,7 @@
           <p:cNvPr id="6" name="Picture 5">
             <a:extLst>
               <a:ext uri="{FF2B5EF4-FFF2-40B4-BE49-F238E27FC236}">
-                <a16:creationId xmlns:a16="http://schemas.microsoft.com/office/drawing/2014/main" id="{8C55E0E0-3582-818D-C4A4-3AF2EC3EC488}"/>
+                <a16:creationId xmlns:a16="http://schemas.microsoft.com/office/drawing/2014/main" id="{BBECA9E0-9ED2-99A6-B774-36F264DD819A}"/>
               </a:ext>
             </a:extLst>
           </p:cNvPr>
@@ -4284,8 +4398,8 @@
         </p:blipFill>
         <p:spPr>
           <a:xfrm>
-            <a:off x="6868791" y="2174414"/>
-            <a:ext cx="5035055" cy="3932391"/>
+            <a:off x="464787" y="942126"/>
+            <a:ext cx="4712855" cy="5915873"/>
           </a:xfrm>
           <a:prstGeom prst="rect">
             <a:avLst/>
@@ -4294,10 +4408,10 @@
       </p:pic>
       <p:pic>
         <p:nvPicPr>
-          <p:cNvPr id="7" name="Picture 6">
-            <a:extLst>
-              <a:ext uri="{FF2B5EF4-FFF2-40B4-BE49-F238E27FC236}">
-                <a16:creationId xmlns:a16="http://schemas.microsoft.com/office/drawing/2014/main" id="{5913BAED-662F-BF34-901D-DD61C3661112}"/>
+          <p:cNvPr id="8" name="Picture 7">
+            <a:extLst>
+              <a:ext uri="{FF2B5EF4-FFF2-40B4-BE49-F238E27FC236}">
+                <a16:creationId xmlns:a16="http://schemas.microsoft.com/office/drawing/2014/main" id="{F7920ACF-DBFF-6E56-3F3C-A0FA933DF5A9}"/>
               </a:ext>
             </a:extLst>
           </p:cNvPr>
@@ -4314,8 +4428,8 @@
         </p:blipFill>
         <p:spPr>
           <a:xfrm>
-            <a:off x="143924" y="5997900"/>
-            <a:ext cx="11904152" cy="738119"/>
+            <a:off x="6096000" y="1828590"/>
+            <a:ext cx="5342080" cy="3978444"/>
           </a:xfrm>
           <a:prstGeom prst="rect">
             <a:avLst/>
@@ -4324,10 +4438,10 @@
       </p:pic>
       <p:sp>
         <p:nvSpPr>
-          <p:cNvPr id="8" name="TextBox 7">
-            <a:extLst>
-              <a:ext uri="{FF2B5EF4-FFF2-40B4-BE49-F238E27FC236}">
-                <a16:creationId xmlns:a16="http://schemas.microsoft.com/office/drawing/2014/main" id="{2DA07A45-E97E-D23D-ACB4-CF0316FB7009}"/>
+          <p:cNvPr id="9" name="TextBox 8">
+            <a:extLst>
+              <a:ext uri="{FF2B5EF4-FFF2-40B4-BE49-F238E27FC236}">
+                <a16:creationId xmlns:a16="http://schemas.microsoft.com/office/drawing/2014/main" id="{9A6C9876-DE63-7735-4E12-7C670E15EE06}"/>
               </a:ext>
             </a:extLst>
           </p:cNvPr>
@@ -4335,9 +4449,9 @@
           <p:nvPr/>
         </p:nvSpPr>
         <p:spPr>
-          <a:xfrm>
-            <a:off x="6607206" y="1400629"/>
-            <a:ext cx="5540398" cy="954107"/>
+          <a:xfrm rot="21172383">
+            <a:off x="3256118" y="1239121"/>
+            <a:ext cx="3056093" cy="369332"/>
           </a:xfrm>
           <a:prstGeom prst="rect">
             <a:avLst/>
@@ -4345,91 +4459,50 @@
           <a:noFill/>
         </p:spPr>
         <p:txBody>
-          <a:bodyPr wrap="square" rtlCol="0">
+          <a:bodyPr wrap="none" rtlCol="0">
             <a:spAutoFit/>
           </a:bodyPr>
           <a:lstStyle/>
           <a:p>
-            <a:pPr algn="ctr"/>
-            <a:r>
-              <a:rPr lang="en-US" sz="2800" dirty="0">
+            <a:r>
+              <a:rPr lang="en-US" dirty="0">
                 <a:solidFill>
                   <a:srgbClr val="FF0000"/>
                 </a:solidFill>
-                <a:latin typeface="Symbol" pitchFamily="2" charset="2"/>
+                <a:sym typeface="Wingdings" pitchFamily="2" charset="2"/>
               </a:rPr>
-              <a:t>-(</a:t>
-            </a:r>
-            <a:r>
-              <a:rPr lang="en-US" sz="2800" b="1" dirty="0">
+              <a:t>Note: convergence of a </a:t>
+            </a:r>
+            <a:r>
+              <a:rPr lang="en-US" i="1" dirty="0">
                 <a:solidFill>
                   <a:srgbClr val="FF0000"/>
                 </a:solidFill>
+                <a:sym typeface="Wingdings" pitchFamily="2" charset="2"/>
               </a:rPr>
-              <a:t>V</a:t>
-            </a:r>
-            <a:r>
-              <a:rPr lang="en-US" sz="2800" baseline="30000" dirty="0">
+              <a:t>flux</a:t>
+            </a:r>
+            <a:r>
+              <a:rPr lang="en-US" dirty="0">
                 <a:solidFill>
                   <a:srgbClr val="FF0000"/>
                 </a:solidFill>
+                <a:sym typeface="Wingdings" pitchFamily="2" charset="2"/>
               </a:rPr>
-              <a:t>.</a:t>
-            </a:r>
-            <a:r>
-              <a:rPr lang="en-US" sz="2800" i="0" dirty="0">
-                <a:solidFill>
-                  <a:srgbClr val="FF0000"/>
-                </a:solidFill>
-                <a:effectLst/>
-                <a:latin typeface="Manrope"/>
-              </a:rPr>
-              <a:t>∇) </a:t>
-            </a:r>
-            <a:r>
-              <a:rPr lang="en-US" sz="2800" b="1" i="0" dirty="0">
-                <a:solidFill>
-                  <a:srgbClr val="FF0000"/>
-                </a:solidFill>
-                <a:effectLst/>
-                <a:latin typeface="Manrope"/>
-              </a:rPr>
-              <a:t>V</a:t>
-            </a:r>
-            <a:r>
-              <a:rPr lang="en-US" sz="2800" dirty="0">
-                <a:solidFill>
-                  <a:srgbClr val="FF0000"/>
-                </a:solidFill>
-              </a:rPr>
-              <a:t> </a:t>
-            </a:r>
-          </a:p>
-          <a:p>
-            <a:pPr algn="ctr"/>
-            <a:r>
-              <a:rPr lang="en-US" sz="2800" i="1" dirty="0">
-                <a:solidFill>
-                  <a:srgbClr val="FF0000"/>
-                </a:solidFill>
-              </a:rPr>
-              <a:t>advection of vector momentum </a:t>
-            </a:r>
-            <a:r>
-              <a:rPr lang="en-US" sz="2800" b="1" i="1" dirty="0">
-                <a:solidFill>
-                  <a:srgbClr val="FF0000"/>
-                </a:solidFill>
-              </a:rPr>
-              <a:t>V</a:t>
-            </a:r>
+              <a:t>!</a:t>
+            </a:r>
+            <a:endParaRPr lang="en-US" dirty="0">
+              <a:solidFill>
+                <a:srgbClr val="FF0000"/>
+              </a:solidFill>
+            </a:endParaRPr>
           </a:p>
         </p:txBody>
       </p:sp>
     </p:spTree>
     <p:extLst>
       <p:ext uri="{BB962C8B-B14F-4D97-AF65-F5344CB8AC3E}">
-        <p14:creationId xmlns:p14="http://schemas.microsoft.com/office/powerpoint/2010/main" val="2840276862"/>
+        <p14:creationId xmlns:p14="http://schemas.microsoft.com/office/powerpoint/2010/main" val="4209539881"/>
       </p:ext>
     </p:extLst>
   </p:cSld>
@@ -4461,7 +4534,7 @@
           <p:cNvPr id="2" name="Title 1">
             <a:extLst>
               <a:ext uri="{FF2B5EF4-FFF2-40B4-BE49-F238E27FC236}">
-                <a16:creationId xmlns:a16="http://schemas.microsoft.com/office/drawing/2014/main" id="{86511A73-0FFC-A7B5-35F5-13BBD7318B85}"/>
+                <a16:creationId xmlns:a16="http://schemas.microsoft.com/office/drawing/2014/main" id="{C34BBBD6-6C14-78E8-A68C-B2C66D110726}"/>
               </a:ext>
             </a:extLst>
           </p:cNvPr>
@@ -4470,22 +4543,327 @@
           </p:cNvSpPr>
           <p:nvPr>
             <p:ph type="title"/>
+          </p:nvPr>
+        </p:nvSpPr>
+        <p:spPr/>
+        <p:txBody>
+          <a:bodyPr/>
+          <a:lstStyle/>
+          <a:p>
+            <a:pPr algn="ctr"/>
+            <a:r>
+              <a:rPr lang="en-US" dirty="0"/>
+              <a:t>The concept of “inertial forces”</a:t>
+            </a:r>
+          </a:p>
+        </p:txBody>
+      </p:sp>
+      <p:sp>
+        <p:nvSpPr>
+          <p:cNvPr id="3" name="Content Placeholder 2">
+            <a:extLst>
+              <a:ext uri="{FF2B5EF4-FFF2-40B4-BE49-F238E27FC236}">
+                <a16:creationId xmlns:a16="http://schemas.microsoft.com/office/drawing/2014/main" id="{ED5CA56D-871A-8927-8860-CF15629149E5}"/>
+              </a:ext>
+            </a:extLst>
+          </p:cNvPr>
+          <p:cNvSpPr>
+            <a:spLocks noGrp="1"/>
+          </p:cNvSpPr>
+          <p:nvPr>
+            <p:ph idx="1"/>
           </p:nvPr>
         </p:nvSpPr>
         <p:spPr>
           <a:xfrm>
-            <a:off x="838200" y="88982"/>
-            <a:ext cx="10515600" cy="1325563"/>
+            <a:off x="838199" y="1837500"/>
+            <a:ext cx="10918371" cy="4351338"/>
           </a:xfrm>
         </p:spPr>
         <p:txBody>
+          <a:bodyPr>
+            <a:normAutofit lnSpcReduction="10000"/>
+          </a:bodyPr>
+          <a:lstStyle/>
+          <a:p>
+            <a:r>
+              <a:rPr lang="en-US" dirty="0"/>
+              <a:t>“Forces” really means </a:t>
+            </a:r>
+            <a:r>
+              <a:rPr lang="en-US" i="1" dirty="0"/>
+              <a:t>per unit mass</a:t>
+            </a:r>
+            <a:r>
+              <a:rPr lang="en-US" dirty="0"/>
+              <a:t> (</a:t>
+            </a:r>
+            <a:r>
+              <a:rPr lang="en-US" i="1" dirty="0">
+                <a:solidFill>
+                  <a:srgbClr val="FF0000"/>
+                </a:solidFill>
+              </a:rPr>
+              <a:t>accelerations</a:t>
+            </a:r>
+            <a:r>
+              <a:rPr lang="en-US" dirty="0"/>
+              <a:t>)</a:t>
+            </a:r>
+          </a:p>
+          <a:p>
+            <a:r>
+              <a:rPr lang="en-US" dirty="0"/>
+              <a:t>Like the “force” of gravity is an </a:t>
+            </a:r>
+            <a:r>
+              <a:rPr lang="en-US" i="1" dirty="0"/>
+              <a:t>acceleration</a:t>
+            </a:r>
+            <a:r>
+              <a:rPr lang="en-US" dirty="0"/>
+              <a:t> g (9.8 m/s/s or N/kg) </a:t>
+            </a:r>
+          </a:p>
+          <a:p>
+            <a:endParaRPr lang="en-US" dirty="0"/>
+          </a:p>
+          <a:p>
+            <a:r>
+              <a:rPr lang="en-US" dirty="0"/>
+              <a:t>What is an </a:t>
+            </a:r>
+            <a:r>
+              <a:rPr lang="en-US" dirty="0">
+                <a:solidFill>
+                  <a:srgbClr val="FF0000"/>
+                </a:solidFill>
+              </a:rPr>
+              <a:t>inertial</a:t>
+            </a:r>
+            <a:r>
+              <a:rPr lang="en-US" dirty="0"/>
+              <a:t> </a:t>
+            </a:r>
+            <a:r>
+              <a:rPr lang="en-US" dirty="0">
+                <a:solidFill>
+                  <a:srgbClr val="FF0000"/>
+                </a:solidFill>
+              </a:rPr>
+              <a:t>”force” </a:t>
+            </a:r>
+            <a:r>
+              <a:rPr lang="en-US" dirty="0"/>
+              <a:t>(or acceleration)? </a:t>
+            </a:r>
+          </a:p>
+          <a:p>
+            <a:pPr lvl="1"/>
+            <a:r>
+              <a:rPr lang="en-US" dirty="0"/>
+              <a:t>(Wikipedia) </a:t>
+            </a:r>
+            <a:r>
+              <a:rPr lang="en-US" i="1" dirty="0"/>
+              <a:t>Inertia is the propensity for continuation of an object in its current motion. The term is properly understood as shorthand for "the principle of inertia" as described by Newton in his first law of motion</a:t>
+            </a:r>
+            <a:r>
+              <a:rPr lang="en-US" dirty="0"/>
+              <a:t>. </a:t>
+            </a:r>
+          </a:p>
+          <a:p>
+            <a:r>
+              <a:rPr lang="en-US" u="sng" dirty="0"/>
+              <a:t>If </a:t>
+            </a:r>
+            <a:r>
+              <a:rPr lang="en-US" u="sng" dirty="0" err="1"/>
+              <a:t>d</a:t>
+            </a:r>
+            <a:r>
+              <a:rPr lang="en-US" b="1" i="1" u="sng" dirty="0" err="1"/>
+              <a:t>V</a:t>
+            </a:r>
+            <a:r>
+              <a:rPr lang="en-US" u="sng" dirty="0"/>
+              <a:t>/dt = 0, motion could be called “inertial”, but RHS has terms </a:t>
+            </a:r>
+            <a:r>
+              <a:rPr lang="en-US" dirty="0"/>
+              <a:t> </a:t>
+            </a:r>
+          </a:p>
+          <a:p>
+            <a:pPr marL="914400" lvl="1" indent="-457200">
+              <a:buFont typeface="+mj-lt"/>
+              <a:buAutoNum type="arabicPeriod"/>
+            </a:pPr>
+            <a:r>
+              <a:rPr lang="en-US" dirty="0"/>
+              <a:t>On a rotating sphere, </a:t>
+            </a:r>
+            <a:r>
+              <a:rPr lang="en-US" dirty="0">
+                <a:solidFill>
+                  <a:srgbClr val="7030A0"/>
+                </a:solidFill>
+              </a:rPr>
+              <a:t>unit vectors are rotating </a:t>
+            </a:r>
+            <a:r>
+              <a:rPr lang="en-US" dirty="0"/>
+              <a:t>in </a:t>
+            </a:r>
+            <a:r>
+              <a:rPr lang="en-US" dirty="0" err="1"/>
+              <a:t>d</a:t>
+            </a:r>
+            <a:r>
+              <a:rPr lang="en-US" b="1" i="1" dirty="0" err="1"/>
+              <a:t>V</a:t>
+            </a:r>
+            <a:r>
+              <a:rPr lang="en-US" dirty="0"/>
+              <a:t>/dt. </a:t>
+            </a:r>
+            <a:r>
+              <a:rPr lang="en-US" u="sng" dirty="0">
+                <a:solidFill>
+                  <a:srgbClr val="7030A0"/>
+                </a:solidFill>
+              </a:rPr>
+              <a:t>Coriolis force!</a:t>
+            </a:r>
+          </a:p>
+          <a:p>
+            <a:pPr marL="914400" lvl="1" indent="-457200">
+              <a:buFont typeface="+mj-lt"/>
+              <a:buAutoNum type="arabicPeriod"/>
+            </a:pPr>
+            <a:r>
+              <a:rPr lang="en-US" dirty="0"/>
+              <a:t>At a point, ∂</a:t>
+            </a:r>
+            <a:r>
+              <a:rPr lang="en-US" b="1" dirty="0"/>
+              <a:t>V</a:t>
+            </a:r>
+            <a:r>
+              <a:rPr lang="en-US" dirty="0"/>
+              <a:t>/∂t = </a:t>
+            </a:r>
+            <a:r>
+              <a:rPr lang="en-US" u="sng" dirty="0">
+                <a:solidFill>
+                  <a:srgbClr val="0070C0"/>
+                </a:solidFill>
+              </a:rPr>
+              <a:t>advection of </a:t>
+            </a:r>
+            <a:r>
+              <a:rPr lang="en-US" b="1" u="sng" dirty="0">
+                <a:solidFill>
+                  <a:srgbClr val="0070C0"/>
+                </a:solidFill>
+              </a:rPr>
+              <a:t>V</a:t>
+            </a:r>
+            <a:r>
+              <a:rPr lang="en-US" dirty="0">
+                <a:solidFill>
+                  <a:srgbClr val="0070C0"/>
+                </a:solidFill>
+              </a:rPr>
+              <a:t> (</a:t>
+            </a:r>
+            <a:r>
+              <a:rPr lang="en-US" dirty="0">
+                <a:solidFill>
+                  <a:srgbClr val="0070C0"/>
+                </a:solidFill>
+                <a:sym typeface="Wingdings" pitchFamily="2" charset="2"/>
+              </a:rPr>
+              <a:t> another “inertial force”) </a:t>
+            </a:r>
+            <a:r>
+              <a:rPr lang="en-US" dirty="0">
+                <a:sym typeface="Wingdings" pitchFamily="2" charset="2"/>
+              </a:rPr>
+              <a:t>+ PGF + </a:t>
+            </a:r>
+            <a:r>
+              <a:rPr lang="en-US" dirty="0" err="1">
+                <a:sym typeface="Wingdings" pitchFamily="2" charset="2"/>
+              </a:rPr>
+              <a:t>Fric</a:t>
+            </a:r>
+            <a:r>
+              <a:rPr lang="en-US" dirty="0">
+                <a:sym typeface="Wingdings" pitchFamily="2" charset="2"/>
+              </a:rPr>
+              <a:t>…</a:t>
+            </a:r>
+            <a:endParaRPr lang="en-US" dirty="0"/>
+          </a:p>
+        </p:txBody>
+      </p:sp>
+    </p:spTree>
+    <p:extLst>
+      <p:ext uri="{BB962C8B-B14F-4D97-AF65-F5344CB8AC3E}">
+        <p14:creationId xmlns:p14="http://schemas.microsoft.com/office/powerpoint/2010/main" val="3982071864"/>
+      </p:ext>
+    </p:extLst>
+  </p:cSld>
+  <p:clrMapOvr>
+    <a:masterClrMapping/>
+  </p:clrMapOvr>
+</p:sld>
+</file>
+
+<file path=ppt/slides/slide8.xml><?xml version="1.0" encoding="utf-8"?>
+<p:sld xmlns:a="http://schemas.openxmlformats.org/drawingml/2006/main" xmlns:r="http://schemas.openxmlformats.org/officeDocument/2006/relationships" xmlns:p="http://schemas.openxmlformats.org/presentationml/2006/main">
+  <p:cSld>
+    <p:spTree>
+      <p:nvGrpSpPr>
+        <p:cNvPr id="1" name=""/>
+        <p:cNvGrpSpPr/>
+        <p:nvPr/>
+      </p:nvGrpSpPr>
+      <p:grpSpPr>
+        <a:xfrm>
+          <a:off x="0" y="0"/>
+          <a:ext cx="0" cy="0"/>
+          <a:chOff x="0" y="0"/>
+          <a:chExt cx="0" cy="0"/>
+        </a:xfrm>
+      </p:grpSpPr>
+      <p:sp>
+        <p:nvSpPr>
+          <p:cNvPr id="2" name="Title 1">
+            <a:extLst>
+              <a:ext uri="{FF2B5EF4-FFF2-40B4-BE49-F238E27FC236}">
+                <a16:creationId xmlns:a16="http://schemas.microsoft.com/office/drawing/2014/main" id="{6A52E0A6-CF2C-2556-CB1E-6D2F3C6CBF9A}"/>
+              </a:ext>
+            </a:extLst>
+          </p:cNvPr>
+          <p:cNvSpPr>
+            <a:spLocks noGrp="1"/>
+          </p:cNvSpPr>
+          <p:nvPr>
+            <p:ph type="title"/>
+          </p:nvPr>
+        </p:nvSpPr>
+        <p:spPr/>
+        <p:txBody>
           <a:bodyPr/>
           <a:lstStyle/>
           <a:p>
             <a:pPr algn="ctr"/>
             <a:r>
               <a:rPr lang="en-US" dirty="0"/>
-              <a:t>The PGF</a:t>
+              <a:t>Coriolis and “centrifugal” forces</a:t>
             </a:r>
           </a:p>
         </p:txBody>
@@ -4495,7 +4873,7 @@
           <p:cNvPr id="3" name="Content Placeholder 2">
             <a:extLst>
               <a:ext uri="{FF2B5EF4-FFF2-40B4-BE49-F238E27FC236}">
-                <a16:creationId xmlns:a16="http://schemas.microsoft.com/office/drawing/2014/main" id="{9799487A-CCDE-EFA6-E4E4-9192EE56AA65}"/>
+                <a16:creationId xmlns:a16="http://schemas.microsoft.com/office/drawing/2014/main" id="{393FA1B8-B486-BF55-FDD8-45E6796FA175}"/>
               </a:ext>
             </a:extLst>
           </p:cNvPr>
@@ -4508,8 +4886,8 @@
         </p:nvSpPr>
         <p:spPr>
           <a:xfrm>
-            <a:off x="838200" y="1140032"/>
-            <a:ext cx="10515600" cy="5036932"/>
+            <a:off x="838200" y="1580951"/>
+            <a:ext cx="10515600" cy="4596012"/>
           </a:xfrm>
         </p:spPr>
         <p:txBody>
@@ -4517,52 +4895,55 @@
           <a:lstStyle/>
           <a:p>
             <a:r>
-              <a:rPr lang="en-US" dirty="0"/>
-              <a:t>Momentum flux convergence (flux in – flux out of box) </a:t>
-            </a:r>
-          </a:p>
-          <a:p>
-            <a:pPr lvl="1"/>
-            <a:r>
-              <a:rPr lang="en-US" dirty="0"/>
-              <a:t>recalling that pressure is a flux of momentum, units (kg m/s) m</a:t>
-            </a:r>
-            <a:r>
-              <a:rPr lang="en-US" baseline="30000" dirty="0"/>
-              <a:t>-2</a:t>
-            </a:r>
-            <a:r>
-              <a:rPr lang="en-US" dirty="0"/>
-              <a:t> s</a:t>
-            </a:r>
-            <a:r>
-              <a:rPr lang="en-US" baseline="30000" dirty="0"/>
-              <a:t>-1</a:t>
-            </a:r>
-          </a:p>
-          <a:p>
-            <a:pPr lvl="1"/>
-            <a:r>
-              <a:rPr lang="en-US" dirty="0"/>
-              <a:t>think ping pong ball gun (omnidirectional)</a:t>
-            </a:r>
-          </a:p>
-          <a:p>
-            <a:pPr lvl="1"/>
-            <a:r>
-              <a:rPr lang="en-US" dirty="0"/>
-              <a:t>and recall that p is not “given” except in undergrad spoon-feeding</a:t>
-            </a:r>
-          </a:p>
-          <a:p>
-            <a:pPr lvl="3"/>
-            <a:r>
-              <a:rPr lang="en-US" dirty="0"/>
-              <a:t>p is </a:t>
-            </a:r>
-            <a:r>
-              <a:rPr lang="en-US" i="1" dirty="0"/>
-              <a:t>the field whose PGF has a divergence that balances all other force divergences </a:t>
+              <a:rPr lang="en-US" dirty="0">
+                <a:solidFill>
+                  <a:srgbClr val="FF0000"/>
+                </a:solidFill>
+                <a:latin typeface="Symbol" pitchFamily="2" charset="2"/>
+              </a:rPr>
+              <a:t>2</a:t>
+            </a:r>
+            <a:r>
+              <a:rPr lang="en-US" b="1" dirty="0">
+                <a:solidFill>
+                  <a:srgbClr val="FF0000"/>
+                </a:solidFill>
+                <a:latin typeface="Symbol" pitchFamily="2" charset="2"/>
+              </a:rPr>
+              <a:t>W</a:t>
+            </a:r>
+            <a:r>
+              <a:rPr lang="en-US" dirty="0">
+                <a:solidFill>
+                  <a:srgbClr val="FF0000"/>
+                </a:solidFill>
+                <a:latin typeface="Symbol" pitchFamily="2" charset="2"/>
+              </a:rPr>
+              <a:t> </a:t>
+            </a:r>
+            <a:r>
+              <a:rPr lang="en-US" dirty="0">
+                <a:solidFill>
+                  <a:srgbClr val="FF0000"/>
+                </a:solidFill>
+              </a:rPr>
+              <a:t>x </a:t>
+            </a:r>
+            <a:r>
+              <a:rPr lang="en-US" b="1" dirty="0">
+                <a:solidFill>
+                  <a:srgbClr val="FF0000"/>
+                </a:solidFill>
+              </a:rPr>
+              <a:t>V</a:t>
+            </a:r>
+            <a:r>
+              <a:rPr lang="en-US" dirty="0">
+                <a:solidFill>
+                  <a:srgbClr val="FF0000"/>
+                </a:solidFill>
+              </a:rPr>
+              <a:t> , strictly (in 3D)</a:t>
             </a:r>
           </a:p>
         </p:txBody>
@@ -4572,7 +4953,7 @@
           <p:cNvPr id="4" name="Picture 3">
             <a:extLst>
               <a:ext uri="{FF2B5EF4-FFF2-40B4-BE49-F238E27FC236}">
-                <a16:creationId xmlns:a16="http://schemas.microsoft.com/office/drawing/2014/main" id="{4BA103EF-9054-6FA5-0FA3-66529383946A}"/>
+                <a16:creationId xmlns:a16="http://schemas.microsoft.com/office/drawing/2014/main" id="{0B24FC81-435B-9E2E-CFFD-1B95367DC3B9}"/>
               </a:ext>
             </a:extLst>
           </p:cNvPr>
@@ -4589,8 +4970,8 @@
         </p:blipFill>
         <p:spPr>
           <a:xfrm>
-            <a:off x="5865834" y="3597068"/>
-            <a:ext cx="5309835" cy="2476934"/>
+            <a:off x="260101" y="2174414"/>
+            <a:ext cx="6347105" cy="3102635"/>
           </a:xfrm>
           <a:prstGeom prst="rect">
             <a:avLst/>
@@ -4599,10 +4980,10 @@
       </p:pic>
       <p:pic>
         <p:nvPicPr>
-          <p:cNvPr id="5" name="Picture 4">
-            <a:extLst>
-              <a:ext uri="{FF2B5EF4-FFF2-40B4-BE49-F238E27FC236}">
-                <a16:creationId xmlns:a16="http://schemas.microsoft.com/office/drawing/2014/main" id="{2D05CF51-B42D-FE94-11C4-C80DD7D37204}"/>
+          <p:cNvPr id="6" name="Picture 5">
+            <a:extLst>
+              <a:ext uri="{FF2B5EF4-FFF2-40B4-BE49-F238E27FC236}">
+                <a16:creationId xmlns:a16="http://schemas.microsoft.com/office/drawing/2014/main" id="{8C55E0E0-3582-818D-C4A4-3AF2EC3EC488}"/>
               </a:ext>
             </a:extLst>
           </p:cNvPr>
@@ -4619,18 +5000,566 @@
         </p:blipFill>
         <p:spPr>
           <a:xfrm>
-            <a:off x="1016330" y="3204737"/>
-            <a:ext cx="4422569" cy="3564281"/>
+            <a:off x="6868791" y="2174414"/>
+            <a:ext cx="5035055" cy="3932391"/>
           </a:xfrm>
           <a:prstGeom prst="rect">
             <a:avLst/>
           </a:prstGeom>
         </p:spPr>
       </p:pic>
+      <p:pic>
+        <p:nvPicPr>
+          <p:cNvPr id="7" name="Picture 6">
+            <a:extLst>
+              <a:ext uri="{FF2B5EF4-FFF2-40B4-BE49-F238E27FC236}">
+                <a16:creationId xmlns:a16="http://schemas.microsoft.com/office/drawing/2014/main" id="{5913BAED-662F-BF34-901D-DD61C3661112}"/>
+              </a:ext>
+            </a:extLst>
+          </p:cNvPr>
+          <p:cNvPicPr>
+            <a:picLocks noChangeAspect="1"/>
+          </p:cNvPicPr>
+          <p:nvPr/>
+        </p:nvPicPr>
+        <p:blipFill>
+          <a:blip r:embed="rId4"/>
+          <a:stretch>
+            <a:fillRect/>
+          </a:stretch>
+        </p:blipFill>
+        <p:spPr>
+          <a:xfrm>
+            <a:off x="143924" y="5997900"/>
+            <a:ext cx="11904152" cy="738119"/>
+          </a:xfrm>
+          <a:prstGeom prst="rect">
+            <a:avLst/>
+          </a:prstGeom>
+        </p:spPr>
+      </p:pic>
+      <p:sp>
+        <p:nvSpPr>
+          <p:cNvPr id="8" name="TextBox 7">
+            <a:extLst>
+              <a:ext uri="{FF2B5EF4-FFF2-40B4-BE49-F238E27FC236}">
+                <a16:creationId xmlns:a16="http://schemas.microsoft.com/office/drawing/2014/main" id="{2DA07A45-E97E-D23D-ACB4-CF0316FB7009}"/>
+              </a:ext>
+            </a:extLst>
+          </p:cNvPr>
+          <p:cNvSpPr txBox="1"/>
+          <p:nvPr/>
+        </p:nvSpPr>
+        <p:spPr>
+          <a:xfrm>
+            <a:off x="6607206" y="1400629"/>
+            <a:ext cx="5540398" cy="954107"/>
+          </a:xfrm>
+          <a:prstGeom prst="rect">
+            <a:avLst/>
+          </a:prstGeom>
+          <a:noFill/>
+        </p:spPr>
+        <p:txBody>
+          <a:bodyPr wrap="square" rtlCol="0">
+            <a:spAutoFit/>
+          </a:bodyPr>
+          <a:lstStyle/>
+          <a:p>
+            <a:pPr algn="ctr"/>
+            <a:r>
+              <a:rPr lang="en-US" sz="2800" dirty="0">
+                <a:solidFill>
+                  <a:srgbClr val="FF0000"/>
+                </a:solidFill>
+                <a:latin typeface="Symbol" pitchFamily="2" charset="2"/>
+              </a:rPr>
+              <a:t>-(</a:t>
+            </a:r>
+            <a:r>
+              <a:rPr lang="en-US" sz="2800" b="1" dirty="0">
+                <a:solidFill>
+                  <a:srgbClr val="FF0000"/>
+                </a:solidFill>
+              </a:rPr>
+              <a:t>V</a:t>
+            </a:r>
+            <a:r>
+              <a:rPr lang="en-US" sz="2800" baseline="30000" dirty="0">
+                <a:solidFill>
+                  <a:srgbClr val="FF0000"/>
+                </a:solidFill>
+              </a:rPr>
+              <a:t>.</a:t>
+            </a:r>
+            <a:r>
+              <a:rPr lang="en-US" sz="2800" i="0" dirty="0">
+                <a:solidFill>
+                  <a:srgbClr val="FF0000"/>
+                </a:solidFill>
+                <a:effectLst/>
+                <a:latin typeface="Manrope"/>
+              </a:rPr>
+              <a:t>∇) </a:t>
+            </a:r>
+            <a:r>
+              <a:rPr lang="en-US" sz="2800" b="1" i="0" dirty="0">
+                <a:solidFill>
+                  <a:srgbClr val="FF0000"/>
+                </a:solidFill>
+                <a:effectLst/>
+                <a:latin typeface="Manrope"/>
+              </a:rPr>
+              <a:t>V</a:t>
+            </a:r>
+            <a:r>
+              <a:rPr lang="en-US" sz="2800" dirty="0">
+                <a:solidFill>
+                  <a:srgbClr val="FF0000"/>
+                </a:solidFill>
+              </a:rPr>
+              <a:t> </a:t>
+            </a:r>
+          </a:p>
+          <a:p>
+            <a:pPr algn="ctr"/>
+            <a:r>
+              <a:rPr lang="en-US" sz="2800" i="1" dirty="0">
+                <a:solidFill>
+                  <a:srgbClr val="FF0000"/>
+                </a:solidFill>
+              </a:rPr>
+              <a:t>advection of vector momentum </a:t>
+            </a:r>
+            <a:r>
+              <a:rPr lang="en-US" sz="2800" b="1" i="1" dirty="0">
+                <a:solidFill>
+                  <a:srgbClr val="FF0000"/>
+                </a:solidFill>
+              </a:rPr>
+              <a:t>V</a:t>
+            </a:r>
+          </a:p>
+        </p:txBody>
+      </p:sp>
     </p:spTree>
     <p:extLst>
       <p:ext uri="{BB962C8B-B14F-4D97-AF65-F5344CB8AC3E}">
-        <p14:creationId xmlns:p14="http://schemas.microsoft.com/office/powerpoint/2010/main" val="3726930443"/>
+        <p14:creationId xmlns:p14="http://schemas.microsoft.com/office/powerpoint/2010/main" val="2840276862"/>
+      </p:ext>
+    </p:extLst>
+  </p:cSld>
+  <p:clrMapOvr>
+    <a:masterClrMapping/>
+  </p:clrMapOvr>
+</p:sld>
+</file>
+
+<file path=ppt/slides/slide9.xml><?xml version="1.0" encoding="utf-8"?>
+<p:sld xmlns:a="http://schemas.openxmlformats.org/drawingml/2006/main" xmlns:r="http://schemas.openxmlformats.org/officeDocument/2006/relationships" xmlns:p="http://schemas.openxmlformats.org/presentationml/2006/main">
+  <p:cSld>
+    <p:spTree>
+      <p:nvGrpSpPr>
+        <p:cNvPr id="1" name=""/>
+        <p:cNvGrpSpPr/>
+        <p:nvPr/>
+      </p:nvGrpSpPr>
+      <p:grpSpPr>
+        <a:xfrm>
+          <a:off x="0" y="0"/>
+          <a:ext cx="0" cy="0"/>
+          <a:chOff x="0" y="0"/>
+          <a:chExt cx="0" cy="0"/>
+        </a:xfrm>
+      </p:grpSpPr>
+      <p:sp>
+        <p:nvSpPr>
+          <p:cNvPr id="2" name="Title 1">
+            <a:extLst>
+              <a:ext uri="{FF2B5EF4-FFF2-40B4-BE49-F238E27FC236}">
+                <a16:creationId xmlns:a16="http://schemas.microsoft.com/office/drawing/2014/main" id="{6A52E0A6-CF2C-2556-CB1E-6D2F3C6CBF9A}"/>
+              </a:ext>
+            </a:extLst>
+          </p:cNvPr>
+          <p:cNvSpPr>
+            <a:spLocks noGrp="1"/>
+          </p:cNvSpPr>
+          <p:nvPr>
+            <p:ph type="title"/>
+          </p:nvPr>
+        </p:nvSpPr>
+        <p:spPr/>
+        <p:txBody>
+          <a:bodyPr/>
+          <a:lstStyle/>
+          <a:p>
+            <a:pPr algn="ctr"/>
+            <a:r>
+              <a:rPr lang="en-US" dirty="0"/>
+              <a:t>Coriolis and “centrifugal” forces</a:t>
+            </a:r>
+          </a:p>
+        </p:txBody>
+      </p:sp>
+      <p:sp>
+        <p:nvSpPr>
+          <p:cNvPr id="3" name="Content Placeholder 2">
+            <a:extLst>
+              <a:ext uri="{FF2B5EF4-FFF2-40B4-BE49-F238E27FC236}">
+                <a16:creationId xmlns:a16="http://schemas.microsoft.com/office/drawing/2014/main" id="{393FA1B8-B486-BF55-FDD8-45E6796FA175}"/>
+              </a:ext>
+            </a:extLst>
+          </p:cNvPr>
+          <p:cNvSpPr>
+            <a:spLocks noGrp="1"/>
+          </p:cNvSpPr>
+          <p:nvPr>
+            <p:ph idx="1"/>
+          </p:nvPr>
+        </p:nvSpPr>
+        <p:spPr>
+          <a:xfrm>
+            <a:off x="838200" y="1580951"/>
+            <a:ext cx="10515600" cy="4596012"/>
+          </a:xfrm>
+        </p:spPr>
+        <p:txBody>
+          <a:bodyPr/>
+          <a:lstStyle/>
+          <a:p>
+            <a:r>
+              <a:rPr lang="en-US" dirty="0">
+                <a:solidFill>
+                  <a:srgbClr val="FF0000"/>
+                </a:solidFill>
+                <a:latin typeface="Symbol" pitchFamily="2" charset="2"/>
+              </a:rPr>
+              <a:t>2</a:t>
+            </a:r>
+            <a:r>
+              <a:rPr lang="en-US" b="1" dirty="0">
+                <a:solidFill>
+                  <a:srgbClr val="FF0000"/>
+                </a:solidFill>
+                <a:latin typeface="Symbol" pitchFamily="2" charset="2"/>
+              </a:rPr>
+              <a:t>W</a:t>
+            </a:r>
+            <a:r>
+              <a:rPr lang="en-US" dirty="0">
+                <a:solidFill>
+                  <a:srgbClr val="FF0000"/>
+                </a:solidFill>
+                <a:latin typeface="Symbol" pitchFamily="2" charset="2"/>
+              </a:rPr>
+              <a:t> </a:t>
+            </a:r>
+            <a:r>
+              <a:rPr lang="en-US" dirty="0">
+                <a:solidFill>
+                  <a:srgbClr val="FF0000"/>
+                </a:solidFill>
+              </a:rPr>
+              <a:t>x </a:t>
+            </a:r>
+            <a:r>
+              <a:rPr lang="en-US" b="1" dirty="0">
+                <a:solidFill>
+                  <a:srgbClr val="FF0000"/>
+                </a:solidFill>
+              </a:rPr>
+              <a:t>V</a:t>
+            </a:r>
+            <a:r>
+              <a:rPr lang="en-US" dirty="0">
+                <a:solidFill>
+                  <a:srgbClr val="FF0000"/>
+                </a:solidFill>
+              </a:rPr>
+              <a:t> , strictly (in 3D)</a:t>
+            </a:r>
+          </a:p>
+        </p:txBody>
+      </p:sp>
+      <p:sp>
+        <p:nvSpPr>
+          <p:cNvPr id="8" name="TextBox 7">
+            <a:extLst>
+              <a:ext uri="{FF2B5EF4-FFF2-40B4-BE49-F238E27FC236}">
+                <a16:creationId xmlns:a16="http://schemas.microsoft.com/office/drawing/2014/main" id="{2DA07A45-E97E-D23D-ACB4-CF0316FB7009}"/>
+              </a:ext>
+            </a:extLst>
+          </p:cNvPr>
+          <p:cNvSpPr txBox="1"/>
+          <p:nvPr/>
+        </p:nvSpPr>
+        <p:spPr>
+          <a:xfrm>
+            <a:off x="6607206" y="1400629"/>
+            <a:ext cx="5540398" cy="1384995"/>
+          </a:xfrm>
+          <a:prstGeom prst="rect">
+            <a:avLst/>
+          </a:prstGeom>
+          <a:noFill/>
+        </p:spPr>
+        <p:txBody>
+          <a:bodyPr wrap="square" rtlCol="0">
+            <a:spAutoFit/>
+          </a:bodyPr>
+          <a:lstStyle/>
+          <a:p>
+            <a:pPr algn="ctr"/>
+            <a:r>
+              <a:rPr lang="en-US" sz="2800" dirty="0">
+                <a:solidFill>
+                  <a:srgbClr val="FF0000"/>
+                </a:solidFill>
+                <a:latin typeface="Symbol" pitchFamily="2" charset="2"/>
+              </a:rPr>
+              <a:t>-(</a:t>
+            </a:r>
+            <a:r>
+              <a:rPr lang="en-US" sz="2800" b="1" dirty="0">
+                <a:solidFill>
+                  <a:srgbClr val="FF0000"/>
+                </a:solidFill>
+              </a:rPr>
+              <a:t>V</a:t>
+            </a:r>
+            <a:r>
+              <a:rPr lang="en-US" sz="2800" baseline="30000" dirty="0">
+                <a:solidFill>
+                  <a:srgbClr val="FF0000"/>
+                </a:solidFill>
+              </a:rPr>
+              <a:t>.</a:t>
+            </a:r>
+            <a:r>
+              <a:rPr lang="en-US" sz="2800" i="0" dirty="0">
+                <a:solidFill>
+                  <a:srgbClr val="FF0000"/>
+                </a:solidFill>
+                <a:effectLst/>
+                <a:latin typeface="Manrope"/>
+              </a:rPr>
+              <a:t>∇) </a:t>
+            </a:r>
+            <a:r>
+              <a:rPr lang="en-US" sz="2800" b="1" i="0" dirty="0">
+                <a:solidFill>
+                  <a:srgbClr val="FF0000"/>
+                </a:solidFill>
+                <a:effectLst/>
+                <a:latin typeface="Manrope"/>
+              </a:rPr>
+              <a:t>V</a:t>
+            </a:r>
+            <a:r>
+              <a:rPr lang="en-US" sz="2800" dirty="0">
+                <a:solidFill>
+                  <a:srgbClr val="FF0000"/>
+                </a:solidFill>
+              </a:rPr>
+              <a:t> </a:t>
+            </a:r>
+          </a:p>
+          <a:p>
+            <a:pPr algn="ctr"/>
+            <a:r>
+              <a:rPr lang="en-US" sz="2800" i="1" dirty="0">
+                <a:solidFill>
+                  <a:srgbClr val="FF0000"/>
+                </a:solidFill>
+              </a:rPr>
+              <a:t>advection of vector momentum </a:t>
+            </a:r>
+            <a:r>
+              <a:rPr lang="en-US" sz="2800" b="1" i="1" dirty="0">
+                <a:solidFill>
+                  <a:srgbClr val="FF0000"/>
+                </a:solidFill>
+              </a:rPr>
+              <a:t>V</a:t>
+            </a:r>
+          </a:p>
+          <a:p>
+            <a:pPr algn="ctr"/>
+            <a:r>
+              <a:rPr lang="en-US" sz="2800" i="1" dirty="0">
+                <a:solidFill>
+                  <a:srgbClr val="FF0000"/>
+                </a:solidFill>
+              </a:rPr>
+              <a:t>(which term?)</a:t>
+            </a:r>
+          </a:p>
+        </p:txBody>
+      </p:sp>
+      <p:pic>
+        <p:nvPicPr>
+          <p:cNvPr id="9" name="Picture 8">
+            <a:extLst>
+              <a:ext uri="{FF2B5EF4-FFF2-40B4-BE49-F238E27FC236}">
+                <a16:creationId xmlns:a16="http://schemas.microsoft.com/office/drawing/2014/main" id="{81117533-25CB-6432-B924-BBFDD14EA693}"/>
+              </a:ext>
+            </a:extLst>
+          </p:cNvPr>
+          <p:cNvPicPr>
+            <a:picLocks noChangeAspect="1"/>
+          </p:cNvPicPr>
+          <p:nvPr/>
+        </p:nvPicPr>
+        <p:blipFill>
+          <a:blip r:embed="rId2"/>
+          <a:stretch>
+            <a:fillRect/>
+          </a:stretch>
+        </p:blipFill>
+        <p:spPr>
+          <a:xfrm>
+            <a:off x="293341" y="2726191"/>
+            <a:ext cx="5568539" cy="3774462"/>
+          </a:xfrm>
+          <a:prstGeom prst="rect">
+            <a:avLst/>
+          </a:prstGeom>
+        </p:spPr>
+      </p:pic>
+      <p:pic>
+        <p:nvPicPr>
+          <p:cNvPr id="5" name="Picture 4">
+            <a:extLst>
+              <a:ext uri="{FF2B5EF4-FFF2-40B4-BE49-F238E27FC236}">
+                <a16:creationId xmlns:a16="http://schemas.microsoft.com/office/drawing/2014/main" id="{493AAAD6-122F-9173-D2EB-197313A70444}"/>
+              </a:ext>
+            </a:extLst>
+          </p:cNvPr>
+          <p:cNvPicPr>
+            <a:picLocks noChangeAspect="1"/>
+          </p:cNvPicPr>
+          <p:nvPr/>
+        </p:nvPicPr>
+        <p:blipFill>
+          <a:blip r:embed="rId3"/>
+          <a:stretch>
+            <a:fillRect/>
+          </a:stretch>
+        </p:blipFill>
+        <p:spPr>
+          <a:xfrm>
+            <a:off x="5861880" y="2726191"/>
+            <a:ext cx="6330120" cy="3766683"/>
+          </a:xfrm>
+          <a:prstGeom prst="rect">
+            <a:avLst/>
+          </a:prstGeom>
+        </p:spPr>
+      </p:pic>
+      <p:pic>
+        <p:nvPicPr>
+          <p:cNvPr id="10" name="Picture 9">
+            <a:extLst>
+              <a:ext uri="{FF2B5EF4-FFF2-40B4-BE49-F238E27FC236}">
+                <a16:creationId xmlns:a16="http://schemas.microsoft.com/office/drawing/2014/main" id="{607E2EA0-A32A-55C6-7BD6-1A47E7066CC6}"/>
+              </a:ext>
+            </a:extLst>
+          </p:cNvPr>
+          <p:cNvPicPr>
+            <a:picLocks noChangeAspect="1"/>
+          </p:cNvPicPr>
+          <p:nvPr/>
+        </p:nvPicPr>
+        <p:blipFill>
+          <a:blip r:embed="rId4"/>
+          <a:stretch>
+            <a:fillRect/>
+          </a:stretch>
+        </p:blipFill>
+        <p:spPr>
+          <a:xfrm>
+            <a:off x="4461163" y="1892764"/>
+            <a:ext cx="2438400" cy="647700"/>
+          </a:xfrm>
+          <a:prstGeom prst="rect">
+            <a:avLst/>
+          </a:prstGeom>
+        </p:spPr>
+      </p:pic>
+      <p:sp>
+        <p:nvSpPr>
+          <p:cNvPr id="11" name="TextBox 10">
+            <a:extLst>
+              <a:ext uri="{FF2B5EF4-FFF2-40B4-BE49-F238E27FC236}">
+                <a16:creationId xmlns:a16="http://schemas.microsoft.com/office/drawing/2014/main" id="{3250A55D-36E5-D3DA-D8A0-9FA69E1B12B3}"/>
+              </a:ext>
+            </a:extLst>
+          </p:cNvPr>
+          <p:cNvSpPr txBox="1"/>
+          <p:nvPr/>
+        </p:nvSpPr>
+        <p:spPr>
+          <a:xfrm>
+            <a:off x="4999512" y="1543788"/>
+            <a:ext cx="1319657" cy="369332"/>
+          </a:xfrm>
+          <a:prstGeom prst="rect">
+            <a:avLst/>
+          </a:prstGeom>
+          <a:noFill/>
+        </p:spPr>
+        <p:txBody>
+          <a:bodyPr wrap="none" rtlCol="0">
+            <a:spAutoFit/>
+          </a:bodyPr>
+          <a:lstStyle/>
+          <a:p>
+            <a:r>
+              <a:rPr lang="en-US" dirty="0"/>
+              <a:t>fraction of g</a:t>
+            </a:r>
+          </a:p>
+        </p:txBody>
+      </p:sp>
+      <p:sp>
+        <p:nvSpPr>
+          <p:cNvPr id="12" name="TextBox 11">
+            <a:extLst>
+              <a:ext uri="{FF2B5EF4-FFF2-40B4-BE49-F238E27FC236}">
+                <a16:creationId xmlns:a16="http://schemas.microsoft.com/office/drawing/2014/main" id="{8F98F717-6445-719F-BEDA-3C77E8BCE3E2}"/>
+              </a:ext>
+            </a:extLst>
+          </p:cNvPr>
+          <p:cNvSpPr txBox="1"/>
+          <p:nvPr/>
+        </p:nvSpPr>
+        <p:spPr>
+          <a:xfrm>
+            <a:off x="5424372" y="6525464"/>
+            <a:ext cx="894797" cy="369332"/>
+          </a:xfrm>
+          <a:prstGeom prst="rect">
+            <a:avLst/>
+          </a:prstGeom>
+          <a:noFill/>
+        </p:spPr>
+        <p:txBody>
+          <a:bodyPr wrap="none" rtlCol="0">
+            <a:spAutoFit/>
+          </a:bodyPr>
+          <a:lstStyle/>
+          <a:p>
+            <a:r>
+              <a:rPr lang="en-US" dirty="0"/>
+              <a:t>500mb </a:t>
+            </a:r>
+          </a:p>
+        </p:txBody>
+      </p:sp>
+    </p:spTree>
+    <p:extLst>
+      <p:ext uri="{BB962C8B-B14F-4D97-AF65-F5344CB8AC3E}">
+        <p14:creationId xmlns:p14="http://schemas.microsoft.com/office/powerpoint/2010/main" val="419310487"/>
       </p:ext>
     </p:extLst>
   </p:cSld>

--- a/Week3-4_kinematics/Forces_WH7.2.pptx
+++ b/Week3-4_kinematics/Forces_WH7.2.pptx
@@ -11,10 +11,17 @@
     <p:sldId id="262" r:id="rId5"/>
     <p:sldId id="259" r:id="rId6"/>
     <p:sldId id="266" r:id="rId7"/>
-    <p:sldId id="257" r:id="rId8"/>
-    <p:sldId id="258" r:id="rId9"/>
-    <p:sldId id="264" r:id="rId10"/>
-    <p:sldId id="265" r:id="rId11"/>
+    <p:sldId id="270" r:id="rId8"/>
+    <p:sldId id="257" r:id="rId9"/>
+    <p:sldId id="267" r:id="rId10"/>
+    <p:sldId id="268" r:id="rId11"/>
+    <p:sldId id="269" r:id="rId12"/>
+    <p:sldId id="258" r:id="rId13"/>
+    <p:sldId id="264" r:id="rId14"/>
+    <p:sldId id="273" r:id="rId15"/>
+    <p:sldId id="271" r:id="rId16"/>
+    <p:sldId id="272" r:id="rId17"/>
+    <p:sldId id="274" r:id="rId18"/>
   </p:sldIdLst>
   <p:sldSz cx="12192000" cy="6858000"/>
   <p:notesSz cx="6858000" cy="9144000"/>
@@ -113,6 +120,11 @@
       </a:defRPr>
     </a:lvl9pPr>
   </p:defaultTextStyle>
+  <p:extLst>
+    <p:ext uri="{EFAFB233-063F-42B5-8137-9DF3F51BA10A}">
+      <p15:sldGuideLst xmlns:p15="http://schemas.microsoft.com/office/powerpoint/2012/main"/>
+    </p:ext>
+  </p:extLst>
 </p:presentation>
 </file>
 
@@ -263,7 +275,7 @@
           <a:p>
             <a:fld id="{747FAD15-5AE3-A748-894C-ED788A335EC4}" type="datetimeFigureOut">
               <a:rPr lang="en-US" smtClean="0"/>
-              <a:t>9/24/23</a:t>
+              <a:t>9/27/23</a:t>
             </a:fld>
             <a:endParaRPr lang="en-US"/>
           </a:p>
@@ -461,7 +473,7 @@
           <a:p>
             <a:fld id="{747FAD15-5AE3-A748-894C-ED788A335EC4}" type="datetimeFigureOut">
               <a:rPr lang="en-US" smtClean="0"/>
-              <a:t>9/24/23</a:t>
+              <a:t>9/27/23</a:t>
             </a:fld>
             <a:endParaRPr lang="en-US"/>
           </a:p>
@@ -669,7 +681,7 @@
           <a:p>
             <a:fld id="{747FAD15-5AE3-A748-894C-ED788A335EC4}" type="datetimeFigureOut">
               <a:rPr lang="en-US" smtClean="0"/>
-              <a:t>9/24/23</a:t>
+              <a:t>9/27/23</a:t>
             </a:fld>
             <a:endParaRPr lang="en-US"/>
           </a:p>
@@ -867,7 +879,7 @@
           <a:p>
             <a:fld id="{747FAD15-5AE3-A748-894C-ED788A335EC4}" type="datetimeFigureOut">
               <a:rPr lang="en-US" smtClean="0"/>
-              <a:t>9/24/23</a:t>
+              <a:t>9/27/23</a:t>
             </a:fld>
             <a:endParaRPr lang="en-US"/>
           </a:p>
@@ -1142,7 +1154,7 @@
           <a:p>
             <a:fld id="{747FAD15-5AE3-A748-894C-ED788A335EC4}" type="datetimeFigureOut">
               <a:rPr lang="en-US" smtClean="0"/>
-              <a:t>9/24/23</a:t>
+              <a:t>9/27/23</a:t>
             </a:fld>
             <a:endParaRPr lang="en-US"/>
           </a:p>
@@ -1407,7 +1419,7 @@
           <a:p>
             <a:fld id="{747FAD15-5AE3-A748-894C-ED788A335EC4}" type="datetimeFigureOut">
               <a:rPr lang="en-US" smtClean="0"/>
-              <a:t>9/24/23</a:t>
+              <a:t>9/27/23</a:t>
             </a:fld>
             <a:endParaRPr lang="en-US"/>
           </a:p>
@@ -1819,7 +1831,7 @@
           <a:p>
             <a:fld id="{747FAD15-5AE3-A748-894C-ED788A335EC4}" type="datetimeFigureOut">
               <a:rPr lang="en-US" smtClean="0"/>
-              <a:t>9/24/23</a:t>
+              <a:t>9/27/23</a:t>
             </a:fld>
             <a:endParaRPr lang="en-US"/>
           </a:p>
@@ -1960,7 +1972,7 @@
           <a:p>
             <a:fld id="{747FAD15-5AE3-A748-894C-ED788A335EC4}" type="datetimeFigureOut">
               <a:rPr lang="en-US" smtClean="0"/>
-              <a:t>9/24/23</a:t>
+              <a:t>9/27/23</a:t>
             </a:fld>
             <a:endParaRPr lang="en-US"/>
           </a:p>
@@ -2073,7 +2085,7 @@
           <a:p>
             <a:fld id="{747FAD15-5AE3-A748-894C-ED788A335EC4}" type="datetimeFigureOut">
               <a:rPr lang="en-US" smtClean="0"/>
-              <a:t>9/24/23</a:t>
+              <a:t>9/27/23</a:t>
             </a:fld>
             <a:endParaRPr lang="en-US"/>
           </a:p>
@@ -2384,7 +2396,7 @@
           <a:p>
             <a:fld id="{747FAD15-5AE3-A748-894C-ED788A335EC4}" type="datetimeFigureOut">
               <a:rPr lang="en-US" smtClean="0"/>
-              <a:t>9/24/23</a:t>
+              <a:t>9/27/23</a:t>
             </a:fld>
             <a:endParaRPr lang="en-US"/>
           </a:p>
@@ -2672,7 +2684,7 @@
           <a:p>
             <a:fld id="{747FAD15-5AE3-A748-894C-ED788A335EC4}" type="datetimeFigureOut">
               <a:rPr lang="en-US" smtClean="0"/>
-              <a:t>9/24/23</a:t>
+              <a:t>9/27/23</a:t>
             </a:fld>
             <a:endParaRPr lang="en-US"/>
           </a:p>
@@ -2913,7 +2925,7 @@
           <a:p>
             <a:fld id="{747FAD15-5AE3-A748-894C-ED788A335EC4}" type="datetimeFigureOut">
               <a:rPr lang="en-US" smtClean="0"/>
-              <a:t>9/24/23</a:t>
+              <a:t>9/27/23</a:t>
             </a:fld>
             <a:endParaRPr lang="en-US"/>
           </a:p>
@@ -3437,7 +3449,7 @@
           <p:cNvPr id="2" name="Title 1">
             <a:extLst>
               <a:ext uri="{FF2B5EF4-FFF2-40B4-BE49-F238E27FC236}">
-                <a16:creationId xmlns:a16="http://schemas.microsoft.com/office/drawing/2014/main" id="{5C2EAEAA-EA18-8FB3-5098-CDCE02820676}"/>
+                <a16:creationId xmlns:a16="http://schemas.microsoft.com/office/drawing/2014/main" id="{0300A4CD-66A4-6DBE-B446-04BE04D06755}"/>
               </a:ext>
             </a:extLst>
           </p:cNvPr>
@@ -3453,39 +3465,1734 @@
           <a:bodyPr/>
           <a:lstStyle/>
           <a:p>
+            <a:pPr algn="ctr"/>
+            <a:r>
+              <a:rPr lang="en-US"/>
+              <a:t>A viscerally clear “budget”</a:t>
+            </a:r>
+          </a:p>
+        </p:txBody>
+      </p:sp>
+      <p:sp>
+        <p:nvSpPr>
+          <p:cNvPr id="3" name="Content Placeholder 2">
+            <a:extLst>
+              <a:ext uri="{FF2B5EF4-FFF2-40B4-BE49-F238E27FC236}">
+                <a16:creationId xmlns:a16="http://schemas.microsoft.com/office/drawing/2014/main" id="{DA5619D5-ECDB-ADB7-FBB8-ED34691A9A83}"/>
+              </a:ext>
+            </a:extLst>
+          </p:cNvPr>
+          <p:cNvSpPr>
+            <a:spLocks noGrp="1"/>
+          </p:cNvSpPr>
+          <p:nvPr>
+            <p:ph idx="1"/>
+          </p:nvPr>
+        </p:nvSpPr>
+        <p:spPr/>
+        <p:txBody>
+          <a:bodyPr/>
+          <a:lstStyle/>
+          <a:p>
+            <a:r>
+              <a:rPr lang="en-US"/>
+              <a:t>Bank balance B, income I, spending S</a:t>
+            </a:r>
+          </a:p>
+          <a:p>
+            <a:r>
+              <a:rPr lang="en-US"/>
+              <a:t>dB/dt = I – S</a:t>
+            </a:r>
+          </a:p>
+          <a:p>
             <a:endParaRPr lang="en-US"/>
           </a:p>
-        </p:txBody>
-      </p:sp>
-      <p:sp>
-        <p:nvSpPr>
-          <p:cNvPr id="3" name="Content Placeholder 2">
-            <a:extLst>
-              <a:ext uri="{FF2B5EF4-FFF2-40B4-BE49-F238E27FC236}">
-                <a16:creationId xmlns:a16="http://schemas.microsoft.com/office/drawing/2014/main" id="{FCBF9F11-6ABD-0793-D617-352DFFE7A84C}"/>
-              </a:ext>
-            </a:extLst>
-          </p:cNvPr>
-          <p:cNvSpPr>
-            <a:spLocks noGrp="1"/>
-          </p:cNvSpPr>
-          <p:nvPr>
-            <p:ph idx="1"/>
-          </p:nvPr>
-        </p:nvSpPr>
-        <p:spPr/>
-        <p:txBody>
-          <a:bodyPr/>
-          <a:lstStyle/>
-          <a:p>
-            <a:endParaRPr lang="en-US"/>
+          <a:p>
+            <a:r>
+              <a:rPr lang="en-US"/>
+              <a:t>Case 1: salaried professional</a:t>
+            </a:r>
+          </a:p>
+          <a:p>
+            <a:r>
+              <a:rPr lang="en-US"/>
+              <a:t>Case 2: rideshare driver </a:t>
+            </a:r>
+          </a:p>
+          <a:p>
+            <a:r>
+              <a:rPr lang="en-US"/>
+              <a:t>Case 3: lucky tech entrepreneur</a:t>
+            </a:r>
+          </a:p>
+          <a:p>
+            <a:r>
+              <a:rPr lang="en-US"/>
+              <a:t>Case 4: retiree</a:t>
+            </a:r>
           </a:p>
         </p:txBody>
       </p:sp>
     </p:spTree>
     <p:extLst>
       <p:ext uri="{BB962C8B-B14F-4D97-AF65-F5344CB8AC3E}">
-        <p14:creationId xmlns:p14="http://schemas.microsoft.com/office/powerpoint/2010/main" val="2920697991"/>
+        <p14:creationId xmlns:p14="http://schemas.microsoft.com/office/powerpoint/2010/main" val="3108488225"/>
+      </p:ext>
+    </p:extLst>
+  </p:cSld>
+  <p:clrMapOvr>
+    <a:masterClrMapping/>
+  </p:clrMapOvr>
+</p:sld>
+</file>
+
+<file path=ppt/slides/slide11.xml><?xml version="1.0" encoding="utf-8"?>
+<p:sld xmlns:a="http://schemas.openxmlformats.org/drawingml/2006/main" xmlns:r="http://schemas.openxmlformats.org/officeDocument/2006/relationships" xmlns:p="http://schemas.openxmlformats.org/presentationml/2006/main">
+  <p:cSld>
+    <p:spTree>
+      <p:nvGrpSpPr>
+        <p:cNvPr id="1" name=""/>
+        <p:cNvGrpSpPr/>
+        <p:nvPr/>
+      </p:nvGrpSpPr>
+      <p:grpSpPr>
+        <a:xfrm>
+          <a:off x="0" y="0"/>
+          <a:ext cx="0" cy="0"/>
+          <a:chOff x="0" y="0"/>
+          <a:chExt cx="0" cy="0"/>
+        </a:xfrm>
+      </p:grpSpPr>
+      <p:sp>
+        <p:nvSpPr>
+          <p:cNvPr id="2" name="Title 1">
+            <a:extLst>
+              <a:ext uri="{FF2B5EF4-FFF2-40B4-BE49-F238E27FC236}">
+                <a16:creationId xmlns:a16="http://schemas.microsoft.com/office/drawing/2014/main" id="{F7230372-A867-0D7F-DCAB-EE567BD5FBA9}"/>
+              </a:ext>
+            </a:extLst>
+          </p:cNvPr>
+          <p:cNvSpPr>
+            <a:spLocks noGrp="1"/>
+          </p:cNvSpPr>
+          <p:nvPr>
+            <p:ph type="title"/>
+          </p:nvPr>
+        </p:nvSpPr>
+        <p:spPr/>
+        <p:txBody>
+          <a:bodyPr/>
+          <a:lstStyle/>
+          <a:p>
+            <a:pPr algn="ctr"/>
+            <a:r>
+              <a:rPr lang="en-US"/>
+              <a:t>Ready to look at momentum equation for air</a:t>
+            </a:r>
+            <a:br>
+              <a:rPr lang="en-US"/>
+            </a:br>
+            <a:r>
+              <a:rPr lang="en-US"/>
+              <a:t>(pressure coordinate in vertical)</a:t>
+            </a:r>
+          </a:p>
+        </p:txBody>
+      </p:sp>
+      <p:sp>
+        <p:nvSpPr>
+          <p:cNvPr id="3" name="Content Placeholder 2">
+            <a:extLst>
+              <a:ext uri="{FF2B5EF4-FFF2-40B4-BE49-F238E27FC236}">
+                <a16:creationId xmlns:a16="http://schemas.microsoft.com/office/drawing/2014/main" id="{BE6A0A38-28AF-1185-76D0-19B74EEEA3FA}"/>
+              </a:ext>
+            </a:extLst>
+          </p:cNvPr>
+          <p:cNvSpPr>
+            <a:spLocks noGrp="1"/>
+          </p:cNvSpPr>
+          <p:nvPr>
+            <p:ph idx="1"/>
+          </p:nvPr>
+        </p:nvSpPr>
+        <p:spPr>
+          <a:xfrm>
+            <a:off x="838200" y="2458191"/>
+            <a:ext cx="10515600" cy="4286994"/>
+          </a:xfrm>
+        </p:spPr>
+        <p:txBody>
+          <a:bodyPr>
+            <a:normAutofit fontScale="92500" lnSpcReduction="10000"/>
+          </a:bodyPr>
+          <a:lstStyle/>
+          <a:p>
+            <a:r>
+              <a:rPr lang="en-US" sz="2000"/>
+              <a:t>$\partial_t (\vec V) = - \vec V \cdot \nabla_p \vec V +f \vec V \times \hat k - \nabla_p \Phi$</a:t>
+            </a:r>
+          </a:p>
+          <a:p>
+            <a:pPr marL="0" indent="0" algn="ctr">
+              <a:buNone/>
+            </a:pPr>
+            <a:endParaRPr lang="en-US"/>
+          </a:p>
+          <a:p>
+            <a:pPr marL="0" indent="0" algn="ctr">
+              <a:buNone/>
+            </a:pPr>
+            <a:r>
+              <a:rPr lang="en-US"/>
+              <a:t>tderiV = HADV + COR + PGF + F</a:t>
+            </a:r>
+          </a:p>
+          <a:p>
+            <a:endParaRPr lang="en-US"/>
+          </a:p>
+          <a:p>
+            <a:r>
+              <a:rPr lang="en-US" sz="3600"/>
+              <a:t>Start killing terms, making subsets we can grok </a:t>
+            </a:r>
+          </a:p>
+          <a:p>
+            <a:pPr lvl="1"/>
+            <a:r>
+              <a:rPr lang="en-US" sz="2800"/>
+              <a:t>Ultimate goal: driving? transmission? brakes?</a:t>
+            </a:r>
+          </a:p>
+          <a:p>
+            <a:pPr lvl="1"/>
+            <a:r>
+              <a:rPr lang="en-US" sz="2800"/>
+              <a:t>Meantime, illuminating special cases: </a:t>
+            </a:r>
+          </a:p>
+          <a:p>
+            <a:pPr lvl="2"/>
+            <a:r>
+              <a:rPr lang="en-US"/>
+              <a:t>“balances” (geostrophic and gradient) </a:t>
+            </a:r>
+          </a:p>
+          <a:p>
+            <a:pPr lvl="2"/>
+            <a:r>
+              <a:rPr lang="en-US"/>
+              <a:t>“inertia circles”</a:t>
+            </a:r>
+          </a:p>
+          <a:p>
+            <a:pPr lvl="2"/>
+            <a:r>
+              <a:rPr lang="en-US"/>
+              <a:t>“ooze”</a:t>
+            </a:r>
+          </a:p>
+          <a:p>
+            <a:pPr lvl="2"/>
+            <a:r>
+              <a:rPr lang="en-US"/>
+              <a:t>…</a:t>
+            </a:r>
+          </a:p>
+          <a:p>
+            <a:endParaRPr lang="en-US"/>
+          </a:p>
+          <a:p>
+            <a:endParaRPr lang="en-US" sz="2000"/>
+          </a:p>
+        </p:txBody>
+      </p:sp>
+      <p:pic>
+        <p:nvPicPr>
+          <p:cNvPr id="6" name="Picture 5">
+            <a:extLst>
+              <a:ext uri="{FF2B5EF4-FFF2-40B4-BE49-F238E27FC236}">
+                <a16:creationId xmlns:a16="http://schemas.microsoft.com/office/drawing/2014/main" id="{4E3EA02F-B24E-8660-2DA7-933A0047C022}"/>
+              </a:ext>
+            </a:extLst>
+          </p:cNvPr>
+          <p:cNvPicPr>
+            <a:picLocks noChangeAspect="1"/>
+          </p:cNvPicPr>
+          <p:nvPr/>
+        </p:nvPicPr>
+        <p:blipFill>
+          <a:blip r:embed="rId2"/>
+          <a:stretch>
+            <a:fillRect/>
+          </a:stretch>
+        </p:blipFill>
+        <p:spPr>
+          <a:xfrm>
+            <a:off x="914978" y="1583809"/>
+            <a:ext cx="10209701" cy="874382"/>
+          </a:xfrm>
+          <a:prstGeom prst="rect">
+            <a:avLst/>
+          </a:prstGeom>
+        </p:spPr>
+      </p:pic>
+    </p:spTree>
+    <p:extLst>
+      <p:ext uri="{BB962C8B-B14F-4D97-AF65-F5344CB8AC3E}">
+        <p14:creationId xmlns:p14="http://schemas.microsoft.com/office/powerpoint/2010/main" val="110607176"/>
+      </p:ext>
+    </p:extLst>
+  </p:cSld>
+  <p:clrMapOvr>
+    <a:masterClrMapping/>
+  </p:clrMapOvr>
+</p:sld>
+</file>
+
+<file path=ppt/slides/slide12.xml><?xml version="1.0" encoding="utf-8"?>
+<p:sld xmlns:a="http://schemas.openxmlformats.org/drawingml/2006/main" xmlns:r="http://schemas.openxmlformats.org/officeDocument/2006/relationships" xmlns:p="http://schemas.openxmlformats.org/presentationml/2006/main">
+  <p:cSld>
+    <p:spTree>
+      <p:nvGrpSpPr>
+        <p:cNvPr id="1" name=""/>
+        <p:cNvGrpSpPr/>
+        <p:nvPr/>
+      </p:nvGrpSpPr>
+      <p:grpSpPr>
+        <a:xfrm>
+          <a:off x="0" y="0"/>
+          <a:ext cx="0" cy="0"/>
+          <a:chOff x="0" y="0"/>
+          <a:chExt cx="0" cy="0"/>
+        </a:xfrm>
+      </p:grpSpPr>
+      <p:sp>
+        <p:nvSpPr>
+          <p:cNvPr id="2" name="Title 1">
+            <a:extLst>
+              <a:ext uri="{FF2B5EF4-FFF2-40B4-BE49-F238E27FC236}">
+                <a16:creationId xmlns:a16="http://schemas.microsoft.com/office/drawing/2014/main" id="{6A52E0A6-CF2C-2556-CB1E-6D2F3C6CBF9A}"/>
+              </a:ext>
+            </a:extLst>
+          </p:cNvPr>
+          <p:cNvSpPr>
+            <a:spLocks noGrp="1"/>
+          </p:cNvSpPr>
+          <p:nvPr>
+            <p:ph type="title"/>
+          </p:nvPr>
+        </p:nvSpPr>
+        <p:spPr/>
+        <p:txBody>
+          <a:bodyPr/>
+          <a:lstStyle/>
+          <a:p>
+            <a:pPr algn="ctr"/>
+            <a:r>
+              <a:rPr lang="en-US" dirty="0"/>
+              <a:t>Coriolis and “centrifugal” forces</a:t>
+            </a:r>
+          </a:p>
+        </p:txBody>
+      </p:sp>
+      <p:sp>
+        <p:nvSpPr>
+          <p:cNvPr id="3" name="Content Placeholder 2">
+            <a:extLst>
+              <a:ext uri="{FF2B5EF4-FFF2-40B4-BE49-F238E27FC236}">
+                <a16:creationId xmlns:a16="http://schemas.microsoft.com/office/drawing/2014/main" id="{393FA1B8-B486-BF55-FDD8-45E6796FA175}"/>
+              </a:ext>
+            </a:extLst>
+          </p:cNvPr>
+          <p:cNvSpPr>
+            <a:spLocks noGrp="1"/>
+          </p:cNvSpPr>
+          <p:nvPr>
+            <p:ph idx="1"/>
+          </p:nvPr>
+        </p:nvSpPr>
+        <p:spPr>
+          <a:xfrm>
+            <a:off x="838200" y="1580951"/>
+            <a:ext cx="10515600" cy="4596012"/>
+          </a:xfrm>
+        </p:spPr>
+        <p:txBody>
+          <a:bodyPr/>
+          <a:lstStyle/>
+          <a:p>
+            <a:r>
+              <a:rPr lang="en-US" dirty="0">
+                <a:solidFill>
+                  <a:srgbClr val="FF0000"/>
+                </a:solidFill>
+                <a:latin typeface="Symbol" pitchFamily="2" charset="2"/>
+              </a:rPr>
+              <a:t>2</a:t>
+            </a:r>
+            <a:r>
+              <a:rPr lang="en-US" b="1" dirty="0">
+                <a:solidFill>
+                  <a:srgbClr val="FF0000"/>
+                </a:solidFill>
+                <a:latin typeface="Symbol" pitchFamily="2" charset="2"/>
+              </a:rPr>
+              <a:t>W</a:t>
+            </a:r>
+            <a:r>
+              <a:rPr lang="en-US" dirty="0">
+                <a:solidFill>
+                  <a:srgbClr val="FF0000"/>
+                </a:solidFill>
+                <a:latin typeface="Symbol" pitchFamily="2" charset="2"/>
+              </a:rPr>
+              <a:t> </a:t>
+            </a:r>
+            <a:r>
+              <a:rPr lang="en-US" dirty="0">
+                <a:solidFill>
+                  <a:srgbClr val="FF0000"/>
+                </a:solidFill>
+              </a:rPr>
+              <a:t>x </a:t>
+            </a:r>
+            <a:r>
+              <a:rPr lang="en-US" b="1" dirty="0">
+                <a:solidFill>
+                  <a:srgbClr val="FF0000"/>
+                </a:solidFill>
+              </a:rPr>
+              <a:t>V</a:t>
+            </a:r>
+            <a:r>
+              <a:rPr lang="en-US" dirty="0">
+                <a:solidFill>
+                  <a:srgbClr val="FF0000"/>
+                </a:solidFill>
+              </a:rPr>
+              <a:t> , strictly (in 3D)</a:t>
+            </a:r>
+          </a:p>
+        </p:txBody>
+      </p:sp>
+      <p:pic>
+        <p:nvPicPr>
+          <p:cNvPr id="4" name="Picture 3">
+            <a:extLst>
+              <a:ext uri="{FF2B5EF4-FFF2-40B4-BE49-F238E27FC236}">
+                <a16:creationId xmlns:a16="http://schemas.microsoft.com/office/drawing/2014/main" id="{0B24FC81-435B-9E2E-CFFD-1B95367DC3B9}"/>
+              </a:ext>
+            </a:extLst>
+          </p:cNvPr>
+          <p:cNvPicPr>
+            <a:picLocks noChangeAspect="1"/>
+          </p:cNvPicPr>
+          <p:nvPr/>
+        </p:nvPicPr>
+        <p:blipFill>
+          <a:blip r:embed="rId2"/>
+          <a:stretch>
+            <a:fillRect/>
+          </a:stretch>
+        </p:blipFill>
+        <p:spPr>
+          <a:xfrm>
+            <a:off x="260101" y="2174414"/>
+            <a:ext cx="6347105" cy="3102635"/>
+          </a:xfrm>
+          <a:prstGeom prst="rect">
+            <a:avLst/>
+          </a:prstGeom>
+        </p:spPr>
+      </p:pic>
+      <p:pic>
+        <p:nvPicPr>
+          <p:cNvPr id="6" name="Picture 5">
+            <a:extLst>
+              <a:ext uri="{FF2B5EF4-FFF2-40B4-BE49-F238E27FC236}">
+                <a16:creationId xmlns:a16="http://schemas.microsoft.com/office/drawing/2014/main" id="{8C55E0E0-3582-818D-C4A4-3AF2EC3EC488}"/>
+              </a:ext>
+            </a:extLst>
+          </p:cNvPr>
+          <p:cNvPicPr>
+            <a:picLocks noChangeAspect="1"/>
+          </p:cNvPicPr>
+          <p:nvPr/>
+        </p:nvPicPr>
+        <p:blipFill>
+          <a:blip r:embed="rId3"/>
+          <a:stretch>
+            <a:fillRect/>
+          </a:stretch>
+        </p:blipFill>
+        <p:spPr>
+          <a:xfrm>
+            <a:off x="6868791" y="2174414"/>
+            <a:ext cx="5035055" cy="3932391"/>
+          </a:xfrm>
+          <a:prstGeom prst="rect">
+            <a:avLst/>
+          </a:prstGeom>
+        </p:spPr>
+      </p:pic>
+      <p:pic>
+        <p:nvPicPr>
+          <p:cNvPr id="7" name="Picture 6">
+            <a:extLst>
+              <a:ext uri="{FF2B5EF4-FFF2-40B4-BE49-F238E27FC236}">
+                <a16:creationId xmlns:a16="http://schemas.microsoft.com/office/drawing/2014/main" id="{5913BAED-662F-BF34-901D-DD61C3661112}"/>
+              </a:ext>
+            </a:extLst>
+          </p:cNvPr>
+          <p:cNvPicPr>
+            <a:picLocks noChangeAspect="1"/>
+          </p:cNvPicPr>
+          <p:nvPr/>
+        </p:nvPicPr>
+        <p:blipFill>
+          <a:blip r:embed="rId4"/>
+          <a:stretch>
+            <a:fillRect/>
+          </a:stretch>
+        </p:blipFill>
+        <p:spPr>
+          <a:xfrm>
+            <a:off x="143924" y="5997900"/>
+            <a:ext cx="11904152" cy="738119"/>
+          </a:xfrm>
+          <a:prstGeom prst="rect">
+            <a:avLst/>
+          </a:prstGeom>
+        </p:spPr>
+      </p:pic>
+      <p:sp>
+        <p:nvSpPr>
+          <p:cNvPr id="8" name="TextBox 7">
+            <a:extLst>
+              <a:ext uri="{FF2B5EF4-FFF2-40B4-BE49-F238E27FC236}">
+                <a16:creationId xmlns:a16="http://schemas.microsoft.com/office/drawing/2014/main" id="{2DA07A45-E97E-D23D-ACB4-CF0316FB7009}"/>
+              </a:ext>
+            </a:extLst>
+          </p:cNvPr>
+          <p:cNvSpPr txBox="1"/>
+          <p:nvPr/>
+        </p:nvSpPr>
+        <p:spPr>
+          <a:xfrm>
+            <a:off x="6607206" y="1400629"/>
+            <a:ext cx="5540398" cy="954107"/>
+          </a:xfrm>
+          <a:prstGeom prst="rect">
+            <a:avLst/>
+          </a:prstGeom>
+          <a:noFill/>
+        </p:spPr>
+        <p:txBody>
+          <a:bodyPr wrap="square" rtlCol="0">
+            <a:spAutoFit/>
+          </a:bodyPr>
+          <a:lstStyle/>
+          <a:p>
+            <a:pPr algn="ctr"/>
+            <a:r>
+              <a:rPr lang="en-US" sz="2800" dirty="0">
+                <a:solidFill>
+                  <a:srgbClr val="FF0000"/>
+                </a:solidFill>
+                <a:latin typeface="Symbol" pitchFamily="2" charset="2"/>
+              </a:rPr>
+              <a:t>-(</a:t>
+            </a:r>
+            <a:r>
+              <a:rPr lang="en-US" sz="2800" b="1" dirty="0">
+                <a:solidFill>
+                  <a:srgbClr val="FF0000"/>
+                </a:solidFill>
+              </a:rPr>
+              <a:t>V</a:t>
+            </a:r>
+            <a:r>
+              <a:rPr lang="en-US" sz="2800" baseline="30000" dirty="0">
+                <a:solidFill>
+                  <a:srgbClr val="FF0000"/>
+                </a:solidFill>
+              </a:rPr>
+              <a:t>.</a:t>
+            </a:r>
+            <a:r>
+              <a:rPr lang="en-US" sz="2800" i="0" dirty="0">
+                <a:solidFill>
+                  <a:srgbClr val="FF0000"/>
+                </a:solidFill>
+                <a:effectLst/>
+                <a:latin typeface="Manrope"/>
+              </a:rPr>
+              <a:t>∇) </a:t>
+            </a:r>
+            <a:r>
+              <a:rPr lang="en-US" sz="2800" b="1" i="0" dirty="0">
+                <a:solidFill>
+                  <a:srgbClr val="FF0000"/>
+                </a:solidFill>
+                <a:effectLst/>
+                <a:latin typeface="Manrope"/>
+              </a:rPr>
+              <a:t>V</a:t>
+            </a:r>
+            <a:r>
+              <a:rPr lang="en-US" sz="2800" dirty="0">
+                <a:solidFill>
+                  <a:srgbClr val="FF0000"/>
+                </a:solidFill>
+              </a:rPr>
+              <a:t> </a:t>
+            </a:r>
+          </a:p>
+          <a:p>
+            <a:pPr algn="ctr"/>
+            <a:r>
+              <a:rPr lang="en-US" sz="2800" i="1" dirty="0">
+                <a:solidFill>
+                  <a:srgbClr val="FF0000"/>
+                </a:solidFill>
+              </a:rPr>
+              <a:t>advection of vector momentum </a:t>
+            </a:r>
+            <a:r>
+              <a:rPr lang="en-US" sz="2800" b="1" i="1" dirty="0">
+                <a:solidFill>
+                  <a:srgbClr val="FF0000"/>
+                </a:solidFill>
+              </a:rPr>
+              <a:t>V</a:t>
+            </a:r>
+          </a:p>
+        </p:txBody>
+      </p:sp>
+    </p:spTree>
+    <p:extLst>
+      <p:ext uri="{BB962C8B-B14F-4D97-AF65-F5344CB8AC3E}">
+        <p14:creationId xmlns:p14="http://schemas.microsoft.com/office/powerpoint/2010/main" val="2840276862"/>
+      </p:ext>
+    </p:extLst>
+  </p:cSld>
+  <p:clrMapOvr>
+    <a:masterClrMapping/>
+  </p:clrMapOvr>
+</p:sld>
+</file>
+
+<file path=ppt/slides/slide13.xml><?xml version="1.0" encoding="utf-8"?>
+<p:sld xmlns:a="http://schemas.openxmlformats.org/drawingml/2006/main" xmlns:r="http://schemas.openxmlformats.org/officeDocument/2006/relationships" xmlns:p="http://schemas.openxmlformats.org/presentationml/2006/main">
+  <p:cSld>
+    <p:spTree>
+      <p:nvGrpSpPr>
+        <p:cNvPr id="1" name=""/>
+        <p:cNvGrpSpPr/>
+        <p:nvPr/>
+      </p:nvGrpSpPr>
+      <p:grpSpPr>
+        <a:xfrm>
+          <a:off x="0" y="0"/>
+          <a:ext cx="0" cy="0"/>
+          <a:chOff x="0" y="0"/>
+          <a:chExt cx="0" cy="0"/>
+        </a:xfrm>
+      </p:grpSpPr>
+      <p:sp>
+        <p:nvSpPr>
+          <p:cNvPr id="2" name="Title 1">
+            <a:extLst>
+              <a:ext uri="{FF2B5EF4-FFF2-40B4-BE49-F238E27FC236}">
+                <a16:creationId xmlns:a16="http://schemas.microsoft.com/office/drawing/2014/main" id="{6A52E0A6-CF2C-2556-CB1E-6D2F3C6CBF9A}"/>
+              </a:ext>
+            </a:extLst>
+          </p:cNvPr>
+          <p:cNvSpPr>
+            <a:spLocks noGrp="1"/>
+          </p:cNvSpPr>
+          <p:nvPr>
+            <p:ph type="title"/>
+          </p:nvPr>
+        </p:nvSpPr>
+        <p:spPr/>
+        <p:txBody>
+          <a:bodyPr/>
+          <a:lstStyle/>
+          <a:p>
+            <a:pPr algn="ctr"/>
+            <a:r>
+              <a:rPr lang="en-US" dirty="0"/>
+              <a:t>Coriolis and “centrifugal” forces</a:t>
+            </a:r>
+          </a:p>
+        </p:txBody>
+      </p:sp>
+      <p:sp>
+        <p:nvSpPr>
+          <p:cNvPr id="3" name="Content Placeholder 2">
+            <a:extLst>
+              <a:ext uri="{FF2B5EF4-FFF2-40B4-BE49-F238E27FC236}">
+                <a16:creationId xmlns:a16="http://schemas.microsoft.com/office/drawing/2014/main" id="{393FA1B8-B486-BF55-FDD8-45E6796FA175}"/>
+              </a:ext>
+            </a:extLst>
+          </p:cNvPr>
+          <p:cNvSpPr>
+            <a:spLocks noGrp="1"/>
+          </p:cNvSpPr>
+          <p:nvPr>
+            <p:ph idx="1"/>
+          </p:nvPr>
+        </p:nvSpPr>
+        <p:spPr>
+          <a:xfrm>
+            <a:off x="838200" y="1580951"/>
+            <a:ext cx="10515600" cy="4596012"/>
+          </a:xfrm>
+        </p:spPr>
+        <p:txBody>
+          <a:bodyPr/>
+          <a:lstStyle/>
+          <a:p>
+            <a:r>
+              <a:rPr lang="en-US" dirty="0">
+                <a:solidFill>
+                  <a:srgbClr val="FF0000"/>
+                </a:solidFill>
+                <a:latin typeface="Symbol" pitchFamily="2" charset="2"/>
+              </a:rPr>
+              <a:t>2</a:t>
+            </a:r>
+            <a:r>
+              <a:rPr lang="en-US" b="1" dirty="0">
+                <a:solidFill>
+                  <a:srgbClr val="FF0000"/>
+                </a:solidFill>
+                <a:latin typeface="Symbol" pitchFamily="2" charset="2"/>
+              </a:rPr>
+              <a:t>W</a:t>
+            </a:r>
+            <a:r>
+              <a:rPr lang="en-US" dirty="0">
+                <a:solidFill>
+                  <a:srgbClr val="FF0000"/>
+                </a:solidFill>
+                <a:latin typeface="Symbol" pitchFamily="2" charset="2"/>
+              </a:rPr>
+              <a:t> </a:t>
+            </a:r>
+            <a:r>
+              <a:rPr lang="en-US" dirty="0">
+                <a:solidFill>
+                  <a:srgbClr val="FF0000"/>
+                </a:solidFill>
+              </a:rPr>
+              <a:t>x </a:t>
+            </a:r>
+            <a:r>
+              <a:rPr lang="en-US" b="1" dirty="0">
+                <a:solidFill>
+                  <a:srgbClr val="FF0000"/>
+                </a:solidFill>
+              </a:rPr>
+              <a:t>V</a:t>
+            </a:r>
+            <a:r>
+              <a:rPr lang="en-US" dirty="0">
+                <a:solidFill>
+                  <a:srgbClr val="FF0000"/>
+                </a:solidFill>
+              </a:rPr>
+              <a:t> , strictly (in 3D)</a:t>
+            </a:r>
+          </a:p>
+        </p:txBody>
+      </p:sp>
+      <p:sp>
+        <p:nvSpPr>
+          <p:cNvPr id="8" name="TextBox 7">
+            <a:extLst>
+              <a:ext uri="{FF2B5EF4-FFF2-40B4-BE49-F238E27FC236}">
+                <a16:creationId xmlns:a16="http://schemas.microsoft.com/office/drawing/2014/main" id="{2DA07A45-E97E-D23D-ACB4-CF0316FB7009}"/>
+              </a:ext>
+            </a:extLst>
+          </p:cNvPr>
+          <p:cNvSpPr txBox="1"/>
+          <p:nvPr/>
+        </p:nvSpPr>
+        <p:spPr>
+          <a:xfrm>
+            <a:off x="6607206" y="1400629"/>
+            <a:ext cx="5540398" cy="1384995"/>
+          </a:xfrm>
+          <a:prstGeom prst="rect">
+            <a:avLst/>
+          </a:prstGeom>
+          <a:noFill/>
+        </p:spPr>
+        <p:txBody>
+          <a:bodyPr wrap="square" rtlCol="0">
+            <a:spAutoFit/>
+          </a:bodyPr>
+          <a:lstStyle/>
+          <a:p>
+            <a:pPr algn="ctr"/>
+            <a:r>
+              <a:rPr lang="en-US" sz="2800" dirty="0">
+                <a:solidFill>
+                  <a:srgbClr val="FF0000"/>
+                </a:solidFill>
+                <a:latin typeface="Symbol" pitchFamily="2" charset="2"/>
+              </a:rPr>
+              <a:t>-(</a:t>
+            </a:r>
+            <a:r>
+              <a:rPr lang="en-US" sz="2800" b="1" dirty="0">
+                <a:solidFill>
+                  <a:srgbClr val="FF0000"/>
+                </a:solidFill>
+              </a:rPr>
+              <a:t>V</a:t>
+            </a:r>
+            <a:r>
+              <a:rPr lang="en-US" sz="2800" baseline="30000" dirty="0">
+                <a:solidFill>
+                  <a:srgbClr val="FF0000"/>
+                </a:solidFill>
+              </a:rPr>
+              <a:t>.</a:t>
+            </a:r>
+            <a:r>
+              <a:rPr lang="en-US" sz="2800" i="0" dirty="0">
+                <a:solidFill>
+                  <a:srgbClr val="FF0000"/>
+                </a:solidFill>
+                <a:effectLst/>
+                <a:latin typeface="Manrope"/>
+              </a:rPr>
+              <a:t>∇) </a:t>
+            </a:r>
+            <a:r>
+              <a:rPr lang="en-US" sz="2800" b="1" i="0" dirty="0">
+                <a:solidFill>
+                  <a:srgbClr val="FF0000"/>
+                </a:solidFill>
+                <a:effectLst/>
+                <a:latin typeface="Manrope"/>
+              </a:rPr>
+              <a:t>V</a:t>
+            </a:r>
+            <a:r>
+              <a:rPr lang="en-US" sz="2800" dirty="0">
+                <a:solidFill>
+                  <a:srgbClr val="FF0000"/>
+                </a:solidFill>
+              </a:rPr>
+              <a:t> </a:t>
+            </a:r>
+          </a:p>
+          <a:p>
+            <a:pPr algn="ctr"/>
+            <a:r>
+              <a:rPr lang="en-US" sz="2800" i="1" dirty="0">
+                <a:solidFill>
+                  <a:srgbClr val="FF0000"/>
+                </a:solidFill>
+              </a:rPr>
+              <a:t>advection of vector momentum </a:t>
+            </a:r>
+            <a:r>
+              <a:rPr lang="en-US" sz="2800" b="1" i="1" dirty="0">
+                <a:solidFill>
+                  <a:srgbClr val="FF0000"/>
+                </a:solidFill>
+              </a:rPr>
+              <a:t>V</a:t>
+            </a:r>
+          </a:p>
+          <a:p>
+            <a:pPr algn="ctr"/>
+            <a:r>
+              <a:rPr lang="en-US" sz="2800" i="1" dirty="0">
+                <a:solidFill>
+                  <a:srgbClr val="FF0000"/>
+                </a:solidFill>
+              </a:rPr>
+              <a:t>(which term?)</a:t>
+            </a:r>
+          </a:p>
+        </p:txBody>
+      </p:sp>
+      <p:pic>
+        <p:nvPicPr>
+          <p:cNvPr id="9" name="Picture 8">
+            <a:extLst>
+              <a:ext uri="{FF2B5EF4-FFF2-40B4-BE49-F238E27FC236}">
+                <a16:creationId xmlns:a16="http://schemas.microsoft.com/office/drawing/2014/main" id="{81117533-25CB-6432-B924-BBFDD14EA693}"/>
+              </a:ext>
+            </a:extLst>
+          </p:cNvPr>
+          <p:cNvPicPr>
+            <a:picLocks noChangeAspect="1"/>
+          </p:cNvPicPr>
+          <p:nvPr/>
+        </p:nvPicPr>
+        <p:blipFill>
+          <a:blip r:embed="rId2"/>
+          <a:stretch>
+            <a:fillRect/>
+          </a:stretch>
+        </p:blipFill>
+        <p:spPr>
+          <a:xfrm>
+            <a:off x="293341" y="2726191"/>
+            <a:ext cx="5568539" cy="3774462"/>
+          </a:xfrm>
+          <a:prstGeom prst="rect">
+            <a:avLst/>
+          </a:prstGeom>
+        </p:spPr>
+      </p:pic>
+      <p:pic>
+        <p:nvPicPr>
+          <p:cNvPr id="5" name="Picture 4">
+            <a:extLst>
+              <a:ext uri="{FF2B5EF4-FFF2-40B4-BE49-F238E27FC236}">
+                <a16:creationId xmlns:a16="http://schemas.microsoft.com/office/drawing/2014/main" id="{493AAAD6-122F-9173-D2EB-197313A70444}"/>
+              </a:ext>
+            </a:extLst>
+          </p:cNvPr>
+          <p:cNvPicPr>
+            <a:picLocks noChangeAspect="1"/>
+          </p:cNvPicPr>
+          <p:nvPr/>
+        </p:nvPicPr>
+        <p:blipFill>
+          <a:blip r:embed="rId3"/>
+          <a:stretch>
+            <a:fillRect/>
+          </a:stretch>
+        </p:blipFill>
+        <p:spPr>
+          <a:xfrm>
+            <a:off x="5861880" y="2726191"/>
+            <a:ext cx="6330120" cy="3766683"/>
+          </a:xfrm>
+          <a:prstGeom prst="rect">
+            <a:avLst/>
+          </a:prstGeom>
+        </p:spPr>
+      </p:pic>
+      <p:pic>
+        <p:nvPicPr>
+          <p:cNvPr id="10" name="Picture 9">
+            <a:extLst>
+              <a:ext uri="{FF2B5EF4-FFF2-40B4-BE49-F238E27FC236}">
+                <a16:creationId xmlns:a16="http://schemas.microsoft.com/office/drawing/2014/main" id="{607E2EA0-A32A-55C6-7BD6-1A47E7066CC6}"/>
+              </a:ext>
+            </a:extLst>
+          </p:cNvPr>
+          <p:cNvPicPr>
+            <a:picLocks noChangeAspect="1"/>
+          </p:cNvPicPr>
+          <p:nvPr/>
+        </p:nvPicPr>
+        <p:blipFill>
+          <a:blip r:embed="rId4"/>
+          <a:stretch>
+            <a:fillRect/>
+          </a:stretch>
+        </p:blipFill>
+        <p:spPr>
+          <a:xfrm>
+            <a:off x="4461163" y="1892764"/>
+            <a:ext cx="2438400" cy="647700"/>
+          </a:xfrm>
+          <a:prstGeom prst="rect">
+            <a:avLst/>
+          </a:prstGeom>
+        </p:spPr>
+      </p:pic>
+      <p:sp>
+        <p:nvSpPr>
+          <p:cNvPr id="11" name="TextBox 10">
+            <a:extLst>
+              <a:ext uri="{FF2B5EF4-FFF2-40B4-BE49-F238E27FC236}">
+                <a16:creationId xmlns:a16="http://schemas.microsoft.com/office/drawing/2014/main" id="{3250A55D-36E5-D3DA-D8A0-9FA69E1B12B3}"/>
+              </a:ext>
+            </a:extLst>
+          </p:cNvPr>
+          <p:cNvSpPr txBox="1"/>
+          <p:nvPr/>
+        </p:nvSpPr>
+        <p:spPr>
+          <a:xfrm>
+            <a:off x="4999512" y="1543788"/>
+            <a:ext cx="1319657" cy="369332"/>
+          </a:xfrm>
+          <a:prstGeom prst="rect">
+            <a:avLst/>
+          </a:prstGeom>
+          <a:noFill/>
+        </p:spPr>
+        <p:txBody>
+          <a:bodyPr wrap="none" rtlCol="0">
+            <a:spAutoFit/>
+          </a:bodyPr>
+          <a:lstStyle/>
+          <a:p>
+            <a:r>
+              <a:rPr lang="en-US" dirty="0"/>
+              <a:t>fraction of g</a:t>
+            </a:r>
+          </a:p>
+        </p:txBody>
+      </p:sp>
+      <p:sp>
+        <p:nvSpPr>
+          <p:cNvPr id="12" name="TextBox 11">
+            <a:extLst>
+              <a:ext uri="{FF2B5EF4-FFF2-40B4-BE49-F238E27FC236}">
+                <a16:creationId xmlns:a16="http://schemas.microsoft.com/office/drawing/2014/main" id="{8F98F717-6445-719F-BEDA-3C77E8BCE3E2}"/>
+              </a:ext>
+            </a:extLst>
+          </p:cNvPr>
+          <p:cNvSpPr txBox="1"/>
+          <p:nvPr/>
+        </p:nvSpPr>
+        <p:spPr>
+          <a:xfrm>
+            <a:off x="5424372" y="6525464"/>
+            <a:ext cx="894797" cy="369332"/>
+          </a:xfrm>
+          <a:prstGeom prst="rect">
+            <a:avLst/>
+          </a:prstGeom>
+          <a:noFill/>
+        </p:spPr>
+        <p:txBody>
+          <a:bodyPr wrap="none" rtlCol="0">
+            <a:spAutoFit/>
+          </a:bodyPr>
+          <a:lstStyle/>
+          <a:p>
+            <a:r>
+              <a:rPr lang="en-US" dirty="0"/>
+              <a:t>500mb </a:t>
+            </a:r>
+          </a:p>
+        </p:txBody>
+      </p:sp>
+    </p:spTree>
+    <p:extLst>
+      <p:ext uri="{BB962C8B-B14F-4D97-AF65-F5344CB8AC3E}">
+        <p14:creationId xmlns:p14="http://schemas.microsoft.com/office/powerpoint/2010/main" val="419310487"/>
+      </p:ext>
+    </p:extLst>
+  </p:cSld>
+  <p:clrMapOvr>
+    <a:masterClrMapping/>
+  </p:clrMapOvr>
+</p:sld>
+</file>
+
+<file path=ppt/slides/slide14.xml><?xml version="1.0" encoding="utf-8"?>
+<p:sld xmlns:a="http://schemas.openxmlformats.org/drawingml/2006/main" xmlns:r="http://schemas.openxmlformats.org/officeDocument/2006/relationships" xmlns:p="http://schemas.openxmlformats.org/presentationml/2006/main">
+  <p:cSld>
+    <p:spTree>
+      <p:nvGrpSpPr>
+        <p:cNvPr id="1" name=""/>
+        <p:cNvGrpSpPr/>
+        <p:nvPr/>
+      </p:nvGrpSpPr>
+      <p:grpSpPr>
+        <a:xfrm>
+          <a:off x="0" y="0"/>
+          <a:ext cx="0" cy="0"/>
+          <a:chOff x="0" y="0"/>
+          <a:chExt cx="0" cy="0"/>
+        </a:xfrm>
+      </p:grpSpPr>
+      <p:sp>
+        <p:nvSpPr>
+          <p:cNvPr id="2" name="Title 1">
+            <a:extLst>
+              <a:ext uri="{FF2B5EF4-FFF2-40B4-BE49-F238E27FC236}">
+                <a16:creationId xmlns:a16="http://schemas.microsoft.com/office/drawing/2014/main" id="{16B4EBBD-FF55-C54B-BA8F-FAAA4338CF65}"/>
+              </a:ext>
+            </a:extLst>
+          </p:cNvPr>
+          <p:cNvSpPr>
+            <a:spLocks noGrp="1"/>
+          </p:cNvSpPr>
+          <p:nvPr>
+            <p:ph type="title"/>
+          </p:nvPr>
+        </p:nvSpPr>
+        <p:spPr/>
+        <p:txBody>
+          <a:bodyPr/>
+          <a:lstStyle/>
+          <a:p>
+            <a:pPr algn="ctr"/>
+            <a:r>
+              <a:rPr lang="en-US"/>
+              <a:t>Trajectories vs. streamlines in the </a:t>
+            </a:r>
+            <a:r>
+              <a:rPr lang="en-US">
+                <a:solidFill>
+                  <a:srgbClr val="FF0000"/>
+                </a:solidFill>
+              </a:rPr>
+              <a:t>V</a:t>
+            </a:r>
+            <a:r>
+              <a:rPr lang="en-US" baseline="30000">
+                <a:solidFill>
+                  <a:srgbClr val="FF0000"/>
+                </a:solidFill>
+              </a:rPr>
+              <a:t>2</a:t>
+            </a:r>
+            <a:r>
+              <a:rPr lang="en-US">
+                <a:solidFill>
+                  <a:srgbClr val="FF0000"/>
+                </a:solidFill>
+              </a:rPr>
+              <a:t>/R</a:t>
+            </a:r>
+            <a:r>
+              <a:rPr lang="en-US" baseline="-25000">
+                <a:solidFill>
+                  <a:srgbClr val="FF0000"/>
+                </a:solidFill>
+              </a:rPr>
+              <a:t>traj</a:t>
+            </a:r>
+            <a:r>
+              <a:rPr lang="en-US">
+                <a:solidFill>
+                  <a:srgbClr val="FF0000"/>
+                </a:solidFill>
+              </a:rPr>
+              <a:t> </a:t>
+            </a:r>
+            <a:r>
+              <a:rPr lang="en-US"/>
+              <a:t>framing of the “centrifugal force”</a:t>
+            </a:r>
+            <a:endParaRPr lang="en-US" baseline="-25000"/>
+          </a:p>
+        </p:txBody>
+      </p:sp>
+      <p:sp>
+        <p:nvSpPr>
+          <p:cNvPr id="3" name="Content Placeholder 2">
+            <a:extLst>
+              <a:ext uri="{FF2B5EF4-FFF2-40B4-BE49-F238E27FC236}">
+                <a16:creationId xmlns:a16="http://schemas.microsoft.com/office/drawing/2014/main" id="{92ECD22A-A45D-345B-25A2-61DE868450B9}"/>
+              </a:ext>
+            </a:extLst>
+          </p:cNvPr>
+          <p:cNvSpPr>
+            <a:spLocks noGrp="1"/>
+          </p:cNvSpPr>
+          <p:nvPr>
+            <p:ph idx="1"/>
+          </p:nvPr>
+        </p:nvSpPr>
+        <p:spPr>
+          <a:xfrm>
+            <a:off x="838200" y="1825625"/>
+            <a:ext cx="4137561" cy="4351338"/>
+          </a:xfrm>
+        </p:spPr>
+        <p:txBody>
+          <a:bodyPr>
+            <a:normAutofit fontScale="92500" lnSpcReduction="20000"/>
+          </a:bodyPr>
+          <a:lstStyle/>
+          <a:p>
+            <a:r>
+              <a:rPr lang="en-US"/>
+              <a:t>You don’t need to know the future of the whole flow to compute the inertial acceleration</a:t>
+            </a:r>
+          </a:p>
+          <a:p>
+            <a:endParaRPr lang="en-US"/>
+          </a:p>
+          <a:p>
+            <a:r>
+              <a:rPr lang="en-US"/>
+              <a:t>Trajectories may have tiny small-R loops, even though never in the strong inner PGF, and also never at a tiny total windspeed V</a:t>
+            </a:r>
+          </a:p>
+          <a:p>
+            <a:endParaRPr lang="en-US"/>
+          </a:p>
+          <a:p>
+            <a:r>
+              <a:rPr lang="en-US"/>
+              <a:t>Not a reliable guide to the true term </a:t>
+            </a:r>
+            <a:r>
+              <a:rPr lang="en-US" sz="2800" dirty="0">
+                <a:solidFill>
+                  <a:srgbClr val="FF0000"/>
+                </a:solidFill>
+                <a:latin typeface="Symbol" pitchFamily="2" charset="2"/>
+              </a:rPr>
+              <a:t>-(</a:t>
+            </a:r>
+            <a:r>
+              <a:rPr lang="en-US" sz="2800" b="1" dirty="0">
+                <a:solidFill>
+                  <a:srgbClr val="FF0000"/>
+                </a:solidFill>
+              </a:rPr>
+              <a:t>V</a:t>
+            </a:r>
+            <a:r>
+              <a:rPr lang="en-US" sz="2800" baseline="30000" dirty="0">
+                <a:solidFill>
+                  <a:srgbClr val="FF0000"/>
+                </a:solidFill>
+              </a:rPr>
+              <a:t>.</a:t>
+            </a:r>
+            <a:r>
+              <a:rPr lang="en-US" sz="2800" i="0" dirty="0">
+                <a:solidFill>
+                  <a:srgbClr val="FF0000"/>
+                </a:solidFill>
+                <a:effectLst/>
+                <a:latin typeface="Manrope"/>
+              </a:rPr>
+              <a:t>∇) </a:t>
+            </a:r>
+            <a:r>
+              <a:rPr lang="en-US" sz="2800" b="1" i="0" dirty="0">
+                <a:solidFill>
+                  <a:srgbClr val="FF0000"/>
+                </a:solidFill>
+                <a:effectLst/>
+                <a:latin typeface="Manrope"/>
+              </a:rPr>
+              <a:t>V</a:t>
+            </a:r>
+            <a:r>
+              <a:rPr lang="en-US" sz="2800" dirty="0">
+                <a:solidFill>
+                  <a:srgbClr val="FF0000"/>
+                </a:solidFill>
+              </a:rPr>
+              <a:t> </a:t>
+            </a:r>
+            <a:endParaRPr lang="en-US"/>
+          </a:p>
+          <a:p>
+            <a:endParaRPr lang="en-US"/>
+          </a:p>
+        </p:txBody>
+      </p:sp>
+      <p:pic>
+        <p:nvPicPr>
+          <p:cNvPr id="4" name="Picture 3">
+            <a:extLst>
+              <a:ext uri="{FF2B5EF4-FFF2-40B4-BE49-F238E27FC236}">
+                <a16:creationId xmlns:a16="http://schemas.microsoft.com/office/drawing/2014/main" id="{7D260CC8-6C47-1782-9CA2-44A6159ABCCE}"/>
+              </a:ext>
+            </a:extLst>
+          </p:cNvPr>
+          <p:cNvPicPr>
+            <a:picLocks noChangeAspect="1"/>
+          </p:cNvPicPr>
+          <p:nvPr/>
+        </p:nvPicPr>
+        <p:blipFill>
+          <a:blip r:embed="rId2"/>
+          <a:stretch>
+            <a:fillRect/>
+          </a:stretch>
+        </p:blipFill>
+        <p:spPr>
+          <a:xfrm>
+            <a:off x="5130388" y="1708944"/>
+            <a:ext cx="6515100" cy="4584700"/>
+          </a:xfrm>
+          <a:prstGeom prst="rect">
+            <a:avLst/>
+          </a:prstGeom>
+        </p:spPr>
+      </p:pic>
+      <p:cxnSp>
+        <p:nvCxnSpPr>
+          <p:cNvPr id="7" name="Straight Arrow Connector 6">
+            <a:extLst>
+              <a:ext uri="{FF2B5EF4-FFF2-40B4-BE49-F238E27FC236}">
+                <a16:creationId xmlns:a16="http://schemas.microsoft.com/office/drawing/2014/main" id="{9F16422D-B8A5-91F0-0903-3FAB5D590C25}"/>
+              </a:ext>
+            </a:extLst>
+          </p:cNvPr>
+          <p:cNvCxnSpPr>
+            <a:cxnSpLocks/>
+          </p:cNvCxnSpPr>
+          <p:nvPr/>
+        </p:nvCxnSpPr>
+        <p:spPr>
+          <a:xfrm flipV="1">
+            <a:off x="4595751" y="2933205"/>
+            <a:ext cx="2232561" cy="1116281"/>
+          </a:xfrm>
+          <a:prstGeom prst="straightConnector1">
+            <a:avLst/>
+          </a:prstGeom>
+          <a:ln>
+            <a:tailEnd type="triangle"/>
+          </a:ln>
+        </p:spPr>
+        <p:style>
+          <a:lnRef idx="3">
+            <a:schemeClr val="accent2"/>
+          </a:lnRef>
+          <a:fillRef idx="0">
+            <a:schemeClr val="accent2"/>
+          </a:fillRef>
+          <a:effectRef idx="2">
+            <a:schemeClr val="accent2"/>
+          </a:effectRef>
+          <a:fontRef idx="minor">
+            <a:schemeClr val="tx1"/>
+          </a:fontRef>
+        </p:style>
+      </p:cxnSp>
+      <p:sp>
+        <p:nvSpPr>
+          <p:cNvPr id="9" name="Right Arrow 8">
+            <a:extLst>
+              <a:ext uri="{FF2B5EF4-FFF2-40B4-BE49-F238E27FC236}">
+                <a16:creationId xmlns:a16="http://schemas.microsoft.com/office/drawing/2014/main" id="{74EF8F3C-B221-EB29-8501-BC7855095EB4}"/>
+              </a:ext>
+            </a:extLst>
+          </p:cNvPr>
+          <p:cNvSpPr/>
+          <p:nvPr/>
+        </p:nvSpPr>
+        <p:spPr>
+          <a:xfrm rot="19368363">
+            <a:off x="5832457" y="3470148"/>
+            <a:ext cx="4459592" cy="1062289"/>
+          </a:xfrm>
+          <a:prstGeom prst="rightArrow">
+            <a:avLst>
+              <a:gd name="adj1" fmla="val 50000"/>
+              <a:gd name="adj2" fmla="val 48424"/>
+            </a:avLst>
+          </a:prstGeom>
+          <a:solidFill>
+            <a:srgbClr val="FFC000">
+              <a:alpha val="59000"/>
+            </a:srgbClr>
+          </a:solidFill>
+        </p:spPr>
+        <p:style>
+          <a:lnRef idx="2">
+            <a:schemeClr val="accent1">
+              <a:shade val="15000"/>
+            </a:schemeClr>
+          </a:lnRef>
+          <a:fillRef idx="1">
+            <a:schemeClr val="accent1"/>
+          </a:fillRef>
+          <a:effectRef idx="0">
+            <a:schemeClr val="accent1"/>
+          </a:effectRef>
+          <a:fontRef idx="minor">
+            <a:schemeClr val="lt1"/>
+          </a:fontRef>
+        </p:style>
+        <p:txBody>
+          <a:bodyPr rtlCol="0" anchor="ctr"/>
+          <a:lstStyle/>
+          <a:p>
+            <a:pPr algn="ctr"/>
+            <a:r>
+              <a:rPr lang="en-US" sz="3200">
+                <a:solidFill>
+                  <a:schemeClr val="tx1"/>
+                </a:solidFill>
+              </a:rPr>
+              <a:t>storm track</a:t>
+            </a:r>
+          </a:p>
+        </p:txBody>
+      </p:sp>
+    </p:spTree>
+    <p:extLst>
+      <p:ext uri="{BB962C8B-B14F-4D97-AF65-F5344CB8AC3E}">
+        <p14:creationId xmlns:p14="http://schemas.microsoft.com/office/powerpoint/2010/main" val="2070833457"/>
+      </p:ext>
+    </p:extLst>
+  </p:cSld>
+  <p:clrMapOvr>
+    <a:masterClrMapping/>
+  </p:clrMapOvr>
+</p:sld>
+</file>
+
+<file path=ppt/slides/slide15.xml><?xml version="1.0" encoding="utf-8"?>
+<p:sld xmlns:a="http://schemas.openxmlformats.org/drawingml/2006/main" xmlns:r="http://schemas.openxmlformats.org/officeDocument/2006/relationships" xmlns:p="http://schemas.openxmlformats.org/presentationml/2006/main">
+  <p:cSld>
+    <p:spTree>
+      <p:nvGrpSpPr>
+        <p:cNvPr id="1" name=""/>
+        <p:cNvGrpSpPr/>
+        <p:nvPr/>
+      </p:nvGrpSpPr>
+      <p:grpSpPr>
+        <a:xfrm>
+          <a:off x="0" y="0"/>
+          <a:ext cx="0" cy="0"/>
+          <a:chOff x="0" y="0"/>
+          <a:chExt cx="0" cy="0"/>
+        </a:xfrm>
+      </p:grpSpPr>
+      <p:sp>
+        <p:nvSpPr>
+          <p:cNvPr id="2" name="Title 1">
+            <a:extLst>
+              <a:ext uri="{FF2B5EF4-FFF2-40B4-BE49-F238E27FC236}">
+                <a16:creationId xmlns:a16="http://schemas.microsoft.com/office/drawing/2014/main" id="{171A5E61-86C1-D076-9C85-26BDC07250AC}"/>
+              </a:ext>
+            </a:extLst>
+          </p:cNvPr>
+          <p:cNvSpPr>
+            <a:spLocks noGrp="1"/>
+          </p:cNvSpPr>
+          <p:nvPr>
+            <p:ph type="title"/>
+          </p:nvPr>
+        </p:nvSpPr>
+        <p:spPr/>
+        <p:txBody>
+          <a:bodyPr/>
+          <a:lstStyle/>
+          <a:p>
+            <a:pPr algn="ctr"/>
+            <a:r>
+              <a:rPr lang="en-US"/>
+              <a:t>Balances </a:t>
+            </a:r>
+          </a:p>
+        </p:txBody>
+      </p:sp>
+      <p:sp>
+        <p:nvSpPr>
+          <p:cNvPr id="3" name="Content Placeholder 2">
+            <a:extLst>
+              <a:ext uri="{FF2B5EF4-FFF2-40B4-BE49-F238E27FC236}">
+                <a16:creationId xmlns:a16="http://schemas.microsoft.com/office/drawing/2014/main" id="{B4DED1CF-31C0-CAE4-59C0-04EFA22DD9C0}"/>
+              </a:ext>
+            </a:extLst>
+          </p:cNvPr>
+          <p:cNvSpPr>
+            <a:spLocks noGrp="1"/>
+          </p:cNvSpPr>
+          <p:nvPr>
+            <p:ph idx="1"/>
+          </p:nvPr>
+        </p:nvSpPr>
+        <p:spPr/>
+        <p:txBody>
+          <a:bodyPr/>
+          <a:lstStyle/>
+          <a:p>
+            <a:endParaRPr lang="en-US"/>
+          </a:p>
+        </p:txBody>
+      </p:sp>
+      <p:pic>
+        <p:nvPicPr>
+          <p:cNvPr id="4" name="Picture 3">
+            <a:extLst>
+              <a:ext uri="{FF2B5EF4-FFF2-40B4-BE49-F238E27FC236}">
+                <a16:creationId xmlns:a16="http://schemas.microsoft.com/office/drawing/2014/main" id="{8A684499-7D84-34B9-C27F-A0302EAE0EA5}"/>
+              </a:ext>
+            </a:extLst>
+          </p:cNvPr>
+          <p:cNvPicPr>
+            <a:picLocks noChangeAspect="1"/>
+          </p:cNvPicPr>
+          <p:nvPr/>
+        </p:nvPicPr>
+        <p:blipFill>
+          <a:blip r:embed="rId2"/>
+          <a:stretch>
+            <a:fillRect/>
+          </a:stretch>
+        </p:blipFill>
+        <p:spPr>
+          <a:xfrm>
+            <a:off x="169332" y="1161485"/>
+            <a:ext cx="6574367" cy="5144066"/>
+          </a:xfrm>
+          <a:prstGeom prst="rect">
+            <a:avLst/>
+          </a:prstGeom>
+        </p:spPr>
+      </p:pic>
+      <p:pic>
+        <p:nvPicPr>
+          <p:cNvPr id="5" name="Picture 4">
+            <a:extLst>
+              <a:ext uri="{FF2B5EF4-FFF2-40B4-BE49-F238E27FC236}">
+                <a16:creationId xmlns:a16="http://schemas.microsoft.com/office/drawing/2014/main" id="{82D687CA-010D-4242-D2AA-36405D969B81}"/>
+              </a:ext>
+            </a:extLst>
+          </p:cNvPr>
+          <p:cNvPicPr>
+            <a:picLocks noChangeAspect="1"/>
+          </p:cNvPicPr>
+          <p:nvPr/>
+        </p:nvPicPr>
+        <p:blipFill>
+          <a:blip r:embed="rId3"/>
+          <a:stretch>
+            <a:fillRect/>
+          </a:stretch>
+        </p:blipFill>
+        <p:spPr>
+          <a:xfrm>
+            <a:off x="6618234" y="1161485"/>
+            <a:ext cx="5404434" cy="5015478"/>
+          </a:xfrm>
+          <a:prstGeom prst="rect">
+            <a:avLst/>
+          </a:prstGeom>
+        </p:spPr>
+      </p:pic>
+    </p:spTree>
+    <p:extLst>
+      <p:ext uri="{BB962C8B-B14F-4D97-AF65-F5344CB8AC3E}">
+        <p14:creationId xmlns:p14="http://schemas.microsoft.com/office/powerpoint/2010/main" val="965795140"/>
+      </p:ext>
+    </p:extLst>
+  </p:cSld>
+  <p:clrMapOvr>
+    <a:masterClrMapping/>
+  </p:clrMapOvr>
+</p:sld>
+</file>
+
+<file path=ppt/slides/slide16.xml><?xml version="1.0" encoding="utf-8"?>
+<p:sld xmlns:a="http://schemas.openxmlformats.org/drawingml/2006/main" xmlns:r="http://schemas.openxmlformats.org/officeDocument/2006/relationships" xmlns:p="http://schemas.openxmlformats.org/presentationml/2006/main">
+  <p:cSld>
+    <p:spTree>
+      <p:nvGrpSpPr>
+        <p:cNvPr id="1" name=""/>
+        <p:cNvGrpSpPr/>
+        <p:nvPr/>
+      </p:nvGrpSpPr>
+      <p:grpSpPr>
+        <a:xfrm>
+          <a:off x="0" y="0"/>
+          <a:ext cx="0" cy="0"/>
+          <a:chOff x="0" y="0"/>
+          <a:chExt cx="0" cy="0"/>
+        </a:xfrm>
+      </p:grpSpPr>
+      <p:sp>
+        <p:nvSpPr>
+          <p:cNvPr id="2" name="Title 1">
+            <a:extLst>
+              <a:ext uri="{FF2B5EF4-FFF2-40B4-BE49-F238E27FC236}">
+                <a16:creationId xmlns:a16="http://schemas.microsoft.com/office/drawing/2014/main" id="{171A5E61-86C1-D076-9C85-26BDC07250AC}"/>
+              </a:ext>
+            </a:extLst>
+          </p:cNvPr>
+          <p:cNvSpPr>
+            <a:spLocks noGrp="1"/>
+          </p:cNvSpPr>
+          <p:nvPr>
+            <p:ph type="title"/>
+          </p:nvPr>
+        </p:nvSpPr>
+        <p:spPr/>
+        <p:txBody>
+          <a:bodyPr/>
+          <a:lstStyle/>
+          <a:p>
+            <a:pPr algn="ctr"/>
+            <a:r>
+              <a:rPr lang="en-US"/>
+              <a:t>Balances </a:t>
+            </a:r>
+          </a:p>
+        </p:txBody>
+      </p:sp>
+      <p:sp>
+        <p:nvSpPr>
+          <p:cNvPr id="3" name="Content Placeholder 2">
+            <a:extLst>
+              <a:ext uri="{FF2B5EF4-FFF2-40B4-BE49-F238E27FC236}">
+                <a16:creationId xmlns:a16="http://schemas.microsoft.com/office/drawing/2014/main" id="{B4DED1CF-31C0-CAE4-59C0-04EFA22DD9C0}"/>
+              </a:ext>
+            </a:extLst>
+          </p:cNvPr>
+          <p:cNvSpPr>
+            <a:spLocks noGrp="1"/>
+          </p:cNvSpPr>
+          <p:nvPr>
+            <p:ph idx="1"/>
+          </p:nvPr>
+        </p:nvSpPr>
+        <p:spPr/>
+        <p:txBody>
+          <a:bodyPr/>
+          <a:lstStyle/>
+          <a:p>
+            <a:r>
+              <a:rPr lang="en-US"/>
+              <a:t>“Gradient wind”</a:t>
+            </a:r>
+          </a:p>
+        </p:txBody>
+      </p:sp>
+      <p:pic>
+        <p:nvPicPr>
+          <p:cNvPr id="6" name="Picture 5">
+            <a:extLst>
+              <a:ext uri="{FF2B5EF4-FFF2-40B4-BE49-F238E27FC236}">
+                <a16:creationId xmlns:a16="http://schemas.microsoft.com/office/drawing/2014/main" id="{717EB448-7C47-876C-C048-4267A25AFD40}"/>
+              </a:ext>
+            </a:extLst>
+          </p:cNvPr>
+          <p:cNvPicPr>
+            <a:picLocks noChangeAspect="1"/>
+          </p:cNvPicPr>
+          <p:nvPr/>
+        </p:nvPicPr>
+        <p:blipFill>
+          <a:blip r:embed="rId2"/>
+          <a:stretch>
+            <a:fillRect/>
+          </a:stretch>
+        </p:blipFill>
+        <p:spPr>
+          <a:xfrm>
+            <a:off x="4291845" y="1369185"/>
+            <a:ext cx="6740332" cy="5264217"/>
+          </a:xfrm>
+          <a:prstGeom prst="rect">
+            <a:avLst/>
+          </a:prstGeom>
+        </p:spPr>
+      </p:pic>
+    </p:spTree>
+    <p:extLst>
+      <p:ext uri="{BB962C8B-B14F-4D97-AF65-F5344CB8AC3E}">
+        <p14:creationId xmlns:p14="http://schemas.microsoft.com/office/powerpoint/2010/main" val="3641923418"/>
+      </p:ext>
+    </p:extLst>
+  </p:cSld>
+  <p:clrMapOvr>
+    <a:masterClrMapping/>
+  </p:clrMapOvr>
+</p:sld>
+</file>
+
+<file path=ppt/slides/slide17.xml><?xml version="1.0" encoding="utf-8"?>
+<p:sld xmlns:a="http://schemas.openxmlformats.org/drawingml/2006/main" xmlns:r="http://schemas.openxmlformats.org/officeDocument/2006/relationships" xmlns:p="http://schemas.openxmlformats.org/presentationml/2006/main">
+  <p:cSld>
+    <p:spTree>
+      <p:nvGrpSpPr>
+        <p:cNvPr id="1" name=""/>
+        <p:cNvGrpSpPr/>
+        <p:nvPr/>
+      </p:nvGrpSpPr>
+      <p:grpSpPr>
+        <a:xfrm>
+          <a:off x="0" y="0"/>
+          <a:ext cx="0" cy="0"/>
+          <a:chOff x="0" y="0"/>
+          <a:chExt cx="0" cy="0"/>
+        </a:xfrm>
+      </p:grpSpPr>
+      <p:sp>
+        <p:nvSpPr>
+          <p:cNvPr id="2" name="Title 1">
+            <a:extLst>
+              <a:ext uri="{FF2B5EF4-FFF2-40B4-BE49-F238E27FC236}">
+                <a16:creationId xmlns:a16="http://schemas.microsoft.com/office/drawing/2014/main" id="{B49F5845-578B-5F67-FF4D-2A75CF17978B}"/>
+              </a:ext>
+            </a:extLst>
+          </p:cNvPr>
+          <p:cNvSpPr>
+            <a:spLocks noGrp="1"/>
+          </p:cNvSpPr>
+          <p:nvPr>
+            <p:ph type="title"/>
+          </p:nvPr>
+        </p:nvSpPr>
+        <p:spPr/>
+        <p:txBody>
+          <a:bodyPr/>
+          <a:lstStyle/>
+          <a:p>
+            <a:pPr algn="ctr"/>
+            <a:r>
+              <a:rPr lang="en-US"/>
+              <a:t>Study “thermal wind” – tricky, key </a:t>
+            </a:r>
+            <a:br>
+              <a:rPr lang="en-US"/>
+            </a:br>
+            <a:r>
+              <a:rPr lang="en-US"/>
+              <a:t>compound concept</a:t>
+            </a:r>
+          </a:p>
+        </p:txBody>
+      </p:sp>
+      <p:pic>
+        <p:nvPicPr>
+          <p:cNvPr id="4" name="Content Placeholder 3">
+            <a:extLst>
+              <a:ext uri="{FF2B5EF4-FFF2-40B4-BE49-F238E27FC236}">
+                <a16:creationId xmlns:a16="http://schemas.microsoft.com/office/drawing/2014/main" id="{100203DF-7157-0230-38B9-8438F647AEB0}"/>
+              </a:ext>
+            </a:extLst>
+          </p:cNvPr>
+          <p:cNvPicPr>
+            <a:picLocks noGrp="1" noChangeAspect="1"/>
+          </p:cNvPicPr>
+          <p:nvPr>
+            <p:ph idx="1"/>
+          </p:nvPr>
+        </p:nvPicPr>
+        <p:blipFill>
+          <a:blip r:embed="rId2"/>
+          <a:stretch>
+            <a:fillRect/>
+          </a:stretch>
+        </p:blipFill>
+        <p:spPr>
+          <a:xfrm>
+            <a:off x="4440462" y="1825625"/>
+            <a:ext cx="3311076" cy="4351338"/>
+          </a:xfrm>
+          <a:prstGeom prst="rect">
+            <a:avLst/>
+          </a:prstGeom>
+        </p:spPr>
+      </p:pic>
+    </p:spTree>
+    <p:extLst>
+      <p:ext uri="{BB962C8B-B14F-4D97-AF65-F5344CB8AC3E}">
+        <p14:creationId xmlns:p14="http://schemas.microsoft.com/office/powerpoint/2010/main" val="2306979494"/>
       </p:ext>
     </p:extLst>
   </p:cSld>
@@ -4576,13 +6283,13 @@
         </p:nvSpPr>
         <p:spPr>
           <a:xfrm>
-            <a:off x="838199" y="1837500"/>
-            <a:ext cx="10918371" cy="4351338"/>
+            <a:off x="570017" y="1837500"/>
+            <a:ext cx="11186554" cy="4351338"/>
           </a:xfrm>
         </p:spPr>
         <p:txBody>
           <a:bodyPr>
-            <a:normAutofit lnSpcReduction="10000"/>
+            <a:normAutofit/>
           </a:bodyPr>
           <a:lstStyle/>
           <a:p>
@@ -4626,9 +6333,6 @@
             </a:r>
           </a:p>
           <a:p>
-            <a:endParaRPr lang="en-US" dirty="0"/>
-          </a:p>
-          <a:p>
             <a:r>
               <a:rPr lang="en-US" dirty="0"/>
               <a:t>What is an </a:t>
@@ -4670,149 +6374,15 @@
             </a:r>
             <a:r>
               <a:rPr lang="en-US" dirty="0"/>
-              <a:t>. </a:t>
-            </a:r>
-          </a:p>
-          <a:p>
-            <a:r>
-              <a:rPr lang="en-US" u="sng" dirty="0"/>
-              <a:t>If </a:t>
-            </a:r>
-            <a:r>
-              <a:rPr lang="en-US" u="sng" dirty="0" err="1"/>
-              <a:t>d</a:t>
-            </a:r>
-            <a:r>
-              <a:rPr lang="en-US" b="1" i="1" u="sng" dirty="0" err="1"/>
-              <a:t>V</a:t>
-            </a:r>
-            <a:r>
-              <a:rPr lang="en-US" u="sng" dirty="0"/>
-              <a:t>/dt = 0, motion could be called “inertial”, but RHS has terms </a:t>
-            </a:r>
-            <a:r>
-              <a:rPr lang="en-US" dirty="0"/>
-              <a:t> </a:t>
-            </a:r>
-          </a:p>
-          <a:p>
-            <a:pPr marL="914400" lvl="1" indent="-457200">
-              <a:buFont typeface="+mj-lt"/>
-              <a:buAutoNum type="arabicPeriod"/>
-            </a:pPr>
-            <a:r>
-              <a:rPr lang="en-US" dirty="0"/>
-              <a:t>On a rotating sphere, </a:t>
-            </a:r>
-            <a:r>
-              <a:rPr lang="en-US" dirty="0">
-                <a:solidFill>
-                  <a:srgbClr val="7030A0"/>
-                </a:solidFill>
-              </a:rPr>
-              <a:t>unit vectors are rotating </a:t>
-            </a:r>
-            <a:r>
-              <a:rPr lang="en-US" dirty="0"/>
-              <a:t>in </a:t>
-            </a:r>
-            <a:r>
-              <a:rPr lang="en-US" dirty="0" err="1"/>
-              <a:t>d</a:t>
-            </a:r>
-            <a:r>
-              <a:rPr lang="en-US" b="1" i="1" dirty="0" err="1"/>
-              <a:t>V</a:t>
-            </a:r>
-            <a:r>
-              <a:rPr lang="en-US" dirty="0"/>
-              <a:t>/dt. </a:t>
-            </a:r>
-            <a:r>
-              <a:rPr lang="en-US" u="sng" dirty="0">
-                <a:solidFill>
-                  <a:srgbClr val="7030A0"/>
-                </a:solidFill>
-              </a:rPr>
-              <a:t>Coriolis force!</a:t>
-            </a:r>
-          </a:p>
-          <a:p>
-            <a:pPr marL="914400" lvl="1" indent="-457200">
-              <a:buFont typeface="+mj-lt"/>
-              <a:buAutoNum type="arabicPeriod"/>
-            </a:pPr>
-            <a:r>
-              <a:rPr lang="en-US" dirty="0"/>
-              <a:t>At a point, ∂</a:t>
-            </a:r>
-            <a:r>
-              <a:rPr lang="en-US" b="1" dirty="0"/>
-              <a:t>V</a:t>
-            </a:r>
-            <a:r>
-              <a:rPr lang="en-US" dirty="0"/>
-              <a:t>/∂t = </a:t>
-            </a:r>
-            <a:r>
-              <a:rPr lang="en-US" u="sng" dirty="0">
-                <a:solidFill>
-                  <a:srgbClr val="0070C0"/>
-                </a:solidFill>
-              </a:rPr>
-              <a:t>advection of </a:t>
-            </a:r>
-            <a:r>
-              <a:rPr lang="en-US" b="1" u="sng" dirty="0">
-                <a:solidFill>
-                  <a:srgbClr val="0070C0"/>
-                </a:solidFill>
-              </a:rPr>
-              <a:t>V</a:t>
-            </a:r>
-            <a:r>
-              <a:rPr lang="en-US" dirty="0">
-                <a:solidFill>
-                  <a:srgbClr val="0070C0"/>
-                </a:solidFill>
-              </a:rPr>
-              <a:t> (</a:t>
-            </a:r>
-            <a:r>
-              <a:rPr lang="en-US" dirty="0">
-                <a:solidFill>
-                  <a:srgbClr val="0070C0"/>
-                </a:solidFill>
-                <a:sym typeface="Wingdings" pitchFamily="2" charset="2"/>
-              </a:rPr>
-              <a:t> another “inertial force”) </a:t>
-            </a:r>
-            <a:r>
-              <a:rPr lang="en-US" dirty="0">
-                <a:sym typeface="Wingdings" pitchFamily="2" charset="2"/>
-              </a:rPr>
-              <a:t>+ PGF + </a:t>
-            </a:r>
-            <a:r>
-              <a:rPr lang="en-US" dirty="0" err="1">
-                <a:sym typeface="Wingdings" pitchFamily="2" charset="2"/>
-              </a:rPr>
-              <a:t>Fric</a:t>
-            </a:r>
-            <a:r>
-              <a:rPr lang="en-US" dirty="0">
-                <a:sym typeface="Wingdings" pitchFamily="2" charset="2"/>
-              </a:rPr>
-              <a:t>…</a:t>
-            </a:r>
-            <a:endParaRPr lang="en-US" dirty="0"/>
+              <a:t>.</a:t>
+            </a:r>
           </a:p>
         </p:txBody>
       </p:sp>
     </p:spTree>
     <p:extLst>
       <p:ext uri="{BB962C8B-B14F-4D97-AF65-F5344CB8AC3E}">
-        <p14:creationId xmlns:p14="http://schemas.microsoft.com/office/powerpoint/2010/main" val="3982071864"/>
+        <p14:creationId xmlns:p14="http://schemas.microsoft.com/office/powerpoint/2010/main" val="3780899380"/>
       </p:ext>
     </p:extLst>
   </p:cSld>
@@ -4844,7 +6414,7 @@
           <p:cNvPr id="2" name="Title 1">
             <a:extLst>
               <a:ext uri="{FF2B5EF4-FFF2-40B4-BE49-F238E27FC236}">
-                <a16:creationId xmlns:a16="http://schemas.microsoft.com/office/drawing/2014/main" id="{6A52E0A6-CF2C-2556-CB1E-6D2F3C6CBF9A}"/>
+                <a16:creationId xmlns:a16="http://schemas.microsoft.com/office/drawing/2014/main" id="{C34BBBD6-6C14-78E8-A68C-B2C66D110726}"/>
               </a:ext>
             </a:extLst>
           </p:cNvPr>
@@ -4863,7 +6433,7 @@
             <a:pPr algn="ctr"/>
             <a:r>
               <a:rPr lang="en-US" dirty="0"/>
-              <a:t>Coriolis and “centrifugal” forces</a:t>
+              <a:t>The concept of “inertial forces”</a:t>
             </a:r>
           </a:p>
         </p:txBody>
@@ -4873,7 +6443,7 @@
           <p:cNvPr id="3" name="Content Placeholder 2">
             <a:extLst>
               <a:ext uri="{FF2B5EF4-FFF2-40B4-BE49-F238E27FC236}">
-                <a16:creationId xmlns:a16="http://schemas.microsoft.com/office/drawing/2014/main" id="{393FA1B8-B486-BF55-FDD8-45E6796FA175}"/>
+                <a16:creationId xmlns:a16="http://schemas.microsoft.com/office/drawing/2014/main" id="{ED5CA56D-871A-8927-8860-CF15629149E5}"/>
               </a:ext>
             </a:extLst>
           </p:cNvPr>
@@ -4886,266 +6456,249 @@
         </p:nvSpPr>
         <p:spPr>
           <a:xfrm>
-            <a:off x="838200" y="1580951"/>
-            <a:ext cx="10515600" cy="4596012"/>
+            <a:off x="570017" y="1837500"/>
+            <a:ext cx="11186554" cy="4351338"/>
           </a:xfrm>
         </p:spPr>
         <p:txBody>
-          <a:bodyPr/>
-          <a:lstStyle/>
-          <a:p>
+          <a:bodyPr>
+            <a:normAutofit/>
+          </a:bodyPr>
+          <a:lstStyle/>
+          <a:p>
+            <a:r>
+              <a:rPr lang="en-US" u="sng" dirty="0"/>
+              <a:t>If </a:t>
+            </a:r>
+            <a:r>
+              <a:rPr lang="en-US" u="sng" dirty="0" err="1"/>
+              <a:t>d</a:t>
+            </a:r>
+            <a:r>
+              <a:rPr lang="en-US" b="1" i="1" u="sng" dirty="0" err="1"/>
+              <a:t>V</a:t>
+            </a:r>
+            <a:r>
+              <a:rPr lang="en-US" u="sng" dirty="0"/>
+              <a:t>/dt = 0, motion could be called “inertial”, but RHS has terms </a:t>
+            </a:r>
+            <a:r>
+              <a:rPr lang="en-US" dirty="0"/>
+              <a:t> </a:t>
+            </a:r>
+          </a:p>
+          <a:p>
+            <a:endParaRPr lang="en-US" dirty="0"/>
+          </a:p>
+          <a:p>
+            <a:pPr marL="914400" lvl="1" indent="-457200">
+              <a:buFont typeface="+mj-lt"/>
+              <a:buAutoNum type="arabicPeriod"/>
+            </a:pPr>
+            <a:r>
+              <a:rPr lang="en-US" dirty="0"/>
+              <a:t>On Earth, </a:t>
+            </a:r>
             <a:r>
               <a:rPr lang="en-US" dirty="0">
                 <a:solidFill>
+                  <a:srgbClr val="7030A0"/>
+                </a:solidFill>
+              </a:rPr>
+              <a:t>unit vectors are rotating </a:t>
+            </a:r>
+            <a:r>
+              <a:rPr lang="en-US" dirty="0"/>
+              <a:t>in </a:t>
+            </a:r>
+            <a:r>
+              <a:rPr lang="en-US" dirty="0" err="1"/>
+              <a:t>d</a:t>
+            </a:r>
+            <a:r>
+              <a:rPr lang="en-US" b="1" i="1" dirty="0" err="1"/>
+              <a:t>V</a:t>
+            </a:r>
+            <a:r>
+              <a:rPr lang="en-US" dirty="0"/>
+              <a:t>/dt. </a:t>
+            </a:r>
+            <a:r>
+              <a:rPr lang="en-US" dirty="0">
+                <a:sym typeface="Wingdings" pitchFamily="2" charset="2"/>
+              </a:rPr>
+              <a:t></a:t>
+            </a:r>
+            <a:r>
+              <a:rPr lang="en-US" u="sng" dirty="0">
+                <a:solidFill>
+                  <a:srgbClr val="7030A0"/>
+                </a:solidFill>
+              </a:rPr>
+              <a:t>Coriolis force COR</a:t>
+            </a:r>
+            <a:r>
+              <a:rPr lang="en-US" dirty="0">
+                <a:solidFill>
+                  <a:srgbClr val="7030A0"/>
+                </a:solidFill>
+              </a:rPr>
+              <a:t>  </a:t>
+            </a:r>
+            <a:r>
+              <a:rPr lang="en-US" dirty="0">
+                <a:solidFill>
                   <a:srgbClr val="FF0000"/>
                 </a:solidFill>
-                <a:latin typeface="Symbol" pitchFamily="2" charset="2"/>
-              </a:rPr>
-              <a:t>2</a:t>
-            </a:r>
-            <a:r>
-              <a:rPr lang="en-US" b="1" dirty="0">
+                <a:sym typeface="Wingdings" pitchFamily="2" charset="2"/>
+              </a:rPr>
+              <a:t>from wind</a:t>
+            </a:r>
+          </a:p>
+          <a:p>
+            <a:pPr marL="914400" lvl="1" indent="-457200">
+              <a:buFont typeface="+mj-lt"/>
+              <a:buAutoNum type="arabicPeriod"/>
+            </a:pPr>
+            <a:endParaRPr lang="en-US" dirty="0"/>
+          </a:p>
+          <a:p>
+            <a:pPr marL="914400" lvl="1" indent="-457200">
+              <a:buFont typeface="+mj-lt"/>
+              <a:buAutoNum type="arabicPeriod"/>
+            </a:pPr>
+            <a:r>
+              <a:rPr lang="en-US" dirty="0"/>
+              <a:t>∂</a:t>
+            </a:r>
+            <a:r>
+              <a:rPr lang="en-US" b="1" dirty="0"/>
+              <a:t>V</a:t>
+            </a:r>
+            <a:r>
+              <a:rPr lang="en-US" dirty="0"/>
+              <a:t>/∂t = </a:t>
+            </a:r>
+            <a:r>
+              <a:rPr lang="en-US" u="sng" dirty="0">
+                <a:solidFill>
+                  <a:srgbClr val="0070C0"/>
+                </a:solidFill>
+              </a:rPr>
+              <a:t>advection of </a:t>
+            </a:r>
+            <a:r>
+              <a:rPr lang="en-US" b="1" u="sng" dirty="0">
+                <a:solidFill>
+                  <a:srgbClr val="0070C0"/>
+                </a:solidFill>
+              </a:rPr>
+              <a:t>V</a:t>
+            </a:r>
+            <a:r>
+              <a:rPr lang="en-US" dirty="0">
+                <a:solidFill>
+                  <a:srgbClr val="0070C0"/>
+                </a:solidFill>
+              </a:rPr>
+              <a:t> (</a:t>
+            </a:r>
+            <a:r>
+              <a:rPr lang="en-US" dirty="0">
+                <a:solidFill>
+                  <a:srgbClr val="0070C0"/>
+                </a:solidFill>
+                <a:sym typeface="Wingdings" pitchFamily="2" charset="2"/>
+              </a:rPr>
+              <a:t> from wind, </a:t>
+            </a:r>
+            <a:r>
+              <a:rPr lang="en-US" dirty="0">
                 <a:solidFill>
                   <a:srgbClr val="FF0000"/>
                 </a:solidFill>
-                <a:latin typeface="Symbol" pitchFamily="2" charset="2"/>
-              </a:rPr>
-              <a:t>W</a:t>
+                <a:sym typeface="Wingdings" pitchFamily="2" charset="2"/>
+              </a:rPr>
+              <a:t>classic “</a:t>
+            </a:r>
+            <a:r>
+              <a:rPr lang="en-US" i="1" dirty="0">
+                <a:solidFill>
+                  <a:srgbClr val="FF0000"/>
+                </a:solidFill>
+                <a:sym typeface="Wingdings" pitchFamily="2" charset="2"/>
+              </a:rPr>
+              <a:t>inertial”</a:t>
             </a:r>
             <a:r>
               <a:rPr lang="en-US" dirty="0">
                 <a:solidFill>
+                  <a:srgbClr val="0070C0"/>
+                </a:solidFill>
+                <a:sym typeface="Wingdings" pitchFamily="2" charset="2"/>
+              </a:rPr>
+              <a:t>)    </a:t>
+            </a:r>
+            <a:r>
+              <a:rPr lang="en-US" dirty="0">
+                <a:sym typeface="Wingdings" pitchFamily="2" charset="2"/>
+              </a:rPr>
+              <a:t>+ COR + PGF + </a:t>
+            </a:r>
+            <a:r>
+              <a:rPr lang="en-US" dirty="0" err="1">
+                <a:sym typeface="Wingdings" pitchFamily="2" charset="2"/>
+              </a:rPr>
+              <a:t>Fric</a:t>
+            </a:r>
+            <a:r>
+              <a:rPr lang="en-US" dirty="0">
+                <a:sym typeface="Wingdings" pitchFamily="2" charset="2"/>
+              </a:rPr>
+              <a:t>…</a:t>
+            </a:r>
+          </a:p>
+          <a:p>
+            <a:pPr marL="914400" lvl="1" indent="-457200">
+              <a:buFont typeface="+mj-lt"/>
+              <a:buAutoNum type="arabicPeriod"/>
+            </a:pPr>
+            <a:endParaRPr lang="en-US" dirty="0">
+              <a:sym typeface="Wingdings" pitchFamily="2" charset="2"/>
+            </a:endParaRPr>
+          </a:p>
+          <a:p>
+            <a:pPr marL="914400" lvl="1" indent="-457200">
+              <a:buFont typeface="+mj-lt"/>
+              <a:buAutoNum type="arabicPeriod"/>
+            </a:pPr>
+            <a:r>
+              <a:rPr lang="en-US" dirty="0">
+                <a:sym typeface="Wingdings" pitchFamily="2" charset="2"/>
+              </a:rPr>
+              <a:t>Friction too depends on wind… a “damping”… </a:t>
+            </a:r>
+            <a:r>
+              <a:rPr lang="en-US" dirty="0">
+                <a:solidFill>
                   <a:srgbClr val="FF0000"/>
                 </a:solidFill>
-                <a:latin typeface="Symbol" pitchFamily="2" charset="2"/>
-              </a:rPr>
-              <a:t> </a:t>
-            </a:r>
-            <a:r>
-              <a:rPr lang="en-US" dirty="0">
-                <a:solidFill>
-                  <a:srgbClr val="FF0000"/>
-                </a:solidFill>
-              </a:rPr>
-              <a:t>x </a:t>
-            </a:r>
-            <a:r>
-              <a:rPr lang="en-US" b="1" dirty="0">
-                <a:solidFill>
-                  <a:srgbClr val="FF0000"/>
-                </a:solidFill>
-              </a:rPr>
-              <a:t>V</a:t>
-            </a:r>
-            <a:r>
-              <a:rPr lang="en-US" dirty="0">
-                <a:solidFill>
-                  <a:srgbClr val="FF0000"/>
-                </a:solidFill>
-              </a:rPr>
-              <a:t> , strictly (in 3D)</a:t>
-            </a:r>
-          </a:p>
-        </p:txBody>
-      </p:sp>
-      <p:pic>
-        <p:nvPicPr>
-          <p:cNvPr id="4" name="Picture 3">
-            <a:extLst>
-              <a:ext uri="{FF2B5EF4-FFF2-40B4-BE49-F238E27FC236}">
-                <a16:creationId xmlns:a16="http://schemas.microsoft.com/office/drawing/2014/main" id="{0B24FC81-435B-9E2E-CFFD-1B95367DC3B9}"/>
-              </a:ext>
-            </a:extLst>
-          </p:cNvPr>
-          <p:cNvPicPr>
-            <a:picLocks noChangeAspect="1"/>
-          </p:cNvPicPr>
-          <p:nvPr/>
-        </p:nvPicPr>
-        <p:blipFill>
-          <a:blip r:embed="rId2"/>
-          <a:stretch>
-            <a:fillRect/>
-          </a:stretch>
-        </p:blipFill>
-        <p:spPr>
-          <a:xfrm>
-            <a:off x="260101" y="2174414"/>
-            <a:ext cx="6347105" cy="3102635"/>
-          </a:xfrm>
-          <a:prstGeom prst="rect">
-            <a:avLst/>
-          </a:prstGeom>
-        </p:spPr>
-      </p:pic>
-      <p:pic>
-        <p:nvPicPr>
-          <p:cNvPr id="6" name="Picture 5">
-            <a:extLst>
-              <a:ext uri="{FF2B5EF4-FFF2-40B4-BE49-F238E27FC236}">
-                <a16:creationId xmlns:a16="http://schemas.microsoft.com/office/drawing/2014/main" id="{8C55E0E0-3582-818D-C4A4-3AF2EC3EC488}"/>
-              </a:ext>
-            </a:extLst>
-          </p:cNvPr>
-          <p:cNvPicPr>
-            <a:picLocks noChangeAspect="1"/>
-          </p:cNvPicPr>
-          <p:nvPr/>
-        </p:nvPicPr>
-        <p:blipFill>
-          <a:blip r:embed="rId3"/>
-          <a:stretch>
-            <a:fillRect/>
-          </a:stretch>
-        </p:blipFill>
-        <p:spPr>
-          <a:xfrm>
-            <a:off x="6868791" y="2174414"/>
-            <a:ext cx="5035055" cy="3932391"/>
-          </a:xfrm>
-          <a:prstGeom prst="rect">
-            <a:avLst/>
-          </a:prstGeom>
-        </p:spPr>
-      </p:pic>
-      <p:pic>
-        <p:nvPicPr>
-          <p:cNvPr id="7" name="Picture 6">
-            <a:extLst>
-              <a:ext uri="{FF2B5EF4-FFF2-40B4-BE49-F238E27FC236}">
-                <a16:creationId xmlns:a16="http://schemas.microsoft.com/office/drawing/2014/main" id="{5913BAED-662F-BF34-901D-DD61C3661112}"/>
-              </a:ext>
-            </a:extLst>
-          </p:cNvPr>
-          <p:cNvPicPr>
-            <a:picLocks noChangeAspect="1"/>
-          </p:cNvPicPr>
-          <p:nvPr/>
-        </p:nvPicPr>
-        <p:blipFill>
-          <a:blip r:embed="rId4"/>
-          <a:stretch>
-            <a:fillRect/>
-          </a:stretch>
-        </p:blipFill>
-        <p:spPr>
-          <a:xfrm>
-            <a:off x="143924" y="5997900"/>
-            <a:ext cx="11904152" cy="738119"/>
-          </a:xfrm>
-          <a:prstGeom prst="rect">
-            <a:avLst/>
-          </a:prstGeom>
-        </p:spPr>
-      </p:pic>
-      <p:sp>
-        <p:nvSpPr>
-          <p:cNvPr id="8" name="TextBox 7">
-            <a:extLst>
-              <a:ext uri="{FF2B5EF4-FFF2-40B4-BE49-F238E27FC236}">
-                <a16:creationId xmlns:a16="http://schemas.microsoft.com/office/drawing/2014/main" id="{2DA07A45-E97E-D23D-ACB4-CF0316FB7009}"/>
-              </a:ext>
-            </a:extLst>
-          </p:cNvPr>
-          <p:cNvSpPr txBox="1"/>
-          <p:nvPr/>
-        </p:nvSpPr>
-        <p:spPr>
-          <a:xfrm>
-            <a:off x="6607206" y="1400629"/>
-            <a:ext cx="5540398" cy="954107"/>
-          </a:xfrm>
-          <a:prstGeom prst="rect">
-            <a:avLst/>
-          </a:prstGeom>
-          <a:noFill/>
-        </p:spPr>
-        <p:txBody>
-          <a:bodyPr wrap="square" rtlCol="0">
-            <a:spAutoFit/>
-          </a:bodyPr>
-          <a:lstStyle/>
-          <a:p>
-            <a:pPr algn="ctr"/>
-            <a:r>
-              <a:rPr lang="en-US" sz="2800" dirty="0">
-                <a:solidFill>
-                  <a:srgbClr val="FF0000"/>
-                </a:solidFill>
-                <a:latin typeface="Symbol" pitchFamily="2" charset="2"/>
-              </a:rPr>
-              <a:t>-(</a:t>
-            </a:r>
-            <a:r>
-              <a:rPr lang="en-US" sz="2800" b="1" dirty="0">
-                <a:solidFill>
-                  <a:srgbClr val="FF0000"/>
-                </a:solidFill>
-              </a:rPr>
-              <a:t>V</a:t>
-            </a:r>
-            <a:r>
-              <a:rPr lang="en-US" sz="2800" baseline="30000" dirty="0">
-                <a:solidFill>
-                  <a:srgbClr val="FF0000"/>
-                </a:solidFill>
-              </a:rPr>
-              <a:t>.</a:t>
-            </a:r>
-            <a:r>
-              <a:rPr lang="en-US" sz="2800" i="0" dirty="0">
-                <a:solidFill>
-                  <a:srgbClr val="FF0000"/>
-                </a:solidFill>
-                <a:effectLst/>
-                <a:latin typeface="Manrope"/>
-              </a:rPr>
-              <a:t>∇) </a:t>
-            </a:r>
-            <a:r>
-              <a:rPr lang="en-US" sz="2800" b="1" i="0" dirty="0">
-                <a:solidFill>
-                  <a:srgbClr val="FF0000"/>
-                </a:solidFill>
-                <a:effectLst/>
-                <a:latin typeface="Manrope"/>
-              </a:rPr>
-              <a:t>V</a:t>
-            </a:r>
-            <a:r>
-              <a:rPr lang="en-US" sz="2800" dirty="0">
-                <a:solidFill>
-                  <a:srgbClr val="FF0000"/>
-                </a:solidFill>
-              </a:rPr>
-              <a:t> </a:t>
-            </a:r>
-          </a:p>
-          <a:p>
-            <a:pPr algn="ctr"/>
-            <a:r>
-              <a:rPr lang="en-US" sz="2800" i="1" dirty="0">
-                <a:solidFill>
-                  <a:srgbClr val="FF0000"/>
-                </a:solidFill>
-              </a:rPr>
-              <a:t>advection of vector momentum </a:t>
-            </a:r>
-            <a:r>
-              <a:rPr lang="en-US" sz="2800" b="1" i="1" dirty="0">
-                <a:solidFill>
-                  <a:srgbClr val="FF0000"/>
-                </a:solidFill>
-              </a:rPr>
-              <a:t>V</a:t>
-            </a:r>
+                <a:sym typeface="Wingdings" pitchFamily="2" charset="2"/>
+              </a:rPr>
+              <a:t>from wind</a:t>
+            </a:r>
+            <a:endParaRPr lang="en-US" dirty="0">
+              <a:solidFill>
+                <a:srgbClr val="FF0000"/>
+              </a:solidFill>
+            </a:endParaRPr>
           </a:p>
         </p:txBody>
       </p:sp>
     </p:spTree>
     <p:extLst>
       <p:ext uri="{BB962C8B-B14F-4D97-AF65-F5344CB8AC3E}">
-        <p14:creationId xmlns:p14="http://schemas.microsoft.com/office/powerpoint/2010/main" val="2840276862"/>
+        <p14:creationId xmlns:p14="http://schemas.microsoft.com/office/powerpoint/2010/main" val="3982071864"/>
       </p:ext>
     </p:extLst>
   </p:cSld>
@@ -5177,7 +6730,7 @@
           <p:cNvPr id="2" name="Title 1">
             <a:extLst>
               <a:ext uri="{FF2B5EF4-FFF2-40B4-BE49-F238E27FC236}">
-                <a16:creationId xmlns:a16="http://schemas.microsoft.com/office/drawing/2014/main" id="{6A52E0A6-CF2C-2556-CB1E-6D2F3C6CBF9A}"/>
+                <a16:creationId xmlns:a16="http://schemas.microsoft.com/office/drawing/2014/main" id="{8BBC5002-6D44-A2E3-0EFF-BDDDF1B48F28}"/>
               </a:ext>
             </a:extLst>
           </p:cNvPr>
@@ -5195,8 +6748,15 @@
           <a:p>
             <a:pPr algn="ctr"/>
             <a:r>
-              <a:rPr lang="en-US" dirty="0"/>
-              <a:t>Coriolis and “centrifugal” forces</a:t>
+              <a:rPr lang="en-US"/>
+              <a:t>On “dynamics”: </a:t>
+            </a:r>
+            <a:br>
+              <a:rPr lang="en-US"/>
+            </a:br>
+            <a:r>
+              <a:rPr lang="en-US"/>
+              <a:t>budgets, balances, and causality</a:t>
             </a:r>
           </a:p>
         </p:txBody>
@@ -5206,7 +6766,7 @@
           <p:cNvPr id="3" name="Content Placeholder 2">
             <a:extLst>
               <a:ext uri="{FF2B5EF4-FFF2-40B4-BE49-F238E27FC236}">
-                <a16:creationId xmlns:a16="http://schemas.microsoft.com/office/drawing/2014/main" id="{393FA1B8-B486-BF55-FDD8-45E6796FA175}"/>
+                <a16:creationId xmlns:a16="http://schemas.microsoft.com/office/drawing/2014/main" id="{B965128D-542B-79BE-9BAD-2418714AE67F}"/>
               </a:ext>
             </a:extLst>
           </p:cNvPr>
@@ -5217,341 +6777,122 @@
             <p:ph idx="1"/>
           </p:nvPr>
         </p:nvSpPr>
-        <p:spPr>
-          <a:xfrm>
-            <a:off x="838200" y="1580951"/>
-            <a:ext cx="10515600" cy="4596012"/>
-          </a:xfrm>
-        </p:spPr>
-        <p:txBody>
-          <a:bodyPr/>
-          <a:lstStyle/>
-          <a:p>
-            <a:r>
-              <a:rPr lang="en-US" dirty="0">
+        <p:spPr/>
+        <p:txBody>
+          <a:bodyPr/>
+          <a:lstStyle/>
+          <a:p>
+            <a:r>
+              <a:rPr lang="en-US"/>
+              <a:t>Dynamics means the science of change (structure </a:t>
+            </a:r>
+            <a:r>
+              <a:rPr lang="en-US" i="1"/>
+              <a:t>in time</a:t>
+            </a:r>
+            <a:r>
+              <a:rPr lang="en-US"/>
+              <a:t>), right? </a:t>
+            </a:r>
+          </a:p>
+          <a:p>
+            <a:r>
+              <a:rPr lang="en-US"/>
+              <a:t>Kinematics was mere description (grammar, vocabulary)</a:t>
+            </a:r>
+          </a:p>
+          <a:p>
+            <a:r>
+              <a:rPr lang="en-US"/>
+              <a:t>Budgets are the right shape: </a:t>
+            </a:r>
+          </a:p>
+          <a:p>
+            <a:pPr lvl="1"/>
+            <a:r>
+              <a:rPr lang="en-US"/>
+              <a:t>rate of change of (something) = source-sink + transport</a:t>
+            </a:r>
+          </a:p>
+          <a:p>
+            <a:r>
+              <a:rPr lang="en-US"/>
+              <a:t>Source-sink may include several terms (</a:t>
+            </a:r>
+            <a:r>
+              <a:rPr lang="en-US" i="1"/>
+              <a:t>forces</a:t>
+            </a:r>
+            <a:r>
+              <a:rPr lang="en-US"/>
+              <a:t>, for momentum)</a:t>
+            </a:r>
+          </a:p>
+          <a:p>
+            <a:endParaRPr lang="en-US"/>
+          </a:p>
+          <a:p>
+            <a:r>
+              <a:rPr lang="en-US"/>
+              <a:t>Whick of these are </a:t>
+            </a:r>
+            <a:r>
+              <a:rPr lang="en-US">
                 <a:solidFill>
                   <a:srgbClr val="FF0000"/>
                 </a:solidFill>
-                <a:latin typeface="Symbol" pitchFamily="2" charset="2"/>
-              </a:rPr>
-              <a:t>2</a:t>
-            </a:r>
-            <a:r>
-              <a:rPr lang="en-US" b="1" dirty="0">
+              </a:rPr>
+              <a:t>driving</a:t>
+            </a:r>
+            <a:r>
+              <a:rPr lang="en-US"/>
+              <a:t> (forcing) vs. </a:t>
+            </a:r>
+            <a:r>
+              <a:rPr lang="en-US">
                 <a:solidFill>
                   <a:srgbClr val="FF0000"/>
                 </a:solidFill>
-                <a:latin typeface="Symbol" pitchFamily="2" charset="2"/>
-              </a:rPr>
-              <a:t>W</a:t>
-            </a:r>
-            <a:r>
-              <a:rPr lang="en-US" dirty="0">
+              </a:rPr>
+              <a:t>damping</a:t>
+            </a:r>
+            <a:r>
+              <a:rPr lang="en-US"/>
+              <a:t>? </a:t>
+            </a:r>
+          </a:p>
+          <a:p>
+            <a:pPr lvl="1"/>
+            <a:r>
+              <a:rPr lang="en-US"/>
+              <a:t>mom. budget of a car: engine, transmission, brakes</a:t>
+            </a:r>
+          </a:p>
+          <a:p>
+            <a:pPr lvl="1"/>
+            <a:r>
+              <a:rPr lang="en-US"/>
+              <a:t>bike: legs, </a:t>
+            </a:r>
+            <a:r>
+              <a:rPr lang="en-US">
                 <a:solidFill>
                   <a:srgbClr val="FF0000"/>
                 </a:solidFill>
-                <a:latin typeface="Symbol" pitchFamily="2" charset="2"/>
-              </a:rPr>
-              <a:t> </a:t>
-            </a:r>
-            <a:r>
-              <a:rPr lang="en-US" dirty="0">
+              </a:rPr>
+              <a:t>chain</a:t>
+            </a:r>
+            <a:r>
+              <a:rPr lang="en-US"/>
+              <a:t>, hills and air resistance, brakes – chain is just </a:t>
+            </a:r>
+            <a:r>
+              <a:rPr lang="en-US" i="1">
                 <a:solidFill>
                   <a:srgbClr val="FF0000"/>
                 </a:solidFill>
               </a:rPr>
-              <a:t>x </a:t>
-            </a:r>
-            <a:r>
-              <a:rPr lang="en-US" b="1" dirty="0">
-                <a:solidFill>
-                  <a:srgbClr val="FF0000"/>
-                </a:solidFill>
-              </a:rPr>
-              <a:t>V</a:t>
-            </a:r>
-            <a:r>
-              <a:rPr lang="en-US" dirty="0">
-                <a:solidFill>
-                  <a:srgbClr val="FF0000"/>
-                </a:solidFill>
-              </a:rPr>
-              <a:t> , strictly (in 3D)</a:t>
-            </a:r>
-          </a:p>
-        </p:txBody>
-      </p:sp>
-      <p:sp>
-        <p:nvSpPr>
-          <p:cNvPr id="8" name="TextBox 7">
-            <a:extLst>
-              <a:ext uri="{FF2B5EF4-FFF2-40B4-BE49-F238E27FC236}">
-                <a16:creationId xmlns:a16="http://schemas.microsoft.com/office/drawing/2014/main" id="{2DA07A45-E97E-D23D-ACB4-CF0316FB7009}"/>
-              </a:ext>
-            </a:extLst>
-          </p:cNvPr>
-          <p:cNvSpPr txBox="1"/>
-          <p:nvPr/>
-        </p:nvSpPr>
-        <p:spPr>
-          <a:xfrm>
-            <a:off x="6607206" y="1400629"/>
-            <a:ext cx="5540398" cy="1384995"/>
-          </a:xfrm>
-          <a:prstGeom prst="rect">
-            <a:avLst/>
-          </a:prstGeom>
-          <a:noFill/>
-        </p:spPr>
-        <p:txBody>
-          <a:bodyPr wrap="square" rtlCol="0">
-            <a:spAutoFit/>
-          </a:bodyPr>
-          <a:lstStyle/>
-          <a:p>
-            <a:pPr algn="ctr"/>
-            <a:r>
-              <a:rPr lang="en-US" sz="2800" dirty="0">
-                <a:solidFill>
-                  <a:srgbClr val="FF0000"/>
-                </a:solidFill>
-                <a:latin typeface="Symbol" pitchFamily="2" charset="2"/>
-              </a:rPr>
-              <a:t>-(</a:t>
-            </a:r>
-            <a:r>
-              <a:rPr lang="en-US" sz="2800" b="1" dirty="0">
-                <a:solidFill>
-                  <a:srgbClr val="FF0000"/>
-                </a:solidFill>
-              </a:rPr>
-              <a:t>V</a:t>
-            </a:r>
-            <a:r>
-              <a:rPr lang="en-US" sz="2800" baseline="30000" dirty="0">
-                <a:solidFill>
-                  <a:srgbClr val="FF0000"/>
-                </a:solidFill>
-              </a:rPr>
-              <a:t>.</a:t>
-            </a:r>
-            <a:r>
-              <a:rPr lang="en-US" sz="2800" i="0" dirty="0">
-                <a:solidFill>
-                  <a:srgbClr val="FF0000"/>
-                </a:solidFill>
-                <a:effectLst/>
-                <a:latin typeface="Manrope"/>
-              </a:rPr>
-              <a:t>∇) </a:t>
-            </a:r>
-            <a:r>
-              <a:rPr lang="en-US" sz="2800" b="1" i="0" dirty="0">
-                <a:solidFill>
-                  <a:srgbClr val="FF0000"/>
-                </a:solidFill>
-                <a:effectLst/>
-                <a:latin typeface="Manrope"/>
-              </a:rPr>
-              <a:t>V</a:t>
-            </a:r>
-            <a:r>
-              <a:rPr lang="en-US" sz="2800" dirty="0">
-                <a:solidFill>
-                  <a:srgbClr val="FF0000"/>
-                </a:solidFill>
-              </a:rPr>
-              <a:t> </a:t>
-            </a:r>
-          </a:p>
-          <a:p>
-            <a:pPr algn="ctr"/>
-            <a:r>
-              <a:rPr lang="en-US" sz="2800" i="1" dirty="0">
-                <a:solidFill>
-                  <a:srgbClr val="FF0000"/>
-                </a:solidFill>
-              </a:rPr>
-              <a:t>advection of vector momentum </a:t>
-            </a:r>
-            <a:r>
-              <a:rPr lang="en-US" sz="2800" b="1" i="1" dirty="0">
-                <a:solidFill>
-                  <a:srgbClr val="FF0000"/>
-                </a:solidFill>
-              </a:rPr>
-              <a:t>V</a:t>
-            </a:r>
-          </a:p>
-          <a:p>
-            <a:pPr algn="ctr"/>
-            <a:r>
-              <a:rPr lang="en-US" sz="2800" i="1" dirty="0">
-                <a:solidFill>
-                  <a:srgbClr val="FF0000"/>
-                </a:solidFill>
-              </a:rPr>
-              <a:t>(which term?)</a:t>
-            </a:r>
-          </a:p>
-        </p:txBody>
-      </p:sp>
-      <p:pic>
-        <p:nvPicPr>
-          <p:cNvPr id="9" name="Picture 8">
-            <a:extLst>
-              <a:ext uri="{FF2B5EF4-FFF2-40B4-BE49-F238E27FC236}">
-                <a16:creationId xmlns:a16="http://schemas.microsoft.com/office/drawing/2014/main" id="{81117533-25CB-6432-B924-BBFDD14EA693}"/>
-              </a:ext>
-            </a:extLst>
-          </p:cNvPr>
-          <p:cNvPicPr>
-            <a:picLocks noChangeAspect="1"/>
-          </p:cNvPicPr>
-          <p:nvPr/>
-        </p:nvPicPr>
-        <p:blipFill>
-          <a:blip r:embed="rId2"/>
-          <a:stretch>
-            <a:fillRect/>
-          </a:stretch>
-        </p:blipFill>
-        <p:spPr>
-          <a:xfrm>
-            <a:off x="293341" y="2726191"/>
-            <a:ext cx="5568539" cy="3774462"/>
-          </a:xfrm>
-          <a:prstGeom prst="rect">
-            <a:avLst/>
-          </a:prstGeom>
-        </p:spPr>
-      </p:pic>
-      <p:pic>
-        <p:nvPicPr>
-          <p:cNvPr id="5" name="Picture 4">
-            <a:extLst>
-              <a:ext uri="{FF2B5EF4-FFF2-40B4-BE49-F238E27FC236}">
-                <a16:creationId xmlns:a16="http://schemas.microsoft.com/office/drawing/2014/main" id="{493AAAD6-122F-9173-D2EB-197313A70444}"/>
-              </a:ext>
-            </a:extLst>
-          </p:cNvPr>
-          <p:cNvPicPr>
-            <a:picLocks noChangeAspect="1"/>
-          </p:cNvPicPr>
-          <p:nvPr/>
-        </p:nvPicPr>
-        <p:blipFill>
-          <a:blip r:embed="rId3"/>
-          <a:stretch>
-            <a:fillRect/>
-          </a:stretch>
-        </p:blipFill>
-        <p:spPr>
-          <a:xfrm>
-            <a:off x="5861880" y="2726191"/>
-            <a:ext cx="6330120" cy="3766683"/>
-          </a:xfrm>
-          <a:prstGeom prst="rect">
-            <a:avLst/>
-          </a:prstGeom>
-        </p:spPr>
-      </p:pic>
-      <p:pic>
-        <p:nvPicPr>
-          <p:cNvPr id="10" name="Picture 9">
-            <a:extLst>
-              <a:ext uri="{FF2B5EF4-FFF2-40B4-BE49-F238E27FC236}">
-                <a16:creationId xmlns:a16="http://schemas.microsoft.com/office/drawing/2014/main" id="{607E2EA0-A32A-55C6-7BD6-1A47E7066CC6}"/>
-              </a:ext>
-            </a:extLst>
-          </p:cNvPr>
-          <p:cNvPicPr>
-            <a:picLocks noChangeAspect="1"/>
-          </p:cNvPicPr>
-          <p:nvPr/>
-        </p:nvPicPr>
-        <p:blipFill>
-          <a:blip r:embed="rId4"/>
-          <a:stretch>
-            <a:fillRect/>
-          </a:stretch>
-        </p:blipFill>
-        <p:spPr>
-          <a:xfrm>
-            <a:off x="4461163" y="1892764"/>
-            <a:ext cx="2438400" cy="647700"/>
-          </a:xfrm>
-          <a:prstGeom prst="rect">
-            <a:avLst/>
-          </a:prstGeom>
-        </p:spPr>
-      </p:pic>
-      <p:sp>
-        <p:nvSpPr>
-          <p:cNvPr id="11" name="TextBox 10">
-            <a:extLst>
-              <a:ext uri="{FF2B5EF4-FFF2-40B4-BE49-F238E27FC236}">
-                <a16:creationId xmlns:a16="http://schemas.microsoft.com/office/drawing/2014/main" id="{3250A55D-36E5-D3DA-D8A0-9FA69E1B12B3}"/>
-              </a:ext>
-            </a:extLst>
-          </p:cNvPr>
-          <p:cNvSpPr txBox="1"/>
-          <p:nvPr/>
-        </p:nvSpPr>
-        <p:spPr>
-          <a:xfrm>
-            <a:off x="4999512" y="1543788"/>
-            <a:ext cx="1319657" cy="369332"/>
-          </a:xfrm>
-          <a:prstGeom prst="rect">
-            <a:avLst/>
-          </a:prstGeom>
-          <a:noFill/>
-        </p:spPr>
-        <p:txBody>
-          <a:bodyPr wrap="none" rtlCol="0">
-            <a:spAutoFit/>
-          </a:bodyPr>
-          <a:lstStyle/>
-          <a:p>
-            <a:r>
-              <a:rPr lang="en-US" dirty="0"/>
-              <a:t>fraction of g</a:t>
-            </a:r>
-          </a:p>
-        </p:txBody>
-      </p:sp>
-      <p:sp>
-        <p:nvSpPr>
-          <p:cNvPr id="12" name="TextBox 11">
-            <a:extLst>
-              <a:ext uri="{FF2B5EF4-FFF2-40B4-BE49-F238E27FC236}">
-                <a16:creationId xmlns:a16="http://schemas.microsoft.com/office/drawing/2014/main" id="{8F98F717-6445-719F-BEDA-3C77E8BCE3E2}"/>
-              </a:ext>
-            </a:extLst>
-          </p:cNvPr>
-          <p:cNvSpPr txBox="1"/>
-          <p:nvPr/>
-        </p:nvSpPr>
-        <p:spPr>
-          <a:xfrm>
-            <a:off x="5424372" y="6525464"/>
-            <a:ext cx="894797" cy="369332"/>
-          </a:xfrm>
-          <a:prstGeom prst="rect">
-            <a:avLst/>
-          </a:prstGeom>
-          <a:noFill/>
-        </p:spPr>
-        <p:txBody>
-          <a:bodyPr wrap="none" rtlCol="0">
-            <a:spAutoFit/>
-          </a:bodyPr>
-          <a:lstStyle/>
-          <a:p>
-            <a:r>
-              <a:rPr lang="en-US" dirty="0"/>
-              <a:t>500mb </a:t>
+              <a:t>rigid links</a:t>
             </a:r>
           </a:p>
         </p:txBody>
@@ -5559,7 +6900,7 @@
     </p:spTree>
     <p:extLst>
       <p:ext uri="{BB962C8B-B14F-4D97-AF65-F5344CB8AC3E}">
-        <p14:creationId xmlns:p14="http://schemas.microsoft.com/office/powerpoint/2010/main" val="419310487"/>
+        <p14:creationId xmlns:p14="http://schemas.microsoft.com/office/powerpoint/2010/main" val="1471078839"/>
       </p:ext>
     </p:extLst>
   </p:cSld>

--- a/Week3-4_kinematics/Forces_WH7.2.pptx
+++ b/Week3-4_kinematics/Forces_WH7.2.pptx
@@ -22,6 +22,8 @@
     <p:sldId id="271" r:id="rId16"/>
     <p:sldId id="272" r:id="rId17"/>
     <p:sldId id="274" r:id="rId18"/>
+    <p:sldId id="281" r:id="rId19"/>
+    <p:sldId id="275" r:id="rId20"/>
   </p:sldIdLst>
   <p:sldSz cx="12192000" cy="6858000"/>
   <p:notesSz cx="6858000" cy="9144000"/>
@@ -275,7 +277,7 @@
           <a:p>
             <a:fld id="{747FAD15-5AE3-A748-894C-ED788A335EC4}" type="datetimeFigureOut">
               <a:rPr lang="en-US" smtClean="0"/>
-              <a:t>9/27/23</a:t>
+              <a:t>10/4/23</a:t>
             </a:fld>
             <a:endParaRPr lang="en-US"/>
           </a:p>
@@ -473,7 +475,7 @@
           <a:p>
             <a:fld id="{747FAD15-5AE3-A748-894C-ED788A335EC4}" type="datetimeFigureOut">
               <a:rPr lang="en-US" smtClean="0"/>
-              <a:t>9/27/23</a:t>
+              <a:t>10/4/23</a:t>
             </a:fld>
             <a:endParaRPr lang="en-US"/>
           </a:p>
@@ -681,7 +683,7 @@
           <a:p>
             <a:fld id="{747FAD15-5AE3-A748-894C-ED788A335EC4}" type="datetimeFigureOut">
               <a:rPr lang="en-US" smtClean="0"/>
-              <a:t>9/27/23</a:t>
+              <a:t>10/4/23</a:t>
             </a:fld>
             <a:endParaRPr lang="en-US"/>
           </a:p>
@@ -879,7 +881,7 @@
           <a:p>
             <a:fld id="{747FAD15-5AE3-A748-894C-ED788A335EC4}" type="datetimeFigureOut">
               <a:rPr lang="en-US" smtClean="0"/>
-              <a:t>9/27/23</a:t>
+              <a:t>10/4/23</a:t>
             </a:fld>
             <a:endParaRPr lang="en-US"/>
           </a:p>
@@ -1154,7 +1156,7 @@
           <a:p>
             <a:fld id="{747FAD15-5AE3-A748-894C-ED788A335EC4}" type="datetimeFigureOut">
               <a:rPr lang="en-US" smtClean="0"/>
-              <a:t>9/27/23</a:t>
+              <a:t>10/4/23</a:t>
             </a:fld>
             <a:endParaRPr lang="en-US"/>
           </a:p>
@@ -1419,7 +1421,7 @@
           <a:p>
             <a:fld id="{747FAD15-5AE3-A748-894C-ED788A335EC4}" type="datetimeFigureOut">
               <a:rPr lang="en-US" smtClean="0"/>
-              <a:t>9/27/23</a:t>
+              <a:t>10/4/23</a:t>
             </a:fld>
             <a:endParaRPr lang="en-US"/>
           </a:p>
@@ -1831,7 +1833,7 @@
           <a:p>
             <a:fld id="{747FAD15-5AE3-A748-894C-ED788A335EC4}" type="datetimeFigureOut">
               <a:rPr lang="en-US" smtClean="0"/>
-              <a:t>9/27/23</a:t>
+              <a:t>10/4/23</a:t>
             </a:fld>
             <a:endParaRPr lang="en-US"/>
           </a:p>
@@ -1972,7 +1974,7 @@
           <a:p>
             <a:fld id="{747FAD15-5AE3-A748-894C-ED788A335EC4}" type="datetimeFigureOut">
               <a:rPr lang="en-US" smtClean="0"/>
-              <a:t>9/27/23</a:t>
+              <a:t>10/4/23</a:t>
             </a:fld>
             <a:endParaRPr lang="en-US"/>
           </a:p>
@@ -2085,7 +2087,7 @@
           <a:p>
             <a:fld id="{747FAD15-5AE3-A748-894C-ED788A335EC4}" type="datetimeFigureOut">
               <a:rPr lang="en-US" smtClean="0"/>
-              <a:t>9/27/23</a:t>
+              <a:t>10/4/23</a:t>
             </a:fld>
             <a:endParaRPr lang="en-US"/>
           </a:p>
@@ -2396,7 +2398,7 @@
           <a:p>
             <a:fld id="{747FAD15-5AE3-A748-894C-ED788A335EC4}" type="datetimeFigureOut">
               <a:rPr lang="en-US" smtClean="0"/>
-              <a:t>9/27/23</a:t>
+              <a:t>10/4/23</a:t>
             </a:fld>
             <a:endParaRPr lang="en-US"/>
           </a:p>
@@ -2684,7 +2686,7 @@
           <a:p>
             <a:fld id="{747FAD15-5AE3-A748-894C-ED788A335EC4}" type="datetimeFigureOut">
               <a:rPr lang="en-US" smtClean="0"/>
-              <a:t>9/27/23</a:t>
+              <a:t>10/4/23</a:t>
             </a:fld>
             <a:endParaRPr lang="en-US"/>
           </a:p>
@@ -2925,7 +2927,7 @@
           <a:p>
             <a:fld id="{747FAD15-5AE3-A748-894C-ED788A335EC4}" type="datetimeFigureOut">
               <a:rPr lang="en-US" smtClean="0"/>
-              <a:t>9/27/23</a:t>
+              <a:t>10/4/23</a:t>
             </a:fld>
             <a:endParaRPr lang="en-US"/>
           </a:p>
@@ -5181,8 +5183,8 @@
         </p:blipFill>
         <p:spPr>
           <a:xfrm>
-            <a:off x="4440462" y="1825625"/>
-            <a:ext cx="3311076" cy="4351338"/>
+            <a:off x="4159097" y="1690688"/>
+            <a:ext cx="3901170" cy="5126825"/>
           </a:xfrm>
           <a:prstGeom prst="rect">
             <a:avLst/>
@@ -5193,6 +5195,261 @@
     <p:extLst>
       <p:ext uri="{BB962C8B-B14F-4D97-AF65-F5344CB8AC3E}">
         <p14:creationId xmlns:p14="http://schemas.microsoft.com/office/powerpoint/2010/main" val="2306979494"/>
+      </p:ext>
+    </p:extLst>
+  </p:cSld>
+  <p:clrMapOvr>
+    <a:masterClrMapping/>
+  </p:clrMapOvr>
+</p:sld>
+</file>
+
+<file path=ppt/slides/slide18.xml><?xml version="1.0" encoding="utf-8"?>
+<p:sld xmlns:a="http://schemas.openxmlformats.org/drawingml/2006/main" xmlns:r="http://schemas.openxmlformats.org/officeDocument/2006/relationships" xmlns:p="http://schemas.openxmlformats.org/presentationml/2006/main">
+  <p:cSld>
+    <p:spTree>
+      <p:nvGrpSpPr>
+        <p:cNvPr id="1" name=""/>
+        <p:cNvGrpSpPr/>
+        <p:nvPr/>
+      </p:nvGrpSpPr>
+      <p:grpSpPr>
+        <a:xfrm>
+          <a:off x="0" y="0"/>
+          <a:ext cx="0" cy="0"/>
+          <a:chOff x="0" y="0"/>
+          <a:chExt cx="0" cy="0"/>
+        </a:xfrm>
+      </p:grpSpPr>
+      <p:pic>
+        <p:nvPicPr>
+          <p:cNvPr id="4" name="Content Placeholder 3">
+            <a:extLst>
+              <a:ext uri="{FF2B5EF4-FFF2-40B4-BE49-F238E27FC236}">
+                <a16:creationId xmlns:a16="http://schemas.microsoft.com/office/drawing/2014/main" id="{100203DF-7157-0230-38B9-8438F647AEB0}"/>
+              </a:ext>
+            </a:extLst>
+          </p:cNvPr>
+          <p:cNvPicPr>
+            <a:picLocks noGrp="1" noChangeAspect="1"/>
+          </p:cNvPicPr>
+          <p:nvPr>
+            <p:ph idx="1"/>
+          </p:nvPr>
+        </p:nvPicPr>
+        <p:blipFill>
+          <a:blip r:embed="rId2"/>
+          <a:stretch>
+            <a:fillRect/>
+          </a:stretch>
+        </p:blipFill>
+        <p:spPr>
+          <a:xfrm>
+            <a:off x="8914791" y="1134533"/>
+            <a:ext cx="3311076" cy="4351338"/>
+          </a:xfrm>
+          <a:prstGeom prst="rect">
+            <a:avLst/>
+          </a:prstGeom>
+        </p:spPr>
+      </p:pic>
+      <p:pic>
+        <p:nvPicPr>
+          <p:cNvPr id="3" name="Picture 2">
+            <a:extLst>
+              <a:ext uri="{FF2B5EF4-FFF2-40B4-BE49-F238E27FC236}">
+                <a16:creationId xmlns:a16="http://schemas.microsoft.com/office/drawing/2014/main" id="{3CCD5FC3-0128-D405-4819-354EBF82D8FA}"/>
+              </a:ext>
+            </a:extLst>
+          </p:cNvPr>
+          <p:cNvPicPr>
+            <a:picLocks noChangeAspect="1"/>
+          </p:cNvPicPr>
+          <p:nvPr/>
+        </p:nvPicPr>
+        <p:blipFill>
+          <a:blip r:embed="rId3"/>
+          <a:stretch>
+            <a:fillRect/>
+          </a:stretch>
+        </p:blipFill>
+        <p:spPr>
+          <a:xfrm>
+            <a:off x="329108" y="0"/>
+            <a:ext cx="4116984" cy="6858000"/>
+          </a:xfrm>
+          <a:prstGeom prst="rect">
+            <a:avLst/>
+          </a:prstGeom>
+        </p:spPr>
+      </p:pic>
+      <p:pic>
+        <p:nvPicPr>
+          <p:cNvPr id="8" name="Picture 7">
+            <a:extLst>
+              <a:ext uri="{FF2B5EF4-FFF2-40B4-BE49-F238E27FC236}">
+                <a16:creationId xmlns:a16="http://schemas.microsoft.com/office/drawing/2014/main" id="{0F849716-F562-1790-0CF5-99BDB0DDC534}"/>
+              </a:ext>
+            </a:extLst>
+          </p:cNvPr>
+          <p:cNvPicPr>
+            <a:picLocks noChangeAspect="1"/>
+          </p:cNvPicPr>
+          <p:nvPr/>
+        </p:nvPicPr>
+        <p:blipFill>
+          <a:blip r:embed="rId4"/>
+          <a:stretch>
+            <a:fillRect/>
+          </a:stretch>
+        </p:blipFill>
+        <p:spPr>
+          <a:xfrm>
+            <a:off x="4699000" y="0"/>
+            <a:ext cx="3708400" cy="6858000"/>
+          </a:xfrm>
+          <a:prstGeom prst="rect">
+            <a:avLst/>
+          </a:prstGeom>
+        </p:spPr>
+      </p:pic>
+    </p:spTree>
+    <p:extLst>
+      <p:ext uri="{BB962C8B-B14F-4D97-AF65-F5344CB8AC3E}">
+        <p14:creationId xmlns:p14="http://schemas.microsoft.com/office/powerpoint/2010/main" val="1291729111"/>
+      </p:ext>
+    </p:extLst>
+  </p:cSld>
+  <p:clrMapOvr>
+    <a:masterClrMapping/>
+  </p:clrMapOvr>
+</p:sld>
+</file>
+
+<file path=ppt/slides/slide19.xml><?xml version="1.0" encoding="utf-8"?>
+<p:sld xmlns:a="http://schemas.openxmlformats.org/drawingml/2006/main" xmlns:r="http://schemas.openxmlformats.org/officeDocument/2006/relationships" xmlns:p="http://schemas.openxmlformats.org/presentationml/2006/main">
+  <p:cSld>
+    <p:spTree>
+      <p:nvGrpSpPr>
+        <p:cNvPr id="1" name=""/>
+        <p:cNvGrpSpPr/>
+        <p:nvPr/>
+      </p:nvGrpSpPr>
+      <p:grpSpPr>
+        <a:xfrm>
+          <a:off x="0" y="0"/>
+          <a:ext cx="0" cy="0"/>
+          <a:chOff x="0" y="0"/>
+          <a:chExt cx="0" cy="0"/>
+        </a:xfrm>
+      </p:grpSpPr>
+      <p:sp>
+        <p:nvSpPr>
+          <p:cNvPr id="2" name="Title 1">
+            <a:extLst>
+              <a:ext uri="{FF2B5EF4-FFF2-40B4-BE49-F238E27FC236}">
+                <a16:creationId xmlns:a16="http://schemas.microsoft.com/office/drawing/2014/main" id="{E6A6EA8B-1AF0-74B8-281F-55D80EAAF7C9}"/>
+              </a:ext>
+            </a:extLst>
+          </p:cNvPr>
+          <p:cNvSpPr>
+            <a:spLocks noGrp="1"/>
+          </p:cNvSpPr>
+          <p:nvPr>
+            <p:ph type="title"/>
+          </p:nvPr>
+        </p:nvSpPr>
+        <p:spPr>
+          <a:xfrm>
+            <a:off x="524933" y="563597"/>
+            <a:ext cx="3649134" cy="5747808"/>
+          </a:xfrm>
+        </p:spPr>
+        <p:txBody>
+          <a:bodyPr>
+            <a:normAutofit fontScale="90000"/>
+          </a:bodyPr>
+          <a:lstStyle/>
+          <a:p>
+            <a:r>
+              <a:rPr lang="en-US" i="1">
+                <a:solidFill>
+                  <a:srgbClr val="FF0000"/>
+                </a:solidFill>
+              </a:rPr>
+              <a:t>Turning</a:t>
+            </a:r>
+            <a:r>
+              <a:rPr lang="en-US"/>
+              <a:t> of balanced wind </a:t>
+            </a:r>
+            <a:r>
+              <a:rPr lang="en-US" i="1"/>
+              <a:t>direction</a:t>
+            </a:r>
+            <a:r>
+              <a:rPr lang="en-US"/>
+              <a:t>  indicates thickness (T)  </a:t>
+            </a:r>
+            <a:r>
+              <a:rPr lang="en-US" i="1">
+                <a:solidFill>
+                  <a:srgbClr val="FF0000"/>
+                </a:solidFill>
+              </a:rPr>
+              <a:t>advection</a:t>
+            </a:r>
+            <a:br>
+              <a:rPr lang="en-US" i="1"/>
+            </a:br>
+            <a:br>
+              <a:rPr lang="en-US" i="1"/>
+            </a:br>
+            <a:r>
+              <a:rPr lang="en-US" i="1"/>
+              <a:t>thermal wind itself  cannot advect T </a:t>
+            </a:r>
+            <a:r>
+              <a:rPr lang="en-US"/>
+              <a:t>(parallel to isotherms)</a:t>
+            </a:r>
+          </a:p>
+        </p:txBody>
+      </p:sp>
+      <p:pic>
+        <p:nvPicPr>
+          <p:cNvPr id="4" name="Picture 3">
+            <a:extLst>
+              <a:ext uri="{FF2B5EF4-FFF2-40B4-BE49-F238E27FC236}">
+                <a16:creationId xmlns:a16="http://schemas.microsoft.com/office/drawing/2014/main" id="{A01398E4-72A8-41DE-F18A-3652BE96970F}"/>
+              </a:ext>
+            </a:extLst>
+          </p:cNvPr>
+          <p:cNvPicPr>
+            <a:picLocks noChangeAspect="1"/>
+          </p:cNvPicPr>
+          <p:nvPr/>
+        </p:nvPicPr>
+        <p:blipFill>
+          <a:blip r:embed="rId2"/>
+          <a:stretch>
+            <a:fillRect/>
+          </a:stretch>
+        </p:blipFill>
+        <p:spPr>
+          <a:xfrm>
+            <a:off x="4174067" y="0"/>
+            <a:ext cx="7772400" cy="6294403"/>
+          </a:xfrm>
+          <a:prstGeom prst="rect">
+            <a:avLst/>
+          </a:prstGeom>
+        </p:spPr>
+      </p:pic>
+    </p:spTree>
+    <p:extLst>
+      <p:ext uri="{BB962C8B-B14F-4D97-AF65-F5344CB8AC3E}">
+        <p14:creationId xmlns:p14="http://schemas.microsoft.com/office/powerpoint/2010/main" val="115640713"/>
       </p:ext>
     </p:extLst>
   </p:cSld>

--- a/Week3-4_kinematics/Forces_WH7.2.pptx
+++ b/Week3-4_kinematics/Forces_WH7.2.pptx
@@ -24,6 +24,8 @@
     <p:sldId id="274" r:id="rId18"/>
     <p:sldId id="281" r:id="rId19"/>
     <p:sldId id="275" r:id="rId20"/>
+    <p:sldId id="282" r:id="rId21"/>
+    <p:sldId id="283" r:id="rId22"/>
   </p:sldIdLst>
   <p:sldSz cx="12192000" cy="6858000"/>
   <p:notesSz cx="6858000" cy="9144000"/>
@@ -3711,10 +3713,10 @@
       </p:sp>
       <p:pic>
         <p:nvPicPr>
-          <p:cNvPr id="6" name="Picture 5">
-            <a:extLst>
-              <a:ext uri="{FF2B5EF4-FFF2-40B4-BE49-F238E27FC236}">
-                <a16:creationId xmlns:a16="http://schemas.microsoft.com/office/drawing/2014/main" id="{4E3EA02F-B24E-8660-2DA7-933A0047C022}"/>
+          <p:cNvPr id="4" name="Picture 3">
+            <a:extLst>
+              <a:ext uri="{FF2B5EF4-FFF2-40B4-BE49-F238E27FC236}">
+                <a16:creationId xmlns:a16="http://schemas.microsoft.com/office/drawing/2014/main" id="{FD50A2D6-A055-6D9A-113E-360ECB42AC77}"/>
               </a:ext>
             </a:extLst>
           </p:cNvPr>
@@ -3731,8 +3733,8 @@
         </p:blipFill>
         <p:spPr>
           <a:xfrm>
-            <a:off x="914978" y="1583809"/>
-            <a:ext cx="10209701" cy="874382"/>
+            <a:off x="226942" y="1647617"/>
+            <a:ext cx="11779528" cy="850069"/>
           </a:xfrm>
           <a:prstGeom prst="rect">
             <a:avLst/>
@@ -5614,6 +5616,919 @@
     <p:extLst>
       <p:ext uri="{BB962C8B-B14F-4D97-AF65-F5344CB8AC3E}">
         <p14:creationId xmlns:p14="http://schemas.microsoft.com/office/powerpoint/2010/main" val="3409009301"/>
+      </p:ext>
+    </p:extLst>
+  </p:cSld>
+  <p:clrMapOvr>
+    <a:masterClrMapping/>
+  </p:clrMapOvr>
+</p:sld>
+</file>
+
+<file path=ppt/slides/slide20.xml><?xml version="1.0" encoding="utf-8"?>
+<p:sld xmlns:a="http://schemas.openxmlformats.org/drawingml/2006/main" xmlns:r="http://schemas.openxmlformats.org/officeDocument/2006/relationships" xmlns:p="http://schemas.openxmlformats.org/presentationml/2006/main">
+  <p:cSld>
+    <p:spTree>
+      <p:nvGrpSpPr>
+        <p:cNvPr id="1" name=""/>
+        <p:cNvGrpSpPr/>
+        <p:nvPr/>
+      </p:nvGrpSpPr>
+      <p:grpSpPr>
+        <a:xfrm>
+          <a:off x="0" y="0"/>
+          <a:ext cx="0" cy="0"/>
+          <a:chOff x="0" y="0"/>
+          <a:chExt cx="0" cy="0"/>
+        </a:xfrm>
+      </p:grpSpPr>
+      <p:sp>
+        <p:nvSpPr>
+          <p:cNvPr id="2" name="Title 1">
+            <a:extLst>
+              <a:ext uri="{FF2B5EF4-FFF2-40B4-BE49-F238E27FC236}">
+                <a16:creationId xmlns:a16="http://schemas.microsoft.com/office/drawing/2014/main" id="{F7230372-A867-0D7F-DCAB-EE567BD5FBA9}"/>
+              </a:ext>
+            </a:extLst>
+          </p:cNvPr>
+          <p:cNvSpPr>
+            <a:spLocks noGrp="1"/>
+          </p:cNvSpPr>
+          <p:nvPr>
+            <p:ph type="title"/>
+          </p:nvPr>
+        </p:nvSpPr>
+        <p:spPr>
+          <a:xfrm>
+            <a:off x="226942" y="365125"/>
+            <a:ext cx="11738116" cy="1325563"/>
+          </a:xfrm>
+        </p:spPr>
+        <p:txBody>
+          <a:bodyPr/>
+          <a:lstStyle/>
+          <a:p>
+            <a:pPr algn="ctr"/>
+            <a:r>
+              <a:rPr lang="en-US"/>
+              <a:t>momentum equation (p coordinate in vertical)</a:t>
+            </a:r>
+          </a:p>
+        </p:txBody>
+      </p:sp>
+      <p:sp>
+        <p:nvSpPr>
+          <p:cNvPr id="3" name="Content Placeholder 2">
+            <a:extLst>
+              <a:ext uri="{FF2B5EF4-FFF2-40B4-BE49-F238E27FC236}">
+                <a16:creationId xmlns:a16="http://schemas.microsoft.com/office/drawing/2014/main" id="{BE6A0A38-28AF-1185-76D0-19B74EEEA3FA}"/>
+              </a:ext>
+            </a:extLst>
+          </p:cNvPr>
+          <p:cNvSpPr>
+            <a:spLocks noGrp="1"/>
+          </p:cNvSpPr>
+          <p:nvPr>
+            <p:ph idx="1"/>
+          </p:nvPr>
+        </p:nvSpPr>
+        <p:spPr>
+          <a:xfrm>
+            <a:off x="838200" y="2458191"/>
+            <a:ext cx="10515600" cy="4286994"/>
+          </a:xfrm>
+        </p:spPr>
+        <p:txBody>
+          <a:bodyPr>
+            <a:normAutofit fontScale="85000" lnSpcReduction="20000"/>
+          </a:bodyPr>
+          <a:lstStyle/>
+          <a:p>
+            <a:pPr marL="0" indent="0" algn="ctr">
+              <a:buNone/>
+            </a:pPr>
+            <a:r>
+              <a:rPr lang="en-US"/>
+              <a:t>tderiV = HADV + VADV + COR + PGF + F</a:t>
+            </a:r>
+          </a:p>
+          <a:p>
+            <a:r>
+              <a:rPr lang="en-US" sz="3600"/>
+              <a:t>Start killing terms, making subsets we can grok </a:t>
+            </a:r>
+          </a:p>
+          <a:p>
+            <a:pPr lvl="1"/>
+            <a:r>
+              <a:rPr lang="en-US" sz="3200"/>
+              <a:t>tderiv small for “pattern changes slow compared to f”</a:t>
+            </a:r>
+          </a:p>
+          <a:p>
+            <a:pPr lvl="1"/>
+            <a:r>
+              <a:rPr lang="en-US" sz="3200"/>
+              <a:t>HADV small for smooth patters (weak gradient of u &amp; u)</a:t>
+            </a:r>
+          </a:p>
+          <a:p>
+            <a:pPr lvl="1"/>
+            <a:r>
+              <a:rPr lang="en-US" sz="3200"/>
+              <a:t>VADV small for weak vertical motions (stratified, thin atm.) </a:t>
+            </a:r>
+          </a:p>
+          <a:p>
+            <a:pPr lvl="1"/>
+            <a:r>
+              <a:rPr lang="en-US" sz="3200"/>
+              <a:t>Fric small far above PBL</a:t>
+            </a:r>
+          </a:p>
+          <a:p>
+            <a:pPr lvl="1"/>
+            <a:r>
+              <a:rPr lang="en-US" sz="3200"/>
+              <a:t>COR small if rotation of Earth is slow rel. to other terms</a:t>
+            </a:r>
+          </a:p>
+          <a:p>
+            <a:pPr lvl="1"/>
+            <a:endParaRPr lang="en-US" sz="3200"/>
+          </a:p>
+          <a:p>
+            <a:pPr lvl="1"/>
+            <a:r>
+              <a:rPr lang="en-US" sz="4000" b="1">
+                <a:solidFill>
+                  <a:srgbClr val="FF0000"/>
+                </a:solidFill>
+              </a:rPr>
+              <a:t>Rotational part of a Helmholtz decomposition: make PGF vanish with curl operation. </a:t>
+            </a:r>
+          </a:p>
+          <a:p>
+            <a:pPr lvl="2"/>
+            <a:r>
+              <a:rPr lang="en-US" sz="3600" b="1">
+                <a:solidFill>
+                  <a:srgbClr val="FF0000"/>
+                </a:solidFill>
+              </a:rPr>
+              <a:t>The Vorticity Equation!</a:t>
+            </a:r>
+          </a:p>
+          <a:p>
+            <a:endParaRPr lang="en-US"/>
+          </a:p>
+          <a:p>
+            <a:endParaRPr lang="en-US" sz="2000"/>
+          </a:p>
+        </p:txBody>
+      </p:sp>
+      <p:pic>
+        <p:nvPicPr>
+          <p:cNvPr id="4" name="Picture 3">
+            <a:extLst>
+              <a:ext uri="{FF2B5EF4-FFF2-40B4-BE49-F238E27FC236}">
+                <a16:creationId xmlns:a16="http://schemas.microsoft.com/office/drawing/2014/main" id="{FD50A2D6-A055-6D9A-113E-360ECB42AC77}"/>
+              </a:ext>
+            </a:extLst>
+          </p:cNvPr>
+          <p:cNvPicPr>
+            <a:picLocks noChangeAspect="1"/>
+          </p:cNvPicPr>
+          <p:nvPr/>
+        </p:nvPicPr>
+        <p:blipFill>
+          <a:blip r:embed="rId2"/>
+          <a:stretch>
+            <a:fillRect/>
+          </a:stretch>
+        </p:blipFill>
+        <p:spPr>
+          <a:xfrm>
+            <a:off x="226942" y="1415142"/>
+            <a:ext cx="11779528" cy="850069"/>
+          </a:xfrm>
+          <a:prstGeom prst="rect">
+            <a:avLst/>
+          </a:prstGeom>
+        </p:spPr>
+      </p:pic>
+    </p:spTree>
+    <p:extLst>
+      <p:ext uri="{BB962C8B-B14F-4D97-AF65-F5344CB8AC3E}">
+        <p14:creationId xmlns:p14="http://schemas.microsoft.com/office/powerpoint/2010/main" val="3136579845"/>
+      </p:ext>
+    </p:extLst>
+  </p:cSld>
+  <p:clrMapOvr>
+    <a:masterClrMapping/>
+  </p:clrMapOvr>
+</p:sld>
+</file>
+
+<file path=ppt/slides/slide21.xml><?xml version="1.0" encoding="utf-8"?>
+<p:sld xmlns:a="http://schemas.openxmlformats.org/drawingml/2006/main" xmlns:r="http://schemas.openxmlformats.org/officeDocument/2006/relationships" xmlns:p="http://schemas.openxmlformats.org/presentationml/2006/main">
+  <p:cSld>
+    <p:bg>
+      <p:bgPr>
+        <a:solidFill>
+          <a:schemeClr val="bg1"/>
+        </a:solidFill>
+        <a:effectLst/>
+      </p:bgPr>
+    </p:bg>
+    <p:spTree>
+      <p:nvGrpSpPr>
+        <p:cNvPr id="1" name=""/>
+        <p:cNvGrpSpPr/>
+        <p:nvPr/>
+      </p:nvGrpSpPr>
+      <p:grpSpPr>
+        <a:xfrm>
+          <a:off x="0" y="0"/>
+          <a:ext cx="0" cy="0"/>
+          <a:chOff x="0" y="0"/>
+          <a:chExt cx="0" cy="0"/>
+        </a:xfrm>
+      </p:grpSpPr>
+      <p:sp>
+        <p:nvSpPr>
+          <p:cNvPr id="9" name="Rectangle 8">
+            <a:extLst>
+              <a:ext uri="{FF2B5EF4-FFF2-40B4-BE49-F238E27FC236}">
+                <a16:creationId xmlns:a16="http://schemas.microsoft.com/office/drawing/2014/main" id="{F3060C83-F051-4F0E-ABAD-AA0DFC48B218}"/>
+              </a:ext>
+              <a:ext uri="{C183D7F6-B498-43B3-948B-1728B52AA6E4}">
+                <adec:decorative xmlns:adec="http://schemas.microsoft.com/office/drawing/2017/decorative" val="1"/>
+              </a:ext>
+            </a:extLst>
+          </p:cNvPr>
+          <p:cNvSpPr>
+            <a:spLocks noGrp="1" noRot="1" noChangeAspect="1" noMove="1" noResize="1" noEditPoints="1" noAdjustHandles="1" noChangeArrowheads="1" noChangeShapeType="1" noTextEdit="1"/>
+          </p:cNvSpPr>
+          <p:nvPr>
+            <p:extLst>
+              <p:ext uri="{386F3935-93C4-4BCD-93E2-E3B085C9AB24}">
+                <p16:designElem xmlns:p16="http://schemas.microsoft.com/office/powerpoint/2015/main" val="1"/>
+              </p:ext>
+            </p:extLst>
+          </p:nvPr>
+        </p:nvSpPr>
+        <p:spPr>
+          <a:xfrm>
+            <a:off x="0" y="0"/>
+            <a:ext cx="12192000" cy="6858000"/>
+          </a:xfrm>
+          <a:prstGeom prst="rect">
+            <a:avLst/>
+          </a:prstGeom>
+          <a:solidFill>
+            <a:schemeClr val="bg1"/>
+          </a:solidFill>
+          <a:ln>
+            <a:noFill/>
+          </a:ln>
+        </p:spPr>
+        <p:style>
+          <a:lnRef idx="2">
+            <a:schemeClr val="accent1">
+              <a:shade val="50000"/>
+            </a:schemeClr>
+          </a:lnRef>
+          <a:fillRef idx="1">
+            <a:schemeClr val="accent1"/>
+          </a:fillRef>
+          <a:effectRef idx="0">
+            <a:schemeClr val="accent1"/>
+          </a:effectRef>
+          <a:fontRef idx="minor">
+            <a:schemeClr val="lt1"/>
+          </a:fontRef>
+        </p:style>
+        <p:txBody>
+          <a:bodyPr rtlCol="0" anchor="ctr"/>
+          <a:lstStyle/>
+          <a:p>
+            <a:pPr algn="ctr"/>
+            <a:endParaRPr lang="en-US" dirty="0"/>
+          </a:p>
+        </p:txBody>
+      </p:sp>
+      <p:sp>
+        <p:nvSpPr>
+          <p:cNvPr id="11" name="Freeform: Shape 10">
+            <a:extLst>
+              <a:ext uri="{FF2B5EF4-FFF2-40B4-BE49-F238E27FC236}">
+                <a16:creationId xmlns:a16="http://schemas.microsoft.com/office/drawing/2014/main" id="{83C98ABE-055B-441F-B07E-44F97F083C39}"/>
+              </a:ext>
+              <a:ext uri="{C183D7F6-B498-43B3-948B-1728B52AA6E4}">
+                <adec:decorative xmlns:adec="http://schemas.microsoft.com/office/drawing/2017/decorative" val="1"/>
+              </a:ext>
+            </a:extLst>
+          </p:cNvPr>
+          <p:cNvSpPr>
+            <a:spLocks noGrp="1" noRot="1" noChangeAspect="1" noMove="1" noResize="1" noEditPoints="1" noAdjustHandles="1" noChangeArrowheads="1" noChangeShapeType="1" noTextEdit="1"/>
+          </p:cNvSpPr>
+          <p:nvPr>
+            <p:extLst>
+              <p:ext uri="{386F3935-93C4-4BCD-93E2-E3B085C9AB24}">
+                <p16:designElem xmlns:p16="http://schemas.microsoft.com/office/powerpoint/2015/main" val="1"/>
+              </p:ext>
+            </p:extLst>
+          </p:nvPr>
+        </p:nvSpPr>
+        <p:spPr>
+          <a:xfrm rot="18900000" flipH="1">
+            <a:off x="-376156" y="-253670"/>
+            <a:ext cx="1827638" cy="1376989"/>
+          </a:xfrm>
+          <a:custGeom>
+            <a:avLst/>
+            <a:gdLst>
+              <a:gd name="connsiteX0" fmla="*/ 0 w 1827638"/>
+              <a:gd name="connsiteY0" fmla="*/ 987379 h 1376989"/>
+              <a:gd name="connsiteX1" fmla="*/ 987379 w 1827638"/>
+              <a:gd name="connsiteY1" fmla="*/ 0 h 1376989"/>
+              <a:gd name="connsiteX2" fmla="*/ 1827638 w 1827638"/>
+              <a:gd name="connsiteY2" fmla="*/ 840260 h 1376989"/>
+              <a:gd name="connsiteX3" fmla="*/ 1827638 w 1827638"/>
+              <a:gd name="connsiteY3" fmla="*/ 1376989 h 1376989"/>
+              <a:gd name="connsiteX4" fmla="*/ 0 w 1827638"/>
+              <a:gd name="connsiteY4" fmla="*/ 1376989 h 1376989"/>
+            </a:gdLst>
+            <a:ahLst/>
+            <a:cxnLst>
+              <a:cxn ang="0">
+                <a:pos x="connsiteX0" y="connsiteY0"/>
+              </a:cxn>
+              <a:cxn ang="0">
+                <a:pos x="connsiteX1" y="connsiteY1"/>
+              </a:cxn>
+              <a:cxn ang="0">
+                <a:pos x="connsiteX2" y="connsiteY2"/>
+              </a:cxn>
+              <a:cxn ang="0">
+                <a:pos x="connsiteX3" y="connsiteY3"/>
+              </a:cxn>
+              <a:cxn ang="0">
+                <a:pos x="connsiteX4" y="connsiteY4"/>
+              </a:cxn>
+            </a:cxnLst>
+            <a:rect l="l" t="t" r="r" b="b"/>
+            <a:pathLst>
+              <a:path w="1827638" h="1376989">
+                <a:moveTo>
+                  <a:pt x="0" y="987379"/>
+                </a:moveTo>
+                <a:lnTo>
+                  <a:pt x="987379" y="0"/>
+                </a:lnTo>
+                <a:lnTo>
+                  <a:pt x="1827638" y="840260"/>
+                </a:lnTo>
+                <a:lnTo>
+                  <a:pt x="1827638" y="1376989"/>
+                </a:lnTo>
+                <a:lnTo>
+                  <a:pt x="0" y="1376989"/>
+                </a:lnTo>
+                <a:close/>
+              </a:path>
+            </a:pathLst>
+          </a:custGeom>
+          <a:solidFill>
+            <a:schemeClr val="accent1">
+              <a:alpha val="30000"/>
+            </a:schemeClr>
+          </a:solidFill>
+          <a:ln>
+            <a:noFill/>
+          </a:ln>
+        </p:spPr>
+        <p:style>
+          <a:lnRef idx="2">
+            <a:schemeClr val="accent1">
+              <a:shade val="50000"/>
+            </a:schemeClr>
+          </a:lnRef>
+          <a:fillRef idx="1">
+            <a:schemeClr val="accent1"/>
+          </a:fillRef>
+          <a:effectRef idx="0">
+            <a:schemeClr val="accent1"/>
+          </a:effectRef>
+          <a:fontRef idx="minor">
+            <a:schemeClr val="lt1"/>
+          </a:fontRef>
+        </p:style>
+        <p:txBody>
+          <a:bodyPr rtlCol="0" anchor="ctr"/>
+          <a:lstStyle/>
+          <a:p>
+            <a:pPr algn="ctr"/>
+            <a:endParaRPr lang="en-US" dirty="0"/>
+          </a:p>
+        </p:txBody>
+      </p:sp>
+      <p:sp>
+        <p:nvSpPr>
+          <p:cNvPr id="13" name="Rectangle 12">
+            <a:extLst>
+              <a:ext uri="{FF2B5EF4-FFF2-40B4-BE49-F238E27FC236}">
+                <a16:creationId xmlns:a16="http://schemas.microsoft.com/office/drawing/2014/main" id="{29FDB030-9B49-4CED-8CCD-4D99382388AC}"/>
+              </a:ext>
+              <a:ext uri="{C183D7F6-B498-43B3-948B-1728B52AA6E4}">
+                <adec:decorative xmlns:adec="http://schemas.microsoft.com/office/drawing/2017/decorative" val="1"/>
+              </a:ext>
+            </a:extLst>
+          </p:cNvPr>
+          <p:cNvSpPr>
+            <a:spLocks noGrp="1" noRot="1" noChangeAspect="1" noMove="1" noResize="1" noEditPoints="1" noAdjustHandles="1" noChangeArrowheads="1" noChangeShapeType="1" noTextEdit="1"/>
+          </p:cNvSpPr>
+          <p:nvPr>
+            <p:extLst>
+              <p:ext uri="{386F3935-93C4-4BCD-93E2-E3B085C9AB24}">
+                <p16:designElem xmlns:p16="http://schemas.microsoft.com/office/powerpoint/2015/main" val="1"/>
+              </p:ext>
+            </p:extLst>
+          </p:nvPr>
+        </p:nvSpPr>
+        <p:spPr>
+          <a:xfrm rot="18900000" flipH="1">
+            <a:off x="891641" y="422146"/>
+            <a:ext cx="645368" cy="645368"/>
+          </a:xfrm>
+          <a:prstGeom prst="rect">
+            <a:avLst/>
+          </a:prstGeom>
+          <a:solidFill>
+            <a:schemeClr val="accent1">
+              <a:alpha val="30000"/>
+            </a:schemeClr>
+          </a:solidFill>
+          <a:ln>
+            <a:noFill/>
+          </a:ln>
+        </p:spPr>
+        <p:style>
+          <a:lnRef idx="2">
+            <a:schemeClr val="accent1">
+              <a:shade val="50000"/>
+            </a:schemeClr>
+          </a:lnRef>
+          <a:fillRef idx="1">
+            <a:schemeClr val="accent1"/>
+          </a:fillRef>
+          <a:effectRef idx="0">
+            <a:schemeClr val="accent1"/>
+          </a:effectRef>
+          <a:fontRef idx="minor">
+            <a:schemeClr val="lt1"/>
+          </a:fontRef>
+        </p:style>
+        <p:txBody>
+          <a:bodyPr rtlCol="0" anchor="ctr"/>
+          <a:lstStyle/>
+          <a:p>
+            <a:pPr algn="ctr"/>
+            <a:endParaRPr lang="en-US"/>
+          </a:p>
+        </p:txBody>
+      </p:sp>
+      <p:sp>
+        <p:nvSpPr>
+          <p:cNvPr id="15" name="Rectangle 14">
+            <a:extLst>
+              <a:ext uri="{FF2B5EF4-FFF2-40B4-BE49-F238E27FC236}">
+                <a16:creationId xmlns:a16="http://schemas.microsoft.com/office/drawing/2014/main" id="{3783CA14-24A1-485C-8B30-D6A5D87987AD}"/>
+              </a:ext>
+              <a:ext uri="{C183D7F6-B498-43B3-948B-1728B52AA6E4}">
+                <adec:decorative xmlns:adec="http://schemas.microsoft.com/office/drawing/2017/decorative" val="1"/>
+              </a:ext>
+            </a:extLst>
+          </p:cNvPr>
+          <p:cNvSpPr>
+            <a:spLocks noGrp="1" noRot="1" noChangeAspect="1" noMove="1" noResize="1" noEditPoints="1" noAdjustHandles="1" noChangeArrowheads="1" noChangeShapeType="1" noTextEdit="1"/>
+          </p:cNvSpPr>
+          <p:nvPr>
+            <p:extLst>
+              <p:ext uri="{386F3935-93C4-4BCD-93E2-E3B085C9AB24}">
+                <p16:designElem xmlns:p16="http://schemas.microsoft.com/office/powerpoint/2015/main" val="1"/>
+              </p:ext>
+            </p:extLst>
+          </p:nvPr>
+        </p:nvSpPr>
+        <p:spPr>
+          <a:xfrm rot="18900000" flipH="1">
+            <a:off x="10043482" y="655140"/>
+            <a:ext cx="687472" cy="687472"/>
+          </a:xfrm>
+          <a:prstGeom prst="rect">
+            <a:avLst/>
+          </a:prstGeom>
+          <a:solidFill>
+            <a:schemeClr val="accent4">
+              <a:alpha val="30000"/>
+            </a:schemeClr>
+          </a:solidFill>
+          <a:ln>
+            <a:noFill/>
+          </a:ln>
+        </p:spPr>
+        <p:style>
+          <a:lnRef idx="2">
+            <a:schemeClr val="accent1">
+              <a:shade val="50000"/>
+            </a:schemeClr>
+          </a:lnRef>
+          <a:fillRef idx="1">
+            <a:schemeClr val="accent1"/>
+          </a:fillRef>
+          <a:effectRef idx="0">
+            <a:schemeClr val="accent1"/>
+          </a:effectRef>
+          <a:fontRef idx="minor">
+            <a:schemeClr val="lt1"/>
+          </a:fontRef>
+        </p:style>
+        <p:txBody>
+          <a:bodyPr rtlCol="0" anchor="ctr"/>
+          <a:lstStyle/>
+          <a:p>
+            <a:pPr algn="ctr"/>
+            <a:endParaRPr lang="en-US"/>
+          </a:p>
+        </p:txBody>
+      </p:sp>
+      <p:sp>
+        <p:nvSpPr>
+          <p:cNvPr id="17" name="Freeform: Shape 16">
+            <a:extLst>
+              <a:ext uri="{FF2B5EF4-FFF2-40B4-BE49-F238E27FC236}">
+                <a16:creationId xmlns:a16="http://schemas.microsoft.com/office/drawing/2014/main" id="{9A97C86A-04D6-40F7-AE84-31AB43E6A846}"/>
+              </a:ext>
+              <a:ext uri="{C183D7F6-B498-43B3-948B-1728B52AA6E4}">
+                <adec:decorative xmlns:adec="http://schemas.microsoft.com/office/drawing/2017/decorative" val="1"/>
+              </a:ext>
+            </a:extLst>
+          </p:cNvPr>
+          <p:cNvSpPr>
+            <a:spLocks noGrp="1" noRot="1" noChangeAspect="1" noMove="1" noResize="1" noEditPoints="1" noAdjustHandles="1" noChangeArrowheads="1" noChangeShapeType="1" noTextEdit="1"/>
+          </p:cNvSpPr>
+          <p:nvPr>
+            <p:extLst>
+              <p:ext uri="{386F3935-93C4-4BCD-93E2-E3B085C9AB24}">
+                <p16:designElem xmlns:p16="http://schemas.microsoft.com/office/powerpoint/2015/main" val="1"/>
+              </p:ext>
+            </p:extLst>
+          </p:nvPr>
+        </p:nvSpPr>
+        <p:spPr>
+          <a:xfrm rot="10800000" flipH="1">
+            <a:off x="9356643" y="0"/>
+            <a:ext cx="2835357" cy="1480837"/>
+          </a:xfrm>
+          <a:custGeom>
+            <a:avLst/>
+            <a:gdLst>
+              <a:gd name="connsiteX0" fmla="*/ 2835357 w 2835357"/>
+              <a:gd name="connsiteY0" fmla="*/ 1480837 h 1480837"/>
+              <a:gd name="connsiteX1" fmla="*/ 0 w 2835357"/>
+              <a:gd name="connsiteY1" fmla="*/ 1480837 h 1480837"/>
+              <a:gd name="connsiteX2" fmla="*/ 1552727 w 2835357"/>
+              <a:gd name="connsiteY2" fmla="*/ 0 h 1480837"/>
+              <a:gd name="connsiteX3" fmla="*/ 2835357 w 2835357"/>
+              <a:gd name="connsiteY3" fmla="*/ 1223245 h 1480837"/>
+            </a:gdLst>
+            <a:ahLst/>
+            <a:cxnLst>
+              <a:cxn ang="0">
+                <a:pos x="connsiteX0" y="connsiteY0"/>
+              </a:cxn>
+              <a:cxn ang="0">
+                <a:pos x="connsiteX1" y="connsiteY1"/>
+              </a:cxn>
+              <a:cxn ang="0">
+                <a:pos x="connsiteX2" y="connsiteY2"/>
+              </a:cxn>
+              <a:cxn ang="0">
+                <a:pos x="connsiteX3" y="connsiteY3"/>
+              </a:cxn>
+            </a:cxnLst>
+            <a:rect l="l" t="t" r="r" b="b"/>
+            <a:pathLst>
+              <a:path w="2835357" h="1480837">
+                <a:moveTo>
+                  <a:pt x="2835357" y="1480837"/>
+                </a:moveTo>
+                <a:lnTo>
+                  <a:pt x="0" y="1480837"/>
+                </a:lnTo>
+                <a:lnTo>
+                  <a:pt x="1552727" y="0"/>
+                </a:lnTo>
+                <a:lnTo>
+                  <a:pt x="2835357" y="1223245"/>
+                </a:lnTo>
+                <a:close/>
+              </a:path>
+            </a:pathLst>
+          </a:custGeom>
+          <a:solidFill>
+            <a:schemeClr val="accent4">
+              <a:alpha val="30000"/>
+            </a:schemeClr>
+          </a:solidFill>
+          <a:ln>
+            <a:noFill/>
+          </a:ln>
+        </p:spPr>
+        <p:style>
+          <a:lnRef idx="2">
+            <a:schemeClr val="accent1">
+              <a:shade val="50000"/>
+            </a:schemeClr>
+          </a:lnRef>
+          <a:fillRef idx="1">
+            <a:schemeClr val="accent1"/>
+          </a:fillRef>
+          <a:effectRef idx="0">
+            <a:schemeClr val="accent1"/>
+          </a:effectRef>
+          <a:fontRef idx="minor">
+            <a:schemeClr val="lt1"/>
+          </a:fontRef>
+        </p:style>
+        <p:txBody>
+          <a:bodyPr wrap="square" rtlCol="0" anchor="ctr">
+            <a:noAutofit/>
+          </a:bodyPr>
+          <a:lstStyle/>
+          <a:p>
+            <a:pPr algn="ctr"/>
+            <a:endParaRPr lang="en-US" dirty="0"/>
+          </a:p>
+        </p:txBody>
+      </p:sp>
+      <p:sp>
+        <p:nvSpPr>
+          <p:cNvPr id="19" name="Isosceles Triangle 18">
+            <a:extLst>
+              <a:ext uri="{FF2B5EF4-FFF2-40B4-BE49-F238E27FC236}">
+                <a16:creationId xmlns:a16="http://schemas.microsoft.com/office/drawing/2014/main" id="{FF9F2414-84E8-453E-B1F3-389FDE8192D9}"/>
+              </a:ext>
+              <a:ext uri="{C183D7F6-B498-43B3-948B-1728B52AA6E4}">
+                <adec:decorative xmlns:adec="http://schemas.microsoft.com/office/drawing/2017/decorative" val="1"/>
+              </a:ext>
+            </a:extLst>
+          </p:cNvPr>
+          <p:cNvSpPr>
+            <a:spLocks noGrp="1" noRot="1" noChangeAspect="1" noMove="1" noResize="1" noEditPoints="1" noAdjustHandles="1" noChangeArrowheads="1" noChangeShapeType="1" noTextEdit="1"/>
+          </p:cNvSpPr>
+          <p:nvPr>
+            <p:extLst>
+              <p:ext uri="{386F3935-93C4-4BCD-93E2-E3B085C9AB24}">
+                <p16:designElem xmlns:p16="http://schemas.microsoft.com/office/powerpoint/2015/main" val="1"/>
+              </p:ext>
+            </p:extLst>
+          </p:nvPr>
+        </p:nvSpPr>
+        <p:spPr>
+          <a:xfrm flipH="1">
+            <a:off x="7976344" y="6115501"/>
+            <a:ext cx="1494513" cy="742499"/>
+          </a:xfrm>
+          <a:prstGeom prst="triangle">
+            <a:avLst/>
+          </a:prstGeom>
+          <a:solidFill>
+            <a:schemeClr val="accent1">
+              <a:alpha val="30000"/>
+            </a:schemeClr>
+          </a:solidFill>
+          <a:ln>
+            <a:noFill/>
+          </a:ln>
+        </p:spPr>
+        <p:style>
+          <a:lnRef idx="2">
+            <a:schemeClr val="accent1">
+              <a:shade val="50000"/>
+            </a:schemeClr>
+          </a:lnRef>
+          <a:fillRef idx="1">
+            <a:schemeClr val="accent1"/>
+          </a:fillRef>
+          <a:effectRef idx="0">
+            <a:schemeClr val="accent1"/>
+          </a:effectRef>
+          <a:fontRef idx="minor">
+            <a:schemeClr val="lt1"/>
+          </a:fontRef>
+        </p:style>
+        <p:txBody>
+          <a:bodyPr rtlCol="0" anchor="ctr"/>
+          <a:lstStyle/>
+          <a:p>
+            <a:pPr algn="ctr"/>
+            <a:endParaRPr lang="en-US"/>
+          </a:p>
+        </p:txBody>
+      </p:sp>
+      <p:pic>
+        <p:nvPicPr>
+          <p:cNvPr id="4" name="Content Placeholder 3" descr="A math equations on a white background&#10;&#10;Description automatically generated">
+            <a:extLst>
+              <a:ext uri="{FF2B5EF4-FFF2-40B4-BE49-F238E27FC236}">
+                <a16:creationId xmlns:a16="http://schemas.microsoft.com/office/drawing/2014/main" id="{512320A0-31E8-DAA8-6CAC-3C4C34A32F85}"/>
+              </a:ext>
+            </a:extLst>
+          </p:cNvPr>
+          <p:cNvPicPr>
+            <a:picLocks noGrp="1" noChangeAspect="1"/>
+          </p:cNvPicPr>
+          <p:nvPr>
+            <p:ph idx="1"/>
+          </p:nvPr>
+        </p:nvPicPr>
+        <p:blipFill>
+          <a:blip r:embed="rId2"/>
+          <a:stretch>
+            <a:fillRect/>
+          </a:stretch>
+        </p:blipFill>
+        <p:spPr>
+          <a:xfrm>
+            <a:off x="643467" y="1993596"/>
+            <a:ext cx="10905066" cy="4416551"/>
+          </a:xfrm>
+          <a:prstGeom prst="rect">
+            <a:avLst/>
+          </a:prstGeom>
+          <a:ln>
+            <a:noFill/>
+          </a:ln>
+        </p:spPr>
+      </p:pic>
+      <p:sp>
+        <p:nvSpPr>
+          <p:cNvPr id="21" name="Isosceles Triangle 20">
+            <a:extLst>
+              <a:ext uri="{FF2B5EF4-FFF2-40B4-BE49-F238E27FC236}">
+                <a16:creationId xmlns:a16="http://schemas.microsoft.com/office/drawing/2014/main" id="{3ECA69A1-7536-43AC-85EF-C7106179F5ED}"/>
+              </a:ext>
+              <a:ext uri="{C183D7F6-B498-43B3-948B-1728B52AA6E4}">
+                <adec:decorative xmlns:adec="http://schemas.microsoft.com/office/drawing/2017/decorative" val="1"/>
+              </a:ext>
+            </a:extLst>
+          </p:cNvPr>
+          <p:cNvSpPr>
+            <a:spLocks noGrp="1" noRot="1" noChangeAspect="1" noMove="1" noResize="1" noEditPoints="1" noAdjustHandles="1" noChangeArrowheads="1" noChangeShapeType="1" noTextEdit="1"/>
+          </p:cNvSpPr>
+          <p:nvPr>
+            <p:extLst>
+              <p:ext uri="{386F3935-93C4-4BCD-93E2-E3B085C9AB24}">
+                <p16:designElem xmlns:p16="http://schemas.microsoft.com/office/powerpoint/2015/main" val="1"/>
+              </p:ext>
+            </p:extLst>
+          </p:nvPr>
+        </p:nvSpPr>
+        <p:spPr>
+          <a:xfrm flipH="1">
+            <a:off x="7604080" y="6453143"/>
+            <a:ext cx="814903" cy="404857"/>
+          </a:xfrm>
+          <a:prstGeom prst="triangle">
+            <a:avLst/>
+          </a:prstGeom>
+          <a:solidFill>
+            <a:schemeClr val="accent1">
+              <a:alpha val="30000"/>
+            </a:schemeClr>
+          </a:solidFill>
+          <a:ln>
+            <a:noFill/>
+          </a:ln>
+        </p:spPr>
+        <p:style>
+          <a:lnRef idx="2">
+            <a:schemeClr val="accent1">
+              <a:shade val="50000"/>
+            </a:schemeClr>
+          </a:lnRef>
+          <a:fillRef idx="1">
+            <a:schemeClr val="accent1"/>
+          </a:fillRef>
+          <a:effectRef idx="0">
+            <a:schemeClr val="accent1"/>
+          </a:effectRef>
+          <a:fontRef idx="minor">
+            <a:schemeClr val="lt1"/>
+          </a:fontRef>
+        </p:style>
+        <p:txBody>
+          <a:bodyPr rtlCol="0" anchor="ctr"/>
+          <a:lstStyle/>
+          <a:p>
+            <a:pPr algn="ctr"/>
+            <a:endParaRPr lang="en-US"/>
+          </a:p>
+        </p:txBody>
+      </p:sp>
+      <p:sp>
+        <p:nvSpPr>
+          <p:cNvPr id="6" name="TextBox 5">
+            <a:extLst>
+              <a:ext uri="{FF2B5EF4-FFF2-40B4-BE49-F238E27FC236}">
+                <a16:creationId xmlns:a16="http://schemas.microsoft.com/office/drawing/2014/main" id="{DE40B48C-3958-44EB-2BA9-62CD6716AAA2}"/>
+              </a:ext>
+            </a:extLst>
+          </p:cNvPr>
+          <p:cNvSpPr txBox="1"/>
+          <p:nvPr/>
+        </p:nvSpPr>
+        <p:spPr>
+          <a:xfrm>
+            <a:off x="431370" y="336941"/>
+            <a:ext cx="11329260" cy="1569660"/>
+          </a:xfrm>
+          <a:prstGeom prst="rect">
+            <a:avLst/>
+          </a:prstGeom>
+          <a:noFill/>
+        </p:spPr>
+        <p:txBody>
+          <a:bodyPr wrap="square" rtlCol="0">
+            <a:spAutoFit/>
+          </a:bodyPr>
+          <a:lstStyle/>
+          <a:p>
+            <a:pPr algn="ctr"/>
+            <a:r>
+              <a:rPr lang="en-US" sz="3200">
+                <a:solidFill>
+                  <a:srgbClr val="FF0000"/>
+                </a:solidFill>
+              </a:rPr>
+              <a:t>Relative vorticity </a:t>
+            </a:r>
+            <a:r>
+              <a:rPr lang="en-US" sz="3200">
+                <a:latin typeface="Symbol" pitchFamily="2" charset="2"/>
+              </a:rPr>
+              <a:t>z </a:t>
+            </a:r>
+          </a:p>
+          <a:p>
+            <a:pPr algn="ctr"/>
+            <a:r>
+              <a:rPr lang="en-US" sz="3200">
+                <a:solidFill>
+                  <a:srgbClr val="FF0000"/>
+                </a:solidFill>
+              </a:rPr>
+              <a:t>Planetary vorticity </a:t>
+            </a:r>
+            <a:r>
+              <a:rPr lang="en-US" sz="3200"/>
+              <a:t>f (new name for “Coriolis Parameter”!)</a:t>
+            </a:r>
+          </a:p>
+          <a:p>
+            <a:pPr algn="ctr"/>
+            <a:r>
+              <a:rPr lang="en-US" sz="3200">
+                <a:solidFill>
+                  <a:srgbClr val="FF0000"/>
+                </a:solidFill>
+              </a:rPr>
+              <a:t>Absolute vorticity </a:t>
+            </a:r>
+            <a:r>
+              <a:rPr lang="en-US" sz="3200"/>
+              <a:t>(</a:t>
+            </a:r>
+            <a:r>
+              <a:rPr lang="en-US" sz="3200">
+                <a:latin typeface="Symbol" pitchFamily="2" charset="2"/>
+              </a:rPr>
+              <a:t>z</a:t>
+            </a:r>
+            <a:r>
+              <a:rPr lang="en-US" sz="3200"/>
+              <a:t>+f) </a:t>
+            </a:r>
+          </a:p>
+        </p:txBody>
+      </p:sp>
+    </p:spTree>
+    <p:extLst>
+      <p:ext uri="{BB962C8B-B14F-4D97-AF65-F5344CB8AC3E}">
+        <p14:creationId xmlns:p14="http://schemas.microsoft.com/office/powerpoint/2010/main" val="154432167"/>
       </p:ext>
     </p:extLst>
   </p:cSld>
